--- a/Leçon chimie/LC 9/LC9 Du macro au micro dans les synthèses orga.pptx
+++ b/Leçon chimie/LC 9/LC9 Du macro au micro dans les synthèses orga.pptx
@@ -5,7 +5,7 @@
     <p:sldMasterId id="2147483684" r:id="rId1"/>
   </p:sldMasterIdLst>
   <p:notesMasterIdLst>
-    <p:notesMasterId r:id="rId24"/>
+    <p:notesMasterId r:id="rId25"/>
   </p:notesMasterIdLst>
   <p:sldIdLst>
     <p:sldId id="256" r:id="rId2"/>
@@ -18,18 +18,19 @@
     <p:sldId id="272" r:id="rId9"/>
     <p:sldId id="273" r:id="rId10"/>
     <p:sldId id="274" r:id="rId11"/>
-    <p:sldId id="278" r:id="rId12"/>
-    <p:sldId id="280" r:id="rId13"/>
-    <p:sldId id="281" r:id="rId14"/>
-    <p:sldId id="282" r:id="rId15"/>
-    <p:sldId id="286" r:id="rId16"/>
-    <p:sldId id="267" r:id="rId17"/>
-    <p:sldId id="269" r:id="rId18"/>
-    <p:sldId id="260" r:id="rId19"/>
-    <p:sldId id="261" r:id="rId20"/>
-    <p:sldId id="290" r:id="rId21"/>
-    <p:sldId id="293" r:id="rId22"/>
-    <p:sldId id="299" r:id="rId23"/>
+    <p:sldId id="300" r:id="rId12"/>
+    <p:sldId id="278" r:id="rId13"/>
+    <p:sldId id="280" r:id="rId14"/>
+    <p:sldId id="281" r:id="rId15"/>
+    <p:sldId id="282" r:id="rId16"/>
+    <p:sldId id="286" r:id="rId17"/>
+    <p:sldId id="267" r:id="rId18"/>
+    <p:sldId id="269" r:id="rId19"/>
+    <p:sldId id="260" r:id="rId20"/>
+    <p:sldId id="261" r:id="rId21"/>
+    <p:sldId id="290" r:id="rId22"/>
+    <p:sldId id="293" r:id="rId23"/>
+    <p:sldId id="299" r:id="rId24"/>
   </p:sldIdLst>
   <p:sldSz cx="12192000" cy="6858000"/>
   <p:notesSz cx="6858000" cy="9144000"/>
@@ -130,7 +131,7 @@
   </p:defaultTextStyle>
   <p:extLst>
     <p:ext uri="{EFAFB233-063F-42B5-8137-9DF3F51BA10A}">
-      <p15:sldGuideLst xmlns:p15="http://schemas.microsoft.com/office/powerpoint/2012/main" xmlns=""/>
+      <p15:sldGuideLst xmlns="" xmlns:p15="http://schemas.microsoft.com/office/powerpoint/2012/main"/>
     </p:ext>
   </p:extLst>
 </p:presentation>
@@ -219,7 +220,7 @@
             <a:fld id="{17AF0E79-072F-4E5C-9286-98ECF95E8546}" type="datetimeFigureOut">
               <a:rPr lang="fr-FR" smtClean="0"/>
               <a:pPr/>
-              <a:t>19/05/20</a:t>
+              <a:t>20/06/20</a:t>
             </a:fld>
             <a:endParaRPr lang="fr-FR"/>
           </a:p>
@@ -669,7 +670,7 @@
             <a:fld id="{4E140AB5-96CA-4576-A2A4-2853360B413B}" type="datetime1">
               <a:rPr lang="fr-FR" smtClean="0"/>
               <a:pPr/>
-              <a:t>19/05/20</a:t>
+              <a:t>20/06/20</a:t>
             </a:fld>
             <a:endParaRPr lang="fr-FR"/>
           </a:p>
@@ -836,7 +837,7 @@
             <a:fld id="{F4250564-8DC1-4500-A71A-E02D529847B6}" type="datetime1">
               <a:rPr lang="fr-FR" smtClean="0"/>
               <a:pPr/>
-              <a:t>19/05/20</a:t>
+              <a:t>20/06/20</a:t>
             </a:fld>
             <a:endParaRPr lang="fr-FR"/>
           </a:p>
@@ -1013,7 +1014,7 @@
             <a:fld id="{9BF6E496-4109-4EDE-88F3-038E8761E1E3}" type="datetime1">
               <a:rPr lang="fr-FR" smtClean="0"/>
               <a:pPr/>
-              <a:t>19/05/20</a:t>
+              <a:t>20/06/20</a:t>
             </a:fld>
             <a:endParaRPr lang="fr-FR"/>
           </a:p>
@@ -1539,7 +1540,7 @@
             <a:fld id="{2208BD93-9A0C-438C-AAF5-3C53E61B3C6B}" type="datetime1">
               <a:rPr lang="fr-FR" smtClean="0"/>
               <a:pPr/>
-              <a:t>19/05/20</a:t>
+              <a:t>20/06/20</a:t>
             </a:fld>
             <a:endParaRPr lang="fr-FR"/>
           </a:p>
@@ -1782,7 +1783,7 @@
             <a:fld id="{415100AE-0C52-4A55-917A-AACD907B410E}" type="datetime1">
               <a:rPr lang="fr-FR" smtClean="0"/>
               <a:pPr/>
-              <a:t>19/05/20</a:t>
+              <a:t>20/06/20</a:t>
             </a:fld>
             <a:endParaRPr lang="fr-FR"/>
           </a:p>
@@ -2067,7 +2068,7 @@
             <a:fld id="{493AEAA5-7E67-40AD-AA46-70B1A11CA372}" type="datetime1">
               <a:rPr lang="fr-FR" smtClean="0"/>
               <a:pPr/>
-              <a:t>19/05/20</a:t>
+              <a:t>20/06/20</a:t>
             </a:fld>
             <a:endParaRPr lang="fr-FR"/>
           </a:p>
@@ -2491,7 +2492,7 @@
             <a:fld id="{3DFC95B2-5D3C-4B00-BA95-214B4B668B6A}" type="datetime1">
               <a:rPr lang="fr-FR" smtClean="0"/>
               <a:pPr/>
-              <a:t>19/05/20</a:t>
+              <a:t>20/06/20</a:t>
             </a:fld>
             <a:endParaRPr lang="fr-FR"/>
           </a:p>
@@ -2606,7 +2607,7 @@
             <a:fld id="{F6605669-6DD8-46D2-BBC6-CF8F449B99DC}" type="datetime1">
               <a:rPr lang="fr-FR" smtClean="0"/>
               <a:pPr/>
-              <a:t>19/05/20</a:t>
+              <a:t>20/06/20</a:t>
             </a:fld>
             <a:endParaRPr lang="fr-FR"/>
           </a:p>
@@ -2698,7 +2699,7 @@
             <a:fld id="{1B0E58CD-4921-4DE9-8097-7214BA2BFA8B}" type="datetime1">
               <a:rPr lang="fr-FR" smtClean="0"/>
               <a:pPr/>
-              <a:t>19/05/20</a:t>
+              <a:t>20/06/20</a:t>
             </a:fld>
             <a:endParaRPr lang="fr-FR"/>
           </a:p>
@@ -2972,7 +2973,7 @@
             <a:fld id="{824F0C40-03AC-4926-BE04-A295D69D6CAB}" type="datetime1">
               <a:rPr lang="fr-FR" smtClean="0"/>
               <a:pPr/>
-              <a:t>19/05/20</a:t>
+              <a:t>20/06/20</a:t>
             </a:fld>
             <a:endParaRPr lang="fr-FR"/>
           </a:p>
@@ -3222,7 +3223,7 @@
             <a:fld id="{D94375AB-1D70-4066-97FA-3B7690B98807}" type="datetime1">
               <a:rPr lang="fr-FR" smtClean="0"/>
               <a:pPr/>
-              <a:t>19/05/20</a:t>
+              <a:t>20/06/20</a:t>
             </a:fld>
             <a:endParaRPr lang="fr-FR"/>
           </a:p>
@@ -3432,7 +3433,7 @@
             <a:fld id="{75F97F49-8947-43F2-80D8-8E7F20C52A59}" type="datetime1">
               <a:rPr lang="fr-FR" smtClean="0"/>
               <a:pPr/>
-              <a:t>19/05/20</a:t>
+              <a:t>20/06/20</a:t>
             </a:fld>
             <a:endParaRPr lang="fr-FR"/>
           </a:p>
@@ -3810,7 +3811,7 @@
           <p:cNvPr id="2" name="Titre 1">
             <a:extLst>
               <a:ext uri="{FF2B5EF4-FFF2-40B4-BE49-F238E27FC236}">
-                <a16:creationId xmlns:a16="http://schemas.microsoft.com/office/drawing/2014/main" xmlns="" id="{871FDCDA-F774-4BF6-9F32-C636B0847EE5}"/>
+                <a16:creationId xmlns="" xmlns:a16="http://schemas.microsoft.com/office/drawing/2014/main" id="{871FDCDA-F774-4BF6-9F32-C636B0847EE5}"/>
               </a:ext>
             </a:extLst>
           </p:cNvPr>
@@ -3903,7 +3904,7 @@
           <p:cNvPr id="2" name="Titre 1">
             <a:extLst>
               <a:ext uri="{FF2B5EF4-FFF2-40B4-BE49-F238E27FC236}">
-                <a16:creationId xmlns:a16="http://schemas.microsoft.com/office/drawing/2014/main" xmlns="" id="{4A333051-03C1-4C99-99E8-D6EB6F77E31D}"/>
+                <a16:creationId xmlns="" xmlns:a16="http://schemas.microsoft.com/office/drawing/2014/main" id="{4A333051-03C1-4C99-99E8-D6EB6F77E31D}"/>
               </a:ext>
             </a:extLst>
           </p:cNvPr>
@@ -3939,7 +3940,7 @@
           <p:cNvPr id="4" name="Espace réservé du numéro de diapositive 3">
             <a:extLst>
               <a:ext uri="{FF2B5EF4-FFF2-40B4-BE49-F238E27FC236}">
-                <a16:creationId xmlns:a16="http://schemas.microsoft.com/office/drawing/2014/main" xmlns="" id="{0BBC07CE-C719-43C3-AFBF-B7362EAE405D}"/>
+                <a16:creationId xmlns="" xmlns:a16="http://schemas.microsoft.com/office/drawing/2014/main" id="{0BBC07CE-C719-43C3-AFBF-B7362EAE405D}"/>
               </a:ext>
             </a:extLst>
           </p:cNvPr>
@@ -3968,7 +3969,7 @@
           <p:cNvPr id="5" name="Image 4">
             <a:extLst>
               <a:ext uri="{FF2B5EF4-FFF2-40B4-BE49-F238E27FC236}">
-                <a16:creationId xmlns:a16="http://schemas.microsoft.com/office/drawing/2014/main" xmlns="" id="{B4A22D20-4272-4F97-87FD-4CBBE4E76889}"/>
+                <a16:creationId xmlns="" xmlns:a16="http://schemas.microsoft.com/office/drawing/2014/main" id="{B4A22D20-4272-4F97-87FD-4CBBE4E76889}"/>
               </a:ext>
             </a:extLst>
           </p:cNvPr>
@@ -3998,7 +3999,7 @@
           <p:cNvPr id="6" name="ZoneTexte 5">
             <a:extLst>
               <a:ext uri="{FF2B5EF4-FFF2-40B4-BE49-F238E27FC236}">
-                <a16:creationId xmlns:a16="http://schemas.microsoft.com/office/drawing/2014/main" xmlns="" id="{0AACE21D-8526-44E8-8369-8DBA0ED3255F}"/>
+                <a16:creationId xmlns="" xmlns:a16="http://schemas.microsoft.com/office/drawing/2014/main" id="{0AACE21D-8526-44E8-8369-8DBA0ED3255F}"/>
               </a:ext>
             </a:extLst>
           </p:cNvPr>
@@ -4072,7 +4073,7 @@
           <p:cNvPr id="2" name="Titre 1">
             <a:extLst>
               <a:ext uri="{FF2B5EF4-FFF2-40B4-BE49-F238E27FC236}">
-                <a16:creationId xmlns:a16="http://schemas.microsoft.com/office/drawing/2014/main" xmlns="" id="{CC4B097F-4E93-47C7-8D26-4E94A5CB61D7}"/>
+                <a16:creationId xmlns:a16="http://schemas.microsoft.com/office/drawing/2014/main" xmlns="" id="{CF22741F-B9DD-4DF6-9AAC-10D0DEF279BC}"/>
               </a:ext>
             </a:extLst>
           </p:cNvPr>
@@ -4083,44 +4084,75 @@
             <p:ph type="title"/>
           </p:nvPr>
         </p:nvSpPr>
-        <p:spPr/>
+        <p:spPr>
+          <a:xfrm>
+            <a:off x="318052" y="286603"/>
+            <a:ext cx="10837628" cy="1450757"/>
+          </a:xfrm>
+        </p:spPr>
         <p:txBody>
           <a:bodyPr/>
           <a:lstStyle/>
           <a:p>
             <a:r>
-              <a:rPr lang="fr-FR" dirty="0" smtClean="0">
+              <a:rPr lang="fr-FR" dirty="0">
                 <a:solidFill>
                   <a:schemeClr val="accent2">
                     <a:lumMod val="75000"/>
                   </a:schemeClr>
                 </a:solidFill>
               </a:rPr>
-              <a:t>Oxydation du menthol en </a:t>
-            </a:r>
-            <a:r>
-              <a:rPr lang="fr-FR" dirty="0" err="1" smtClean="0">
-                <a:solidFill>
-                  <a:schemeClr val="accent2">
-                    <a:lumMod val="75000"/>
-                  </a:schemeClr>
-                </a:solidFill>
-              </a:rPr>
-              <a:t>menthone</a:t>
-            </a:r>
-            <a:endParaRPr lang="fr-FR" dirty="0">
-              <a:solidFill>
-                <a:schemeClr val="accent2">
-                  <a:lumMod val="75000"/>
-                </a:schemeClr>
-              </a:solidFill>
-            </a:endParaRPr>
+              <a:t>Allongement de chaine par polymérisation</a:t>
+            </a:r>
+            <a:r>
+              <a:rPr lang="fr-FR" dirty="0"/>
+              <a:t/>
+            </a:r>
+            <a:br>
+              <a:rPr lang="fr-FR" dirty="0"/>
+            </a:br>
+            <a:endParaRPr lang="fr-FR" dirty="0"/>
+          </a:p>
+        </p:txBody>
+      </p:sp>
+      <p:sp>
+        <p:nvSpPr>
+          <p:cNvPr id="4" name="Espace réservé du numéro de diapositive 3">
+            <a:extLst>
+              <a:ext uri="{FF2B5EF4-FFF2-40B4-BE49-F238E27FC236}">
+                <a16:creationId xmlns:a16="http://schemas.microsoft.com/office/drawing/2014/main" xmlns="" id="{A8D4D0BB-EF1B-48EC-875E-CEE287F97113}"/>
+              </a:ext>
+            </a:extLst>
+          </p:cNvPr>
+          <p:cNvSpPr>
+            <a:spLocks noGrp="1"/>
+          </p:cNvSpPr>
+          <p:nvPr>
+            <p:ph type="sldNum" sz="quarter" idx="12"/>
+          </p:nvPr>
+        </p:nvSpPr>
+        <p:spPr/>
+        <p:txBody>
+          <a:bodyPr/>
+          <a:lstStyle/>
+          <a:p>
+            <a:fld id="{3B9124A2-E1D7-417D-88BC-63EA5DA45BC4}" type="slidenum">
+              <a:rPr lang="fr-FR" smtClean="0"/>
+              <a:t>11</a:t>
+            </a:fld>
+            <a:endParaRPr lang="fr-FR"/>
           </a:p>
         </p:txBody>
       </p:sp>
       <p:pic>
         <p:nvPicPr>
-          <p:cNvPr id="3" name="Image 2" descr="Capture d’écran 2020-05-20 à 11.51.30.png"/>
+          <p:cNvPr id="5" name="Image 4">
+            <a:extLst>
+              <a:ext uri="{FF2B5EF4-FFF2-40B4-BE49-F238E27FC236}">
+                <a16:creationId xmlns:a16="http://schemas.microsoft.com/office/drawing/2014/main" xmlns="" id="{A5945864-E252-4C7A-BAE0-A33EF039B05D}"/>
+              </a:ext>
+            </a:extLst>
+          </p:cNvPr>
           <p:cNvPicPr>
             <a:picLocks noChangeAspect="1"/>
           </p:cNvPicPr>
@@ -4140,8 +4172,8 @@
         </p:blipFill>
         <p:spPr>
           <a:xfrm>
-            <a:off x="1404499" y="1639299"/>
-            <a:ext cx="5835866" cy="1712519"/>
+            <a:off x="4311442" y="1399872"/>
+            <a:ext cx="6935168" cy="1381318"/>
           </a:xfrm>
           <a:prstGeom prst="rect">
             <a:avLst/>
@@ -4150,14 +4182,58 @@
       </p:pic>
       <p:sp>
         <p:nvSpPr>
-          <p:cNvPr id="4" name="ZoneTexte 3"/>
+          <p:cNvPr id="6" name="ZoneTexte 5">
+            <a:extLst>
+              <a:ext uri="{FF2B5EF4-FFF2-40B4-BE49-F238E27FC236}">
+                <a16:creationId xmlns:a16="http://schemas.microsoft.com/office/drawing/2014/main" xmlns="" id="{07B22D25-23DE-4EF4-A1CA-B808A1EACC9F}"/>
+              </a:ext>
+            </a:extLst>
+          </p:cNvPr>
           <p:cNvSpPr txBox="1"/>
           <p:nvPr/>
         </p:nvSpPr>
         <p:spPr>
           <a:xfrm>
-            <a:off x="1693211" y="3616437"/>
-            <a:ext cx="1310425" cy="369332"/>
+            <a:off x="945389" y="1566777"/>
+            <a:ext cx="3533845" cy="461665"/>
+          </a:xfrm>
+          <a:prstGeom prst="rect">
+            <a:avLst/>
+          </a:prstGeom>
+          <a:solidFill>
+            <a:schemeClr val="bg1"/>
+          </a:solidFill>
+        </p:spPr>
+        <p:txBody>
+          <a:bodyPr wrap="square" rtlCol="0">
+            <a:spAutoFit/>
+          </a:bodyPr>
+          <a:lstStyle/>
+          <a:p>
+            <a:r>
+              <a:rPr lang="fr-FR" sz="2400" dirty="0"/>
+              <a:t>Polyéthylène</a:t>
+            </a:r>
+            <a:endParaRPr lang="fr-FR" dirty="0"/>
+          </a:p>
+        </p:txBody>
+      </p:sp>
+      <p:sp>
+        <p:nvSpPr>
+          <p:cNvPr id="7" name="ZoneTexte 6">
+            <a:extLst>
+              <a:ext uri="{FF2B5EF4-FFF2-40B4-BE49-F238E27FC236}">
+                <a16:creationId xmlns:a16="http://schemas.microsoft.com/office/drawing/2014/main" xmlns="" id="{2D85E785-3CFC-4468-980E-0835853A3E32}"/>
+              </a:ext>
+            </a:extLst>
+          </p:cNvPr>
+          <p:cNvSpPr txBox="1"/>
+          <p:nvPr/>
+        </p:nvSpPr>
+        <p:spPr>
+          <a:xfrm>
+            <a:off x="945390" y="4595702"/>
+            <a:ext cx="917239" cy="461665"/>
           </a:xfrm>
           <a:prstGeom prst="rect">
             <a:avLst/>
@@ -4171,47 +4247,53 @@
           <a:lstStyle/>
           <a:p>
             <a:r>
-              <a:rPr lang="fr-FR" dirty="0" smtClean="0"/>
-              <a:t>Solide blanc</a:t>
+              <a:rPr lang="fr-FR" sz="2400" dirty="0"/>
+              <a:t>Nylon</a:t>
             </a:r>
             <a:endParaRPr lang="fr-FR" dirty="0"/>
           </a:p>
         </p:txBody>
       </p:sp>
-      <p:sp>
-        <p:nvSpPr>
-          <p:cNvPr id="90" name="ZoneTexte 89"/>
-          <p:cNvSpPr txBox="1"/>
-          <p:nvPr/>
-        </p:nvSpPr>
-        <p:spPr>
-          <a:xfrm>
-            <a:off x="5450022" y="3616437"/>
-            <a:ext cx="1682146" cy="369332"/>
-          </a:xfrm>
-          <a:prstGeom prst="rect">
-            <a:avLst/>
-          </a:prstGeom>
-          <a:noFill/>
-        </p:spPr>
-        <p:txBody>
-          <a:bodyPr wrap="none" rtlCol="0">
-            <a:spAutoFit/>
-          </a:bodyPr>
-          <a:lstStyle/>
-          <a:p>
-            <a:r>
-              <a:rPr lang="fr-FR" dirty="0" smtClean="0"/>
-              <a:t>Liquide incolore</a:t>
-            </a:r>
-            <a:endParaRPr lang="fr-FR" dirty="0"/>
-          </a:p>
-        </p:txBody>
-      </p:sp>
+      <p:pic>
+        <p:nvPicPr>
+          <p:cNvPr id="8" name="Image 7" descr="Une image contenant carte, texte&#10;&#10;Description générée automatiquement">
+            <a:extLst>
+              <a:ext uri="{FF2B5EF4-FFF2-40B4-BE49-F238E27FC236}">
+                <a16:creationId xmlns:a16="http://schemas.microsoft.com/office/drawing/2014/main" xmlns="" id="{3820ECD6-4CEC-4042-84FA-0A3AAF82429F}"/>
+              </a:ext>
+            </a:extLst>
+          </p:cNvPr>
+          <p:cNvPicPr>
+            <a:picLocks noChangeAspect="1"/>
+          </p:cNvPicPr>
+          <p:nvPr/>
+        </p:nvPicPr>
+        <p:blipFill>
+          <a:blip r:embed="rId3">
+            <a:extLst>
+              <a:ext uri="{28A0092B-C50C-407E-A947-70E740481C1C}">
+                <a14:useLocalDpi xmlns:a14="http://schemas.microsoft.com/office/drawing/2010/main" val="0"/>
+              </a:ext>
+            </a:extLst>
+          </a:blip>
+          <a:stretch>
+            <a:fillRect/>
+          </a:stretch>
+        </p:blipFill>
+        <p:spPr>
+          <a:xfrm>
+            <a:off x="4311442" y="2675705"/>
+            <a:ext cx="6735115" cy="3629532"/>
+          </a:xfrm>
+          <a:prstGeom prst="rect">
+            <a:avLst/>
+          </a:prstGeom>
+        </p:spPr>
+      </p:pic>
     </p:spTree>
     <p:extLst>
       <p:ext uri="{BB962C8B-B14F-4D97-AF65-F5344CB8AC3E}">
-        <p14:creationId xmlns:p14="http://schemas.microsoft.com/office/powerpoint/2010/main" val="1489553448"/>
+        <p14:creationId xmlns:p14="http://schemas.microsoft.com/office/powerpoint/2010/main" val="1128698590"/>
       </p:ext>
     </p:extLst>
   </p:cSld>
@@ -4243,7 +4325,178 @@
           <p:cNvPr id="2" name="Titre 1">
             <a:extLst>
               <a:ext uri="{FF2B5EF4-FFF2-40B4-BE49-F238E27FC236}">
-                <a16:creationId xmlns:a16="http://schemas.microsoft.com/office/drawing/2014/main" xmlns="" id="{CC4B097F-4E93-47C7-8D26-4E94A5CB61D7}"/>
+                <a16:creationId xmlns="" xmlns:a16="http://schemas.microsoft.com/office/drawing/2014/main" id="{CC4B097F-4E93-47C7-8D26-4E94A5CB61D7}"/>
+              </a:ext>
+            </a:extLst>
+          </p:cNvPr>
+          <p:cNvSpPr>
+            <a:spLocks noGrp="1"/>
+          </p:cNvSpPr>
+          <p:nvPr>
+            <p:ph type="title"/>
+          </p:nvPr>
+        </p:nvSpPr>
+        <p:spPr/>
+        <p:txBody>
+          <a:bodyPr/>
+          <a:lstStyle/>
+          <a:p>
+            <a:r>
+              <a:rPr lang="fr-FR" dirty="0" smtClean="0">
+                <a:solidFill>
+                  <a:schemeClr val="accent2">
+                    <a:lumMod val="75000"/>
+                  </a:schemeClr>
+                </a:solidFill>
+              </a:rPr>
+              <a:t>Oxydation du menthol en </a:t>
+            </a:r>
+            <a:r>
+              <a:rPr lang="fr-FR" dirty="0" err="1" smtClean="0">
+                <a:solidFill>
+                  <a:schemeClr val="accent2">
+                    <a:lumMod val="75000"/>
+                  </a:schemeClr>
+                </a:solidFill>
+              </a:rPr>
+              <a:t>menthone</a:t>
+            </a:r>
+            <a:endParaRPr lang="fr-FR" dirty="0">
+              <a:solidFill>
+                <a:schemeClr val="accent2">
+                  <a:lumMod val="75000"/>
+                </a:schemeClr>
+              </a:solidFill>
+            </a:endParaRPr>
+          </a:p>
+        </p:txBody>
+      </p:sp>
+      <p:pic>
+        <p:nvPicPr>
+          <p:cNvPr id="3" name="Image 2" descr="Capture d’écran 2020-05-20 à 11.51.30.png"/>
+          <p:cNvPicPr>
+            <a:picLocks noChangeAspect="1"/>
+          </p:cNvPicPr>
+          <p:nvPr/>
+        </p:nvPicPr>
+        <p:blipFill>
+          <a:blip r:embed="rId2">
+            <a:extLst>
+              <a:ext uri="{28A0092B-C50C-407E-A947-70E740481C1C}">
+                <a14:useLocalDpi xmlns:a14="http://schemas.microsoft.com/office/drawing/2010/main" val="0"/>
+              </a:ext>
+            </a:extLst>
+          </a:blip>
+          <a:stretch>
+            <a:fillRect/>
+          </a:stretch>
+        </p:blipFill>
+        <p:spPr>
+          <a:xfrm>
+            <a:off x="1404499" y="1639299"/>
+            <a:ext cx="5835866" cy="1712519"/>
+          </a:xfrm>
+          <a:prstGeom prst="rect">
+            <a:avLst/>
+          </a:prstGeom>
+        </p:spPr>
+      </p:pic>
+      <p:sp>
+        <p:nvSpPr>
+          <p:cNvPr id="4" name="ZoneTexte 3"/>
+          <p:cNvSpPr txBox="1"/>
+          <p:nvPr/>
+        </p:nvSpPr>
+        <p:spPr>
+          <a:xfrm>
+            <a:off x="1733744" y="3616437"/>
+            <a:ext cx="1310425" cy="369332"/>
+          </a:xfrm>
+          <a:prstGeom prst="rect">
+            <a:avLst/>
+          </a:prstGeom>
+          <a:noFill/>
+        </p:spPr>
+        <p:txBody>
+          <a:bodyPr wrap="none" rtlCol="0">
+            <a:spAutoFit/>
+          </a:bodyPr>
+          <a:lstStyle/>
+          <a:p>
+            <a:r>
+              <a:rPr lang="fr-FR" dirty="0" smtClean="0"/>
+              <a:t>Solide blanc</a:t>
+            </a:r>
+            <a:endParaRPr lang="fr-FR" dirty="0"/>
+          </a:p>
+        </p:txBody>
+      </p:sp>
+      <p:sp>
+        <p:nvSpPr>
+          <p:cNvPr id="90" name="ZoneTexte 89"/>
+          <p:cNvSpPr txBox="1"/>
+          <p:nvPr/>
+        </p:nvSpPr>
+        <p:spPr>
+          <a:xfrm>
+            <a:off x="5450022" y="3616437"/>
+            <a:ext cx="1682146" cy="369332"/>
+          </a:xfrm>
+          <a:prstGeom prst="rect">
+            <a:avLst/>
+          </a:prstGeom>
+          <a:noFill/>
+        </p:spPr>
+        <p:txBody>
+          <a:bodyPr wrap="none" rtlCol="0">
+            <a:spAutoFit/>
+          </a:bodyPr>
+          <a:lstStyle/>
+          <a:p>
+            <a:r>
+              <a:rPr lang="fr-FR" dirty="0" smtClean="0"/>
+              <a:t>Liquide incolore</a:t>
+            </a:r>
+            <a:endParaRPr lang="fr-FR" dirty="0"/>
+          </a:p>
+        </p:txBody>
+      </p:sp>
+    </p:spTree>
+    <p:extLst>
+      <p:ext uri="{BB962C8B-B14F-4D97-AF65-F5344CB8AC3E}">
+        <p14:creationId xmlns:p14="http://schemas.microsoft.com/office/powerpoint/2010/main" val="1489553448"/>
+      </p:ext>
+    </p:extLst>
+  </p:cSld>
+  <p:clrMapOvr>
+    <a:masterClrMapping/>
+  </p:clrMapOvr>
+</p:sld>
+</file>
+
+<file path=ppt/slides/slide13.xml><?xml version="1.0" encoding="utf-8"?>
+<p:sld xmlns:a="http://schemas.openxmlformats.org/drawingml/2006/main" xmlns:r="http://schemas.openxmlformats.org/officeDocument/2006/relationships" xmlns:p="http://schemas.openxmlformats.org/presentationml/2006/main">
+  <p:cSld>
+    <p:spTree>
+      <p:nvGrpSpPr>
+        <p:cNvPr id="1" name=""/>
+        <p:cNvGrpSpPr/>
+        <p:nvPr/>
+      </p:nvGrpSpPr>
+      <p:grpSpPr>
+        <a:xfrm>
+          <a:off x="0" y="0"/>
+          <a:ext cx="0" cy="0"/>
+          <a:chOff x="0" y="0"/>
+          <a:chExt cx="0" cy="0"/>
+        </a:xfrm>
+      </p:grpSpPr>
+      <p:sp>
+        <p:nvSpPr>
+          <p:cNvPr id="2" name="Titre 1">
+            <a:extLst>
+              <a:ext uri="{FF2B5EF4-FFF2-40B4-BE49-F238E27FC236}">
+                <a16:creationId xmlns="" xmlns:a16="http://schemas.microsoft.com/office/drawing/2014/main" id="{CC4B097F-4E93-47C7-8D26-4E94A5CB61D7}"/>
               </a:ext>
             </a:extLst>
           </p:cNvPr>
@@ -4487,11 +4740,7 @@
             </a:r>
             <a:r>
               <a:rPr lang="fr-FR" dirty="0" smtClean="0"/>
-              <a:t> acide éthano</a:t>
-            </a:r>
-            <a:r>
-              <a:rPr lang="fr-FR" dirty="0" smtClean="0"/>
-              <a:t>ïque glacial</a:t>
+              <a:t> acide éthanoïque glacial</a:t>
             </a:r>
             <a:endParaRPr lang="fr-FR" dirty="0"/>
           </a:p>
@@ -5468,7 +5717,7 @@
 </p:sld>
 </file>
 
-<file path=ppt/slides/slide13.xml><?xml version="1.0" encoding="utf-8"?>
+<file path=ppt/slides/slide14.xml><?xml version="1.0" encoding="utf-8"?>
 <p:sld xmlns:a="http://schemas.openxmlformats.org/drawingml/2006/main" xmlns:r="http://schemas.openxmlformats.org/officeDocument/2006/relationships" xmlns:p="http://schemas.openxmlformats.org/presentationml/2006/main">
   <p:cSld>
     <p:spTree>
@@ -5490,7 +5739,7 @@
           <p:cNvPr id="2" name="Titre 1">
             <a:extLst>
               <a:ext uri="{FF2B5EF4-FFF2-40B4-BE49-F238E27FC236}">
-                <a16:creationId xmlns:a16="http://schemas.microsoft.com/office/drawing/2014/main" xmlns="" id="{CC4B097F-4E93-47C7-8D26-4E94A5CB61D7}"/>
+                <a16:creationId xmlns="" xmlns:a16="http://schemas.microsoft.com/office/drawing/2014/main" id="{CC4B097F-4E93-47C7-8D26-4E94A5CB61D7}"/>
               </a:ext>
             </a:extLst>
           </p:cNvPr>
@@ -5734,11 +5983,7 @@
             </a:r>
             <a:r>
               <a:rPr lang="fr-FR" dirty="0" smtClean="0"/>
-              <a:t> acide éthano</a:t>
-            </a:r>
-            <a:r>
-              <a:rPr lang="fr-FR" dirty="0" smtClean="0"/>
-              <a:t>ïque glacial</a:t>
+              <a:t> acide éthanoïque glacial</a:t>
             </a:r>
             <a:endParaRPr lang="fr-FR" dirty="0"/>
           </a:p>
@@ -6736,7 +6981,11 @@
           <a:p>
             <a:r>
               <a:rPr lang="fr-FR" b="1" dirty="0" smtClean="0"/>
-              <a:t>Sulfite de sodium</a:t>
+              <a:t>de </a:t>
+            </a:r>
+            <a:r>
+              <a:rPr lang="fr-FR" b="1" dirty="0" smtClean="0"/>
+              <a:t>sodium</a:t>
             </a:r>
             <a:r>
               <a:rPr lang="fr-FR" dirty="0" smtClean="0"/>
@@ -6754,7 +7003,7 @@
         </p:nvSpPr>
         <p:spPr>
           <a:xfrm>
-            <a:off x="7910825" y="6151859"/>
+            <a:off x="7870292" y="6151859"/>
             <a:ext cx="3211135" cy="369332"/>
           </a:xfrm>
           <a:prstGeom prst="rect">
@@ -6851,228 +7100,6 @@
     <p:extLst>
       <p:ext uri="{BB962C8B-B14F-4D97-AF65-F5344CB8AC3E}">
         <p14:creationId xmlns:p14="http://schemas.microsoft.com/office/powerpoint/2010/main" val="3901726314"/>
-      </p:ext>
-    </p:extLst>
-  </p:cSld>
-  <p:clrMapOvr>
-    <a:masterClrMapping/>
-  </p:clrMapOvr>
-</p:sld>
-</file>
-
-<file path=ppt/slides/slide14.xml><?xml version="1.0" encoding="utf-8"?>
-<p:sld xmlns:a="http://schemas.openxmlformats.org/drawingml/2006/main" xmlns:r="http://schemas.openxmlformats.org/officeDocument/2006/relationships" xmlns:p="http://schemas.openxmlformats.org/presentationml/2006/main">
-  <p:cSld>
-    <p:spTree>
-      <p:nvGrpSpPr>
-        <p:cNvPr id="1" name=""/>
-        <p:cNvGrpSpPr/>
-        <p:nvPr/>
-      </p:nvGrpSpPr>
-      <p:grpSpPr>
-        <a:xfrm>
-          <a:off x="0" y="0"/>
-          <a:ext cx="0" cy="0"/>
-          <a:chOff x="0" y="0"/>
-          <a:chExt cx="0" cy="0"/>
-        </a:xfrm>
-      </p:grpSpPr>
-      <p:sp>
-        <p:nvSpPr>
-          <p:cNvPr id="2" name="Titre 1">
-            <a:extLst>
-              <a:ext uri="{FF2B5EF4-FFF2-40B4-BE49-F238E27FC236}">
-                <a16:creationId xmlns:a16="http://schemas.microsoft.com/office/drawing/2014/main" xmlns="" id="{8B7FF5F7-0B78-4E0A-B46F-E1D773E79FF3}"/>
-              </a:ext>
-            </a:extLst>
-          </p:cNvPr>
-          <p:cNvSpPr>
-            <a:spLocks noGrp="1"/>
-          </p:cNvSpPr>
-          <p:nvPr>
-            <p:ph type="title"/>
-          </p:nvPr>
-        </p:nvSpPr>
-        <p:spPr/>
-        <p:txBody>
-          <a:bodyPr>
-            <a:normAutofit/>
-          </a:bodyPr>
-          <a:lstStyle/>
-          <a:p>
-            <a:r>
-              <a:rPr lang="fr-FR" sz="4000" dirty="0">
-                <a:solidFill>
-                  <a:schemeClr val="accent2">
-                    <a:lumMod val="75000"/>
-                  </a:schemeClr>
-                </a:solidFill>
-              </a:rPr>
-              <a:t>Étapes de lavage</a:t>
-            </a:r>
-          </a:p>
-        </p:txBody>
-      </p:sp>
-      <p:sp>
-        <p:nvSpPr>
-          <p:cNvPr id="4" name="Espace réservé du numéro de diapositive 3">
-            <a:extLst>
-              <a:ext uri="{FF2B5EF4-FFF2-40B4-BE49-F238E27FC236}">
-                <a16:creationId xmlns:a16="http://schemas.microsoft.com/office/drawing/2014/main" xmlns="" id="{FC0F995F-5E1B-4A62-8495-19B22EDC5B3F}"/>
-              </a:ext>
-            </a:extLst>
-          </p:cNvPr>
-          <p:cNvSpPr>
-            <a:spLocks noGrp="1"/>
-          </p:cNvSpPr>
-          <p:nvPr>
-            <p:ph type="sldNum" sz="quarter" idx="12"/>
-          </p:nvPr>
-        </p:nvSpPr>
-        <p:spPr/>
-        <p:txBody>
-          <a:bodyPr/>
-          <a:lstStyle/>
-          <a:p>
-            <a:fld id="{3B9124A2-E1D7-417D-88BC-63EA5DA45BC4}" type="slidenum">
-              <a:rPr lang="fr-FR" smtClean="0"/>
-              <a:t>14</a:t>
-            </a:fld>
-            <a:endParaRPr lang="fr-FR"/>
-          </a:p>
-        </p:txBody>
-      </p:sp>
-      <p:sp>
-        <p:nvSpPr>
-          <p:cNvPr id="5" name="ZoneTexte 4">
-            <a:extLst>
-              <a:ext uri="{FF2B5EF4-FFF2-40B4-BE49-F238E27FC236}">
-                <a16:creationId xmlns:a16="http://schemas.microsoft.com/office/drawing/2014/main" xmlns="" id="{23937DA4-A25F-4649-8F8B-8A252A26439E}"/>
-              </a:ext>
-            </a:extLst>
-          </p:cNvPr>
-          <p:cNvSpPr txBox="1"/>
-          <p:nvPr/>
-        </p:nvSpPr>
-        <p:spPr>
-          <a:xfrm>
-            <a:off x="4663180" y="2801644"/>
-            <a:ext cx="6961544" cy="1754327"/>
-          </a:xfrm>
-          <a:prstGeom prst="rect">
-            <a:avLst/>
-          </a:prstGeom>
-          <a:noFill/>
-        </p:spPr>
-        <p:txBody>
-          <a:bodyPr wrap="square" rtlCol="0">
-            <a:spAutoFit/>
-          </a:bodyPr>
-          <a:lstStyle/>
-          <a:p>
-            <a:r>
-              <a:rPr lang="fr-FR" i="1" dirty="0"/>
-              <a:t>- </a:t>
-            </a:r>
-            <a:r>
-              <a:rPr lang="fr-FR" i="1" dirty="0" smtClean="0"/>
-              <a:t>    Ajout de 20mL d’eau glacée dans le ballon où a eu lieu la réaction</a:t>
-            </a:r>
-            <a:endParaRPr lang="fr-FR" i="1" dirty="0" smtClean="0"/>
-          </a:p>
-          <a:p>
-            <a:pPr marL="285750" indent="-285750">
-              <a:buFontTx/>
-              <a:buChar char="-"/>
-            </a:pPr>
-            <a:r>
-              <a:rPr lang="fr-FR" i="1" dirty="0" smtClean="0"/>
-              <a:t>Introductio</a:t>
-            </a:r>
-            <a:r>
-              <a:rPr lang="fr-FR" i="1" dirty="0" smtClean="0"/>
-              <a:t>n du mélange </a:t>
-            </a:r>
-            <a:r>
-              <a:rPr lang="fr-FR" i="1" dirty="0" smtClean="0"/>
-              <a:t>dans une ampoule de coulée</a:t>
-            </a:r>
-          </a:p>
-          <a:p>
-            <a:pPr marL="285750" indent="-285750">
-              <a:buFontTx/>
-              <a:buChar char="-"/>
-            </a:pPr>
-            <a:r>
-              <a:rPr lang="fr-FR" i="1" dirty="0" smtClean="0"/>
-              <a:t>Elimination de la phas</a:t>
-            </a:r>
-            <a:r>
-              <a:rPr lang="fr-FR" i="1" dirty="0" smtClean="0"/>
-              <a:t>e aqueuse</a:t>
-            </a:r>
-          </a:p>
-          <a:p>
-            <a:pPr marL="285750" indent="-285750">
-              <a:buFontTx/>
-              <a:buChar char="-"/>
-            </a:pPr>
-            <a:r>
-              <a:rPr lang="fr-FR" i="1" dirty="0" smtClean="0"/>
-              <a:t>Lavage de la phase aqueuse avec 10mL de soude à 1 mol.L</a:t>
-            </a:r>
-            <a:r>
-              <a:rPr lang="fr-FR" i="1" baseline="30000" dirty="0" smtClean="0"/>
-              <a:t>-1</a:t>
-            </a:r>
-            <a:r>
-              <a:rPr lang="fr-FR" i="1" dirty="0" smtClean="0"/>
-              <a:t> puis avec 10mL d’eau</a:t>
-            </a:r>
-          </a:p>
-          <a:p>
-            <a:pPr marL="285750" indent="-285750">
-              <a:buFontTx/>
-              <a:buChar char="-"/>
-            </a:pPr>
-            <a:endParaRPr lang="fr-FR" dirty="0"/>
-          </a:p>
-        </p:txBody>
-      </p:sp>
-      <p:pic>
-        <p:nvPicPr>
-          <p:cNvPr id="6" name="Image 5">
-            <a:extLst>
-              <a:ext uri="{FF2B5EF4-FFF2-40B4-BE49-F238E27FC236}">
-                <a16:creationId xmlns:a16="http://schemas.microsoft.com/office/drawing/2014/main" xmlns="" id="{2F4220C0-9317-4193-BB89-BA5B1DFFCCA2}"/>
-              </a:ext>
-            </a:extLst>
-          </p:cNvPr>
-          <p:cNvPicPr>
-            <a:picLocks noChangeAspect="1"/>
-          </p:cNvPicPr>
-          <p:nvPr/>
-        </p:nvPicPr>
-        <p:blipFill>
-          <a:blip r:embed="rId2"/>
-          <a:stretch>
-            <a:fillRect/>
-          </a:stretch>
-        </p:blipFill>
-        <p:spPr>
-          <a:xfrm>
-            <a:off x="580505" y="1952769"/>
-            <a:ext cx="3790950" cy="3286125"/>
-          </a:xfrm>
-          <a:prstGeom prst="rect">
-            <a:avLst/>
-          </a:prstGeom>
-        </p:spPr>
-      </p:pic>
-    </p:spTree>
-    <p:extLst>
-      <p:ext uri="{BB962C8B-B14F-4D97-AF65-F5344CB8AC3E}">
-        <p14:creationId xmlns:p14="http://schemas.microsoft.com/office/powerpoint/2010/main" val="2834994493"/>
       </p:ext>
     </p:extLst>
   </p:cSld>
@@ -7104,7 +7131,7 @@
           <p:cNvPr id="2" name="Titre 1">
             <a:extLst>
               <a:ext uri="{FF2B5EF4-FFF2-40B4-BE49-F238E27FC236}">
-                <a16:creationId xmlns:a16="http://schemas.microsoft.com/office/drawing/2014/main" xmlns="" id="{8B7FF5F7-0B78-4E0A-B46F-E1D773E79FF3}"/>
+                <a16:creationId xmlns="" xmlns:a16="http://schemas.microsoft.com/office/drawing/2014/main" id="{8B7FF5F7-0B78-4E0A-B46F-E1D773E79FF3}"/>
               </a:ext>
             </a:extLst>
           </p:cNvPr>
@@ -7123,22 +7150,15 @@
           <a:lstStyle/>
           <a:p>
             <a:r>
-              <a:rPr lang="fr-FR" sz="4000" dirty="0" smtClean="0">
+              <a:rPr lang="fr-FR" sz="4000" dirty="0">
                 <a:solidFill>
                   <a:schemeClr val="accent2">
                     <a:lumMod val="75000"/>
                   </a:schemeClr>
                 </a:solidFill>
               </a:rPr>
-              <a:t>Identification du produit synthétisé </a:t>
-            </a:r>
-            <a:endParaRPr lang="fr-FR" sz="4000" dirty="0">
-              <a:solidFill>
-                <a:schemeClr val="accent2">
-                  <a:lumMod val="75000"/>
-                </a:schemeClr>
-              </a:solidFill>
-            </a:endParaRPr>
+              <a:t>Étapes de lavage</a:t>
+            </a:r>
           </a:p>
         </p:txBody>
       </p:sp>
@@ -7147,7 +7167,7 @@
           <p:cNvPr id="4" name="Espace réservé du numéro de diapositive 3">
             <a:extLst>
               <a:ext uri="{FF2B5EF4-FFF2-40B4-BE49-F238E27FC236}">
-                <a16:creationId xmlns:a16="http://schemas.microsoft.com/office/drawing/2014/main" xmlns="" id="{FC0F995F-5E1B-4A62-8495-19B22EDC5B3F}"/>
+                <a16:creationId xmlns="" xmlns:a16="http://schemas.microsoft.com/office/drawing/2014/main" id="{FC0F995F-5E1B-4A62-8495-19B22EDC5B3F}"/>
               </a:ext>
             </a:extLst>
           </p:cNvPr>
@@ -7173,6 +7193,222 @@
       </p:sp>
       <p:sp>
         <p:nvSpPr>
+          <p:cNvPr id="5" name="ZoneTexte 4">
+            <a:extLst>
+              <a:ext uri="{FF2B5EF4-FFF2-40B4-BE49-F238E27FC236}">
+                <a16:creationId xmlns="" xmlns:a16="http://schemas.microsoft.com/office/drawing/2014/main" id="{23937DA4-A25F-4649-8F8B-8A252A26439E}"/>
+              </a:ext>
+            </a:extLst>
+          </p:cNvPr>
+          <p:cNvSpPr txBox="1"/>
+          <p:nvPr/>
+        </p:nvSpPr>
+        <p:spPr>
+          <a:xfrm>
+            <a:off x="4663180" y="2801644"/>
+            <a:ext cx="6961544" cy="1754327"/>
+          </a:xfrm>
+          <a:prstGeom prst="rect">
+            <a:avLst/>
+          </a:prstGeom>
+          <a:noFill/>
+        </p:spPr>
+        <p:txBody>
+          <a:bodyPr wrap="square" rtlCol="0">
+            <a:spAutoFit/>
+          </a:bodyPr>
+          <a:lstStyle/>
+          <a:p>
+            <a:r>
+              <a:rPr lang="fr-FR" i="1" dirty="0"/>
+              <a:t>- </a:t>
+            </a:r>
+            <a:r>
+              <a:rPr lang="fr-FR" i="1" dirty="0" smtClean="0"/>
+              <a:t>    Ajout de 20mL d’eau glacée dans le ballon où a eu lieu la réaction</a:t>
+            </a:r>
+          </a:p>
+          <a:p>
+            <a:pPr marL="285750" indent="-285750">
+              <a:buFontTx/>
+              <a:buChar char="-"/>
+            </a:pPr>
+            <a:r>
+              <a:rPr lang="fr-FR" i="1" dirty="0" smtClean="0"/>
+              <a:t>Introduction du mélange dans une ampoule de coulée</a:t>
+            </a:r>
+          </a:p>
+          <a:p>
+            <a:pPr marL="285750" indent="-285750">
+              <a:buFontTx/>
+              <a:buChar char="-"/>
+            </a:pPr>
+            <a:r>
+              <a:rPr lang="fr-FR" i="1" dirty="0" smtClean="0"/>
+              <a:t>Elimination de la phase aqueuse</a:t>
+            </a:r>
+          </a:p>
+          <a:p>
+            <a:pPr marL="285750" indent="-285750">
+              <a:buFontTx/>
+              <a:buChar char="-"/>
+            </a:pPr>
+            <a:r>
+              <a:rPr lang="fr-FR" i="1" dirty="0" smtClean="0"/>
+              <a:t>Lavage de la phase aqueuse avec 10mL de soude à 1 mol.L</a:t>
+            </a:r>
+            <a:r>
+              <a:rPr lang="fr-FR" i="1" baseline="30000" dirty="0" smtClean="0"/>
+              <a:t>-1</a:t>
+            </a:r>
+            <a:r>
+              <a:rPr lang="fr-FR" i="1" dirty="0" smtClean="0"/>
+              <a:t> puis avec 10mL d’eau</a:t>
+            </a:r>
+          </a:p>
+          <a:p>
+            <a:pPr marL="285750" indent="-285750">
+              <a:buFontTx/>
+              <a:buChar char="-"/>
+            </a:pPr>
+            <a:endParaRPr lang="fr-FR" dirty="0"/>
+          </a:p>
+        </p:txBody>
+      </p:sp>
+      <p:pic>
+        <p:nvPicPr>
+          <p:cNvPr id="6" name="Image 5">
+            <a:extLst>
+              <a:ext uri="{FF2B5EF4-FFF2-40B4-BE49-F238E27FC236}">
+                <a16:creationId xmlns="" xmlns:a16="http://schemas.microsoft.com/office/drawing/2014/main" id="{2F4220C0-9317-4193-BB89-BA5B1DFFCCA2}"/>
+              </a:ext>
+            </a:extLst>
+          </p:cNvPr>
+          <p:cNvPicPr>
+            <a:picLocks noChangeAspect="1"/>
+          </p:cNvPicPr>
+          <p:nvPr/>
+        </p:nvPicPr>
+        <p:blipFill>
+          <a:blip r:embed="rId2"/>
+          <a:stretch>
+            <a:fillRect/>
+          </a:stretch>
+        </p:blipFill>
+        <p:spPr>
+          <a:xfrm>
+            <a:off x="580505" y="1952769"/>
+            <a:ext cx="3790950" cy="3286125"/>
+          </a:xfrm>
+          <a:prstGeom prst="rect">
+            <a:avLst/>
+          </a:prstGeom>
+        </p:spPr>
+      </p:pic>
+    </p:spTree>
+    <p:extLst>
+      <p:ext uri="{BB962C8B-B14F-4D97-AF65-F5344CB8AC3E}">
+        <p14:creationId xmlns:p14="http://schemas.microsoft.com/office/powerpoint/2010/main" val="2834994493"/>
+      </p:ext>
+    </p:extLst>
+  </p:cSld>
+  <p:clrMapOvr>
+    <a:masterClrMapping/>
+  </p:clrMapOvr>
+</p:sld>
+</file>
+
+<file path=ppt/slides/slide16.xml><?xml version="1.0" encoding="utf-8"?>
+<p:sld xmlns:a="http://schemas.openxmlformats.org/drawingml/2006/main" xmlns:r="http://schemas.openxmlformats.org/officeDocument/2006/relationships" xmlns:p="http://schemas.openxmlformats.org/presentationml/2006/main">
+  <p:cSld>
+    <p:spTree>
+      <p:nvGrpSpPr>
+        <p:cNvPr id="1" name=""/>
+        <p:cNvGrpSpPr/>
+        <p:nvPr/>
+      </p:nvGrpSpPr>
+      <p:grpSpPr>
+        <a:xfrm>
+          <a:off x="0" y="0"/>
+          <a:ext cx="0" cy="0"/>
+          <a:chOff x="0" y="0"/>
+          <a:chExt cx="0" cy="0"/>
+        </a:xfrm>
+      </p:grpSpPr>
+      <p:sp>
+        <p:nvSpPr>
+          <p:cNvPr id="2" name="Titre 1">
+            <a:extLst>
+              <a:ext uri="{FF2B5EF4-FFF2-40B4-BE49-F238E27FC236}">
+                <a16:creationId xmlns="" xmlns:a16="http://schemas.microsoft.com/office/drawing/2014/main" id="{8B7FF5F7-0B78-4E0A-B46F-E1D773E79FF3}"/>
+              </a:ext>
+            </a:extLst>
+          </p:cNvPr>
+          <p:cNvSpPr>
+            <a:spLocks noGrp="1"/>
+          </p:cNvSpPr>
+          <p:nvPr>
+            <p:ph type="title"/>
+          </p:nvPr>
+        </p:nvSpPr>
+        <p:spPr/>
+        <p:txBody>
+          <a:bodyPr>
+            <a:normAutofit/>
+          </a:bodyPr>
+          <a:lstStyle/>
+          <a:p>
+            <a:r>
+              <a:rPr lang="fr-FR" sz="4000" dirty="0" smtClean="0">
+                <a:solidFill>
+                  <a:schemeClr val="accent2">
+                    <a:lumMod val="75000"/>
+                  </a:schemeClr>
+                </a:solidFill>
+              </a:rPr>
+              <a:t>Identification du produit synthétisé </a:t>
+            </a:r>
+            <a:endParaRPr lang="fr-FR" sz="4000" dirty="0">
+              <a:solidFill>
+                <a:schemeClr val="accent2">
+                  <a:lumMod val="75000"/>
+                </a:schemeClr>
+              </a:solidFill>
+            </a:endParaRPr>
+          </a:p>
+        </p:txBody>
+      </p:sp>
+      <p:sp>
+        <p:nvSpPr>
+          <p:cNvPr id="4" name="Espace réservé du numéro de diapositive 3">
+            <a:extLst>
+              <a:ext uri="{FF2B5EF4-FFF2-40B4-BE49-F238E27FC236}">
+                <a16:creationId xmlns="" xmlns:a16="http://schemas.microsoft.com/office/drawing/2014/main" id="{FC0F995F-5E1B-4A62-8495-19B22EDC5B3F}"/>
+              </a:ext>
+            </a:extLst>
+          </p:cNvPr>
+          <p:cNvSpPr>
+            <a:spLocks noGrp="1"/>
+          </p:cNvSpPr>
+          <p:nvPr>
+            <p:ph type="sldNum" sz="quarter" idx="12"/>
+          </p:nvPr>
+        </p:nvSpPr>
+        <p:spPr/>
+        <p:txBody>
+          <a:bodyPr/>
+          <a:lstStyle/>
+          <a:p>
+            <a:fld id="{3B9124A2-E1D7-417D-88BC-63EA5DA45BC4}" type="slidenum">
+              <a:rPr lang="fr-FR" smtClean="0"/>
+              <a:t>16</a:t>
+            </a:fld>
+            <a:endParaRPr lang="fr-FR"/>
+          </a:p>
+        </p:txBody>
+      </p:sp>
+      <p:sp>
+        <p:nvSpPr>
           <p:cNvPr id="3" name="ZoneTexte 2"/>
           <p:cNvSpPr txBox="1"/>
           <p:nvPr/>
@@ -7206,7 +7442,7 @@
           <p:cNvPr id="7" name="Groupe 32">
             <a:extLst>
               <a:ext uri="{FF2B5EF4-FFF2-40B4-BE49-F238E27FC236}">
-                <a16:creationId xmlns="" xmlns:a16="http://schemas.microsoft.com/office/drawing/2014/main" id="{76F1247D-4532-45FB-8B16-5EF756D1D7E4}"/>
+                <a16:creationId xmlns:a16="http://schemas.microsoft.com/office/drawing/2014/main" xmlns="" id="{76F1247D-4532-45FB-8B16-5EF756D1D7E4}"/>
               </a:ext>
             </a:extLst>
           </p:cNvPr>
@@ -7226,7 +7462,7 @@
             <p:cNvPr id="8" name="Image 7">
               <a:extLst>
                 <a:ext uri="{FF2B5EF4-FFF2-40B4-BE49-F238E27FC236}">
-                  <a16:creationId xmlns="" xmlns:a16="http://schemas.microsoft.com/office/drawing/2014/main" id="{0EDB6AE1-2739-4380-80E2-3D03EE50543D}"/>
+                  <a16:creationId xmlns:a16="http://schemas.microsoft.com/office/drawing/2014/main" xmlns="" id="{0EDB6AE1-2739-4380-80E2-3D03EE50543D}"/>
                 </a:ext>
               </a:extLst>
             </p:cNvPr>
@@ -7261,7 +7497,7 @@
             <p:cNvPr id="9" name="Rectangle 8">
               <a:extLst>
                 <a:ext uri="{FF2B5EF4-FFF2-40B4-BE49-F238E27FC236}">
-                  <a16:creationId xmlns="" xmlns:a16="http://schemas.microsoft.com/office/drawing/2014/main" id="{B890A96C-16A1-4836-8127-39503A86851E}"/>
+                  <a16:creationId xmlns:a16="http://schemas.microsoft.com/office/drawing/2014/main" xmlns="" id="{B890A96C-16A1-4836-8127-39503A86851E}"/>
                 </a:ext>
               </a:extLst>
             </p:cNvPr>
@@ -7277,7 +7513,7 @@
               <a:avLst/>
             </a:prstGeom>
             <a:solidFill>
-              <a:srgbClr val="942A11"/>
+              <a:srgbClr val="FF6600"/>
             </a:solidFill>
             <a:ln>
               <a:noFill/>
@@ -7399,6 +7635,9 @@
             <a:p>
               <a:pPr algn="ctr"/>
               <a:endParaRPr lang="fr-FR" dirty="0">
+                <a:solidFill>
+                  <a:srgbClr val="FF0000"/>
+                </a:solidFill>
                 <a:latin typeface="Times New Roman" panose="02020603050405020304" pitchFamily="18" charset="0"/>
                 <a:cs typeface="Times New Roman" panose="02020603050405020304" pitchFamily="18" charset="0"/>
               </a:endParaRPr>
@@ -7410,7 +7649,7 @@
             <p:cNvPr id="10" name="Ellipse 9">
               <a:extLst>
                 <a:ext uri="{FF2B5EF4-FFF2-40B4-BE49-F238E27FC236}">
-                  <a16:creationId xmlns="" xmlns:a16="http://schemas.microsoft.com/office/drawing/2014/main" id="{F5221569-AEFD-4962-9321-3D819DBD73C8}"/>
+                  <a16:creationId xmlns:a16="http://schemas.microsoft.com/office/drawing/2014/main" xmlns="" id="{F5221569-AEFD-4962-9321-3D819DBD73C8}"/>
                 </a:ext>
               </a:extLst>
             </p:cNvPr>
@@ -7426,7 +7665,7 @@
               <a:avLst/>
             </a:prstGeom>
             <a:solidFill>
-              <a:srgbClr val="942A11"/>
+              <a:srgbClr val="FF6600"/>
             </a:solidFill>
             <a:ln>
               <a:noFill/>
@@ -7548,6 +7787,9 @@
             <a:p>
               <a:pPr algn="ctr"/>
               <a:endParaRPr lang="fr-FR" dirty="0">
+                <a:solidFill>
+                  <a:srgbClr val="FF0000"/>
+                </a:solidFill>
                 <a:latin typeface="Times New Roman" panose="02020603050405020304" pitchFamily="18" charset="0"/>
                 <a:cs typeface="Times New Roman" panose="02020603050405020304" pitchFamily="18" charset="0"/>
               </a:endParaRPr>
@@ -7648,7 +7890,7 @@
           <p:cNvPr id="13" name="Arc 12">
             <a:extLst>
               <a:ext uri="{FF2B5EF4-FFF2-40B4-BE49-F238E27FC236}">
-                <a16:creationId xmlns="" xmlns:a16="http://schemas.microsoft.com/office/drawing/2014/main" id="{2BB34AC9-8F3B-4FBB-9699-8D1870425774}"/>
+                <a16:creationId xmlns:a16="http://schemas.microsoft.com/office/drawing/2014/main" xmlns="" id="{2BB34AC9-8F3B-4FBB-9699-8D1870425774}"/>
               </a:ext>
             </a:extLst>
           </p:cNvPr>
@@ -7791,7 +8033,7 @@
 </p:sld>
 </file>
 
-<file path=ppt/slides/slide16.xml><?xml version="1.0" encoding="utf-8"?>
+<file path=ppt/slides/slide17.xml><?xml version="1.0" encoding="utf-8"?>
 <p:sld xmlns:a="http://schemas.openxmlformats.org/drawingml/2006/main" xmlns:r="http://schemas.openxmlformats.org/officeDocument/2006/relationships" xmlns:p="http://schemas.openxmlformats.org/presentationml/2006/main">
   <p:cSld>
     <p:spTree>
@@ -7843,7 +8085,7 @@
           <p:cNvPr id="2" name="Titre 1">
             <a:extLst>
               <a:ext uri="{FF2B5EF4-FFF2-40B4-BE49-F238E27FC236}">
-                <a16:creationId xmlns:a16="http://schemas.microsoft.com/office/drawing/2014/main" xmlns="" id="{6A78EC98-11E2-4BEB-A213-C3BA98C46BA5}"/>
+                <a16:creationId xmlns="" xmlns:a16="http://schemas.microsoft.com/office/drawing/2014/main" id="{6A78EC98-11E2-4BEB-A213-C3BA98C46BA5}"/>
               </a:ext>
             </a:extLst>
           </p:cNvPr>
@@ -7877,7 +8119,7 @@
           <p:cNvPr id="6" name="Rectangle 5">
             <a:extLst>
               <a:ext uri="{FF2B5EF4-FFF2-40B4-BE49-F238E27FC236}">
-                <a16:creationId xmlns:a16="http://schemas.microsoft.com/office/drawing/2014/main" xmlns="" id="{9E3C0DA9-C9F4-4E51-A01A-6F2D2BDB375D}"/>
+                <a16:creationId xmlns="" xmlns:a16="http://schemas.microsoft.com/office/drawing/2014/main" id="{9E3C0DA9-C9F4-4E51-A01A-6F2D2BDB375D}"/>
               </a:ext>
             </a:extLst>
           </p:cNvPr>
@@ -7936,7 +8178,7 @@
           <p:cNvPr id="7" name="Ellipse 6">
             <a:extLst>
               <a:ext uri="{FF2B5EF4-FFF2-40B4-BE49-F238E27FC236}">
-                <a16:creationId xmlns:a16="http://schemas.microsoft.com/office/drawing/2014/main" xmlns="" id="{BCBBEA58-3ADD-46A9-960C-2943AD2053E7}"/>
+                <a16:creationId xmlns="" xmlns:a16="http://schemas.microsoft.com/office/drawing/2014/main" id="{BCBBEA58-3ADD-46A9-960C-2943AD2053E7}"/>
               </a:ext>
             </a:extLst>
           </p:cNvPr>
@@ -7992,7 +8234,7 @@
           <p:cNvPr id="8" name="Ellipse 7">
             <a:extLst>
               <a:ext uri="{FF2B5EF4-FFF2-40B4-BE49-F238E27FC236}">
-                <a16:creationId xmlns:a16="http://schemas.microsoft.com/office/drawing/2014/main" xmlns="" id="{A6FFD470-FE5C-4F4C-9E61-235D59C1A0DB}"/>
+                <a16:creationId xmlns="" xmlns:a16="http://schemas.microsoft.com/office/drawing/2014/main" id="{A6FFD470-FE5C-4F4C-9E61-235D59C1A0DB}"/>
               </a:ext>
             </a:extLst>
           </p:cNvPr>
@@ -8048,7 +8290,7 @@
           <p:cNvPr id="9" name="Rectangle : coins arrondis 8">
             <a:extLst>
               <a:ext uri="{FF2B5EF4-FFF2-40B4-BE49-F238E27FC236}">
-                <a16:creationId xmlns:a16="http://schemas.microsoft.com/office/drawing/2014/main" xmlns="" id="{5FC59D19-7BD2-4E13-A3D2-9211C51E6CA1}"/>
+                <a16:creationId xmlns="" xmlns:a16="http://schemas.microsoft.com/office/drawing/2014/main" id="{5FC59D19-7BD2-4E13-A3D2-9211C51E6CA1}"/>
               </a:ext>
             </a:extLst>
           </p:cNvPr>
@@ -8104,7 +8346,7 @@
           <p:cNvPr id="11" name="ZoneTexte 10">
             <a:extLst>
               <a:ext uri="{FF2B5EF4-FFF2-40B4-BE49-F238E27FC236}">
-                <a16:creationId xmlns:a16="http://schemas.microsoft.com/office/drawing/2014/main" xmlns="" id="{DF11C81B-C93F-441D-889E-F2518A50FA7A}"/>
+                <a16:creationId xmlns="" xmlns:a16="http://schemas.microsoft.com/office/drawing/2014/main" id="{DF11C81B-C93F-441D-889E-F2518A50FA7A}"/>
               </a:ext>
             </a:extLst>
           </p:cNvPr>
@@ -8143,7 +8385,7 @@
           <p:cNvPr id="12" name="ZoneTexte 11">
             <a:extLst>
               <a:ext uri="{FF2B5EF4-FFF2-40B4-BE49-F238E27FC236}">
-                <a16:creationId xmlns:a16="http://schemas.microsoft.com/office/drawing/2014/main" xmlns="" id="{70FD1083-B532-4CBF-BAC2-647879851D86}"/>
+                <a16:creationId xmlns="" xmlns:a16="http://schemas.microsoft.com/office/drawing/2014/main" id="{70FD1083-B532-4CBF-BAC2-647879851D86}"/>
               </a:ext>
             </a:extLst>
           </p:cNvPr>
@@ -8223,535 +8465,6 @@
     <p:extLst>
       <p:ext uri="{BB962C8B-B14F-4D97-AF65-F5344CB8AC3E}">
         <p14:creationId xmlns:p14="http://schemas.microsoft.com/office/powerpoint/2010/main" val="1864127957"/>
-      </p:ext>
-    </p:extLst>
-  </p:cSld>
-  <p:clrMapOvr>
-    <a:masterClrMapping/>
-  </p:clrMapOvr>
-</p:sld>
-</file>
-
-<file path=ppt/slides/slide17.xml><?xml version="1.0" encoding="utf-8"?>
-<p:sld xmlns:a="http://schemas.openxmlformats.org/drawingml/2006/main" xmlns:r="http://schemas.openxmlformats.org/officeDocument/2006/relationships" xmlns:p="http://schemas.openxmlformats.org/presentationml/2006/main">
-  <p:cSld>
-    <p:spTree>
-      <p:nvGrpSpPr>
-        <p:cNvPr id="1" name=""/>
-        <p:cNvGrpSpPr/>
-        <p:nvPr/>
-      </p:nvGrpSpPr>
-      <p:grpSpPr>
-        <a:xfrm>
-          <a:off x="0" y="0"/>
-          <a:ext cx="0" cy="0"/>
-          <a:chOff x="0" y="0"/>
-          <a:chExt cx="0" cy="0"/>
-        </a:xfrm>
-      </p:grpSpPr>
-      <p:pic>
-        <p:nvPicPr>
-          <p:cNvPr id="6" name="Image 5" descr="Capture d’écran 2020-05-20 à 11.44.06.png"/>
-          <p:cNvPicPr>
-            <a:picLocks noChangeAspect="1"/>
-          </p:cNvPicPr>
-          <p:nvPr/>
-        </p:nvPicPr>
-        <p:blipFill rotWithShape="1">
-          <a:blip r:embed="rId2">
-            <a:extLst>
-              <a:ext uri="{28A0092B-C50C-407E-A947-70E740481C1C}">
-                <a14:useLocalDpi xmlns:a14="http://schemas.microsoft.com/office/drawing/2010/main" val="0"/>
-              </a:ext>
-            </a:extLst>
-          </a:blip>
-          <a:srcRect t="3898"/>
-          <a:stretch/>
-        </p:blipFill>
-        <p:spPr>
-          <a:xfrm>
-            <a:off x="687893" y="1164223"/>
-            <a:ext cx="10715335" cy="4775958"/>
-          </a:xfrm>
-          <a:prstGeom prst="rect">
-            <a:avLst/>
-          </a:prstGeom>
-          <a:effectLst/>
-        </p:spPr>
-      </p:pic>
-      <p:sp>
-        <p:nvSpPr>
-          <p:cNvPr id="2" name="Titre 1">
-            <a:extLst>
-              <a:ext uri="{FF2B5EF4-FFF2-40B4-BE49-F238E27FC236}">
-                <a16:creationId xmlns="" xmlns:a16="http://schemas.microsoft.com/office/drawing/2014/main" id="{4A6992A1-B201-4358-936F-B81C9AFF972A}"/>
-              </a:ext>
-            </a:extLst>
-          </p:cNvPr>
-          <p:cNvSpPr>
-            <a:spLocks noGrp="1"/>
-          </p:cNvSpPr>
-          <p:nvPr>
-            <p:ph type="title"/>
-          </p:nvPr>
-        </p:nvSpPr>
-        <p:spPr/>
-        <p:txBody>
-          <a:bodyPr/>
-          <a:lstStyle/>
-          <a:p>
-            <a:r>
-              <a:rPr lang="fr-FR" dirty="0" smtClean="0">
-                <a:solidFill>
-                  <a:schemeClr val="accent2">
-                    <a:lumMod val="75000"/>
-                  </a:schemeClr>
-                </a:solidFill>
-              </a:rPr>
-              <a:t>Spectre </a:t>
-            </a:r>
-            <a:r>
-              <a:rPr lang="fr-FR" dirty="0">
-                <a:solidFill>
-                  <a:schemeClr val="accent2">
-                    <a:lumMod val="75000"/>
-                  </a:schemeClr>
-                </a:solidFill>
-              </a:rPr>
-              <a:t>IR du produit</a:t>
-            </a:r>
-          </a:p>
-        </p:txBody>
-      </p:sp>
-      <p:sp>
-        <p:nvSpPr>
-          <p:cNvPr id="8" name="Rectangle 7">
-            <a:extLst>
-              <a:ext uri="{FF2B5EF4-FFF2-40B4-BE49-F238E27FC236}">
-                <a16:creationId xmlns="" xmlns:a16="http://schemas.microsoft.com/office/drawing/2014/main" id="{54668FED-63AB-4CFF-818C-C986DBB25ED3}"/>
-              </a:ext>
-            </a:extLst>
-          </p:cNvPr>
-          <p:cNvSpPr/>
-          <p:nvPr/>
-        </p:nvSpPr>
-        <p:spPr>
-          <a:xfrm>
-            <a:off x="8215420" y="1336210"/>
-            <a:ext cx="3433927" cy="4327399"/>
-          </a:xfrm>
-          <a:prstGeom prst="rect">
-            <a:avLst/>
-          </a:prstGeom>
-          <a:solidFill>
-            <a:schemeClr val="tx1">
-              <a:alpha val="40000"/>
-            </a:schemeClr>
-          </a:solidFill>
-        </p:spPr>
-        <p:style>
-          <a:lnRef idx="2">
-            <a:schemeClr val="accent1">
-              <a:shade val="50000"/>
-            </a:schemeClr>
-          </a:lnRef>
-          <a:fillRef idx="1">
-            <a:schemeClr val="accent1"/>
-          </a:fillRef>
-          <a:effectRef idx="0">
-            <a:schemeClr val="accent1"/>
-          </a:effectRef>
-          <a:fontRef idx="minor">
-            <a:schemeClr val="lt1"/>
-          </a:fontRef>
-        </p:style>
-        <p:txBody>
-          <a:bodyPr rtlCol="0" anchor="ctr"/>
-          <a:lstStyle/>
-          <a:p>
-            <a:pPr algn="ctr"/>
-            <a:endParaRPr lang="fr-FR"/>
-          </a:p>
-        </p:txBody>
-      </p:sp>
-      <p:sp>
-        <p:nvSpPr>
-          <p:cNvPr id="11" name="Ellipse 10">
-            <a:extLst>
-              <a:ext uri="{FF2B5EF4-FFF2-40B4-BE49-F238E27FC236}">
-                <a16:creationId xmlns="" xmlns:a16="http://schemas.microsoft.com/office/drawing/2014/main" id="{A71F51BE-BE4F-40C2-905B-7856CC37B46C}"/>
-              </a:ext>
-            </a:extLst>
-          </p:cNvPr>
-          <p:cNvSpPr/>
-          <p:nvPr/>
-        </p:nvSpPr>
-        <p:spPr>
-          <a:xfrm>
-            <a:off x="5676683" y="1157565"/>
-            <a:ext cx="818661" cy="4319574"/>
-          </a:xfrm>
-          <a:prstGeom prst="ellipse">
-            <a:avLst/>
-          </a:prstGeom>
-          <a:solidFill>
-            <a:srgbClr val="C00000">
-              <a:alpha val="50000"/>
-            </a:srgbClr>
-          </a:solidFill>
-          <a:ln>
-            <a:solidFill>
-              <a:srgbClr val="C00000"/>
-            </a:solidFill>
-          </a:ln>
-        </p:spPr>
-        <p:style>
-          <a:lnRef idx="2">
-            <a:schemeClr val="accent1">
-              <a:shade val="50000"/>
-            </a:schemeClr>
-          </a:lnRef>
-          <a:fillRef idx="1">
-            <a:schemeClr val="accent1"/>
-          </a:fillRef>
-          <a:effectRef idx="0">
-            <a:schemeClr val="accent1"/>
-          </a:effectRef>
-          <a:fontRef idx="minor">
-            <a:schemeClr val="lt1"/>
-          </a:fontRef>
-        </p:style>
-        <p:txBody>
-          <a:bodyPr rtlCol="0" anchor="ctr"/>
-          <a:lstStyle/>
-          <a:p>
-            <a:pPr algn="ctr"/>
-            <a:endParaRPr lang="fr-FR"/>
-          </a:p>
-        </p:txBody>
-      </p:sp>
-      <p:sp>
-        <p:nvSpPr>
-          <p:cNvPr id="12" name="ZoneTexte 11">
-            <a:extLst>
-              <a:ext uri="{FF2B5EF4-FFF2-40B4-BE49-F238E27FC236}">
-                <a16:creationId xmlns="" xmlns:a16="http://schemas.microsoft.com/office/drawing/2014/main" id="{99CD7521-5E05-4858-962D-FFA37469CB04}"/>
-              </a:ext>
-            </a:extLst>
-          </p:cNvPr>
-          <p:cNvSpPr txBox="1"/>
-          <p:nvPr/>
-        </p:nvSpPr>
-        <p:spPr>
-          <a:xfrm>
-            <a:off x="4348933" y="4666486"/>
-            <a:ext cx="1516566" cy="369332"/>
-          </a:xfrm>
-          <a:prstGeom prst="rect">
-            <a:avLst/>
-          </a:prstGeom>
-          <a:noFill/>
-        </p:spPr>
-        <p:txBody>
-          <a:bodyPr wrap="square" rtlCol="0">
-            <a:spAutoFit/>
-          </a:bodyPr>
-          <a:lstStyle/>
-          <a:p>
-            <a:r>
-              <a:rPr lang="fr-FR" dirty="0">
-                <a:solidFill>
-                  <a:srgbClr val="C00000"/>
-                </a:solidFill>
-              </a:rPr>
-              <a:t>Liaisons C</a:t>
-            </a:r>
-            <a:r>
-              <a:rPr lang="fr-FR" dirty="0" smtClean="0">
-                <a:solidFill>
-                  <a:srgbClr val="C00000"/>
-                </a:solidFill>
-              </a:rPr>
-              <a:t>=O</a:t>
-            </a:r>
-            <a:endParaRPr lang="fr-FR" dirty="0">
-              <a:solidFill>
-                <a:srgbClr val="C00000"/>
-              </a:solidFill>
-            </a:endParaRPr>
-          </a:p>
-        </p:txBody>
-      </p:sp>
-      <p:sp>
-        <p:nvSpPr>
-          <p:cNvPr id="13" name="ZoneTexte 12">
-            <a:extLst>
-              <a:ext uri="{FF2B5EF4-FFF2-40B4-BE49-F238E27FC236}">
-                <a16:creationId xmlns="" xmlns:a16="http://schemas.microsoft.com/office/drawing/2014/main" id="{91E71E58-D692-4604-81B0-CA53103320E2}"/>
-              </a:ext>
-            </a:extLst>
-          </p:cNvPr>
-          <p:cNvSpPr txBox="1"/>
-          <p:nvPr/>
-        </p:nvSpPr>
-        <p:spPr>
-          <a:xfrm>
-            <a:off x="1699283" y="4917552"/>
-            <a:ext cx="1516566" cy="369332"/>
-          </a:xfrm>
-          <a:prstGeom prst="rect">
-            <a:avLst/>
-          </a:prstGeom>
-          <a:noFill/>
-        </p:spPr>
-        <p:txBody>
-          <a:bodyPr wrap="square" rtlCol="0">
-            <a:spAutoFit/>
-          </a:bodyPr>
-          <a:lstStyle/>
-          <a:p>
-            <a:r>
-              <a:rPr lang="fr-FR" dirty="0">
-                <a:solidFill>
-                  <a:schemeClr val="accent5"/>
-                </a:solidFill>
-              </a:rPr>
-              <a:t>Liaisons C-H</a:t>
-            </a:r>
-          </a:p>
-        </p:txBody>
-      </p:sp>
-      <p:pic>
-        <p:nvPicPr>
-          <p:cNvPr id="15" name="Image 14" descr="Capture d’écran 2020-05-20 à 11.51.30.png"/>
-          <p:cNvPicPr>
-            <a:picLocks noChangeAspect="1"/>
-          </p:cNvPicPr>
-          <p:nvPr/>
-        </p:nvPicPr>
-        <p:blipFill rotWithShape="1">
-          <a:blip r:embed="rId3">
-            <a:extLst>
-              <a:ext uri="{28A0092B-C50C-407E-A947-70E740481C1C}">
-                <a14:useLocalDpi xmlns:a14="http://schemas.microsoft.com/office/drawing/2010/main" val="0"/>
-              </a:ext>
-            </a:extLst>
-          </a:blip>
-          <a:srcRect l="65128"/>
-          <a:stretch/>
-        </p:blipFill>
-        <p:spPr>
-          <a:xfrm>
-            <a:off x="224889" y="84596"/>
-            <a:ext cx="1534542" cy="1291305"/>
-          </a:xfrm>
-          <a:prstGeom prst="rect">
-            <a:avLst/>
-          </a:prstGeom>
-        </p:spPr>
-      </p:pic>
-      <p:sp>
-        <p:nvSpPr>
-          <p:cNvPr id="17" name="Ellipse 16">
-            <a:extLst>
-              <a:ext uri="{FF2B5EF4-FFF2-40B4-BE49-F238E27FC236}">
-                <a16:creationId xmlns:a16="http://schemas.microsoft.com/office/drawing/2014/main" xmlns="" id="{A6FFD470-FE5C-4F4C-9E61-235D59C1A0DB}"/>
-              </a:ext>
-            </a:extLst>
-          </p:cNvPr>
-          <p:cNvSpPr/>
-          <p:nvPr/>
-        </p:nvSpPr>
-        <p:spPr>
-          <a:xfrm>
-            <a:off x="3048193" y="1124533"/>
-            <a:ext cx="602958" cy="4643662"/>
-          </a:xfrm>
-          <a:prstGeom prst="ellipse">
-            <a:avLst/>
-          </a:prstGeom>
-          <a:solidFill>
-            <a:srgbClr val="42BA97">
-              <a:alpha val="30196"/>
-            </a:srgbClr>
-          </a:solidFill>
-          <a:ln>
-            <a:solidFill>
-              <a:schemeClr val="accent5"/>
-            </a:solidFill>
-          </a:ln>
-        </p:spPr>
-        <p:style>
-          <a:lnRef idx="2">
-            <a:schemeClr val="accent1">
-              <a:shade val="50000"/>
-            </a:schemeClr>
-          </a:lnRef>
-          <a:fillRef idx="1">
-            <a:schemeClr val="accent1"/>
-          </a:fillRef>
-          <a:effectRef idx="0">
-            <a:schemeClr val="accent1"/>
-          </a:effectRef>
-          <a:fontRef idx="minor">
-            <a:schemeClr val="lt1"/>
-          </a:fontRef>
-        </p:style>
-        <p:txBody>
-          <a:bodyPr rtlCol="0" anchor="ctr"/>
-          <a:lstStyle/>
-          <a:p>
-            <a:pPr algn="ctr"/>
-            <a:endParaRPr lang="fr-FR"/>
-          </a:p>
-        </p:txBody>
-      </p:sp>
-      <p:sp>
-        <p:nvSpPr>
-          <p:cNvPr id="18" name="Rectangle : coins arrondis 8">
-            <a:extLst>
-              <a:ext uri="{FF2B5EF4-FFF2-40B4-BE49-F238E27FC236}">
-                <a16:creationId xmlns:a16="http://schemas.microsoft.com/office/drawing/2014/main" xmlns="" id="{5FC59D19-7BD2-4E13-A3D2-9211C51E6CA1}"/>
-              </a:ext>
-            </a:extLst>
-          </p:cNvPr>
-          <p:cNvSpPr/>
-          <p:nvPr/>
-        </p:nvSpPr>
-        <p:spPr>
-          <a:xfrm>
-            <a:off x="6852522" y="1481322"/>
-            <a:ext cx="357178" cy="3366220"/>
-          </a:xfrm>
-          <a:prstGeom prst="roundRect">
-            <a:avLst/>
-          </a:prstGeom>
-          <a:solidFill>
-            <a:srgbClr val="42BA97">
-              <a:alpha val="30196"/>
-            </a:srgbClr>
-          </a:solidFill>
-          <a:ln>
-            <a:solidFill>
-              <a:schemeClr val="accent5"/>
-            </a:solidFill>
-          </a:ln>
-        </p:spPr>
-        <p:style>
-          <a:lnRef idx="2">
-            <a:schemeClr val="accent1">
-              <a:shade val="50000"/>
-            </a:schemeClr>
-          </a:lnRef>
-          <a:fillRef idx="1">
-            <a:schemeClr val="accent1"/>
-          </a:fillRef>
-          <a:effectRef idx="0">
-            <a:schemeClr val="accent1"/>
-          </a:effectRef>
-          <a:fontRef idx="minor">
-            <a:schemeClr val="lt1"/>
-          </a:fontRef>
-        </p:style>
-        <p:txBody>
-          <a:bodyPr rtlCol="0" anchor="ctr"/>
-          <a:lstStyle/>
-          <a:p>
-            <a:pPr algn="ctr"/>
-            <a:endParaRPr lang="fr-FR"/>
-          </a:p>
-        </p:txBody>
-      </p:sp>
-      <p:sp>
-        <p:nvSpPr>
-          <p:cNvPr id="19" name="ZoneTexte 18">
-            <a:extLst>
-              <a:ext uri="{FF2B5EF4-FFF2-40B4-BE49-F238E27FC236}">
-                <a16:creationId xmlns:a16="http://schemas.microsoft.com/office/drawing/2014/main" xmlns="" id="{DF11C81B-C93F-441D-889E-F2518A50FA7A}"/>
-              </a:ext>
-            </a:extLst>
-          </p:cNvPr>
-          <p:cNvSpPr txBox="1"/>
-          <p:nvPr/>
-        </p:nvSpPr>
-        <p:spPr>
-          <a:xfrm>
-            <a:off x="6728398" y="4967018"/>
-            <a:ext cx="1516566" cy="369332"/>
-          </a:xfrm>
-          <a:prstGeom prst="rect">
-            <a:avLst/>
-          </a:prstGeom>
-          <a:noFill/>
-        </p:spPr>
-        <p:txBody>
-          <a:bodyPr wrap="square" rtlCol="0">
-            <a:spAutoFit/>
-          </a:bodyPr>
-          <a:lstStyle/>
-          <a:p>
-            <a:r>
-              <a:rPr lang="fr-FR" dirty="0">
-                <a:solidFill>
-                  <a:schemeClr val="accent5"/>
-                </a:solidFill>
-              </a:rPr>
-              <a:t>Liaisons C-H</a:t>
-            </a:r>
-          </a:p>
-        </p:txBody>
-      </p:sp>
-      <p:sp>
-        <p:nvSpPr>
-          <p:cNvPr id="20" name="Rectangle 19"/>
-          <p:cNvSpPr/>
-          <p:nvPr/>
-        </p:nvSpPr>
-        <p:spPr>
-          <a:xfrm>
-            <a:off x="1560999" y="2328446"/>
-            <a:ext cx="1177364" cy="648260"/>
-          </a:xfrm>
-          <a:prstGeom prst="rect">
-            <a:avLst/>
-          </a:prstGeom>
-          <a:solidFill>
-            <a:schemeClr val="bg1"/>
-          </a:solidFill>
-          <a:ln>
-            <a:solidFill>
-              <a:schemeClr val="bg1"/>
-            </a:solidFill>
-          </a:ln>
-          <a:effectLst/>
-        </p:spPr>
-        <p:style>
-          <a:lnRef idx="1">
-            <a:schemeClr val="accent1"/>
-          </a:lnRef>
-          <a:fillRef idx="3">
-            <a:schemeClr val="accent1"/>
-          </a:fillRef>
-          <a:effectRef idx="2">
-            <a:schemeClr val="accent1"/>
-          </a:effectRef>
-          <a:fontRef idx="minor">
-            <a:schemeClr val="lt1"/>
-          </a:fontRef>
-        </p:style>
-        <p:txBody>
-          <a:bodyPr rtlCol="0" anchor="ctr"/>
-          <a:lstStyle/>
-          <a:p>
-            <a:pPr algn="ctr"/>
-            <a:endParaRPr lang="fr-FR"/>
-          </a:p>
-        </p:txBody>
-      </p:sp>
-    </p:spTree>
-    <p:extLst>
-      <p:ext uri="{BB962C8B-B14F-4D97-AF65-F5344CB8AC3E}">
-        <p14:creationId xmlns:p14="http://schemas.microsoft.com/office/powerpoint/2010/main" val="1269323166"/>
       </p:ext>
     </p:extLst>
   </p:cSld>
@@ -8778,12 +8491,42 @@
           <a:chExt cx="0" cy="0"/>
         </a:xfrm>
       </p:grpSpPr>
+      <p:pic>
+        <p:nvPicPr>
+          <p:cNvPr id="6" name="Image 5" descr="Capture d’écran 2020-05-20 à 11.44.06.png"/>
+          <p:cNvPicPr>
+            <a:picLocks noChangeAspect="1"/>
+          </p:cNvPicPr>
+          <p:nvPr/>
+        </p:nvPicPr>
+        <p:blipFill rotWithShape="1">
+          <a:blip r:embed="rId2">
+            <a:extLst>
+              <a:ext uri="{28A0092B-C50C-407E-A947-70E740481C1C}">
+                <a14:useLocalDpi xmlns:a14="http://schemas.microsoft.com/office/drawing/2010/main" val="0"/>
+              </a:ext>
+            </a:extLst>
+          </a:blip>
+          <a:srcRect t="3898"/>
+          <a:stretch/>
+        </p:blipFill>
+        <p:spPr>
+          <a:xfrm>
+            <a:off x="687893" y="1164223"/>
+            <a:ext cx="10715335" cy="4775958"/>
+          </a:xfrm>
+          <a:prstGeom prst="rect">
+            <a:avLst/>
+          </a:prstGeom>
+          <a:effectLst/>
+        </p:spPr>
+      </p:pic>
       <p:sp>
         <p:nvSpPr>
           <p:cNvPr id="2" name="Titre 1">
             <a:extLst>
               <a:ext uri="{FF2B5EF4-FFF2-40B4-BE49-F238E27FC236}">
-                <a16:creationId xmlns:a16="http://schemas.microsoft.com/office/drawing/2014/main" xmlns="" id="{4E78AE3D-2432-4BCA-BA00-78A4EB66537F}"/>
+                <a16:creationId xmlns:a16="http://schemas.microsoft.com/office/drawing/2014/main" xmlns="" id="{4A6992A1-B201-4358-936F-B81C9AFF972A}"/>
               </a:ext>
             </a:extLst>
           </p:cNvPr>
@@ -8800,6 +8543,16 @@
           <a:lstStyle/>
           <a:p>
             <a:r>
+              <a:rPr lang="fr-FR" dirty="0" smtClean="0">
+                <a:solidFill>
+                  <a:schemeClr val="accent2">
+                    <a:lumMod val="75000"/>
+                  </a:schemeClr>
+                </a:solidFill>
+              </a:rPr>
+              <a:t>Spectre </a:t>
+            </a:r>
+            <a:r>
               <a:rPr lang="fr-FR" dirty="0">
                 <a:solidFill>
                   <a:schemeClr val="accent2">
@@ -8807,201 +8560,440 @@
                   </a:schemeClr>
                 </a:solidFill>
               </a:rPr>
-              <a:t>Catégories de réactions</a:t>
-            </a:r>
-          </a:p>
-        </p:txBody>
-      </p:sp>
-      <p:sp>
-        <p:nvSpPr>
-          <p:cNvPr id="5" name="Espace réservé du contenu 2">
+              <a:t>IR du produit</a:t>
+            </a:r>
+          </a:p>
+        </p:txBody>
+      </p:sp>
+      <p:sp>
+        <p:nvSpPr>
+          <p:cNvPr id="8" name="Rectangle 7">
             <a:extLst>
               <a:ext uri="{FF2B5EF4-FFF2-40B4-BE49-F238E27FC236}">
-                <a16:creationId xmlns:a16="http://schemas.microsoft.com/office/drawing/2014/main" xmlns="" id="{54AF742B-8270-4104-AF30-C59AB1E8C053}"/>
+                <a16:creationId xmlns:a16="http://schemas.microsoft.com/office/drawing/2014/main" xmlns="" id="{54668FED-63AB-4CFF-818C-C986DBB25ED3}"/>
               </a:ext>
             </a:extLst>
           </p:cNvPr>
-          <p:cNvSpPr>
-            <a:spLocks noGrp="1"/>
-          </p:cNvSpPr>
-          <p:nvPr>
-            <p:ph idx="1"/>
-          </p:nvPr>
-        </p:nvSpPr>
-        <p:spPr>
-          <a:xfrm>
-            <a:off x="1097280" y="1428237"/>
-            <a:ext cx="10058400" cy="4440857"/>
-          </a:xfrm>
-        </p:spPr>
-        <p:txBody>
-          <a:bodyPr>
-            <a:normAutofit/>
+          <p:cNvSpPr/>
+          <p:nvPr/>
+        </p:nvSpPr>
+        <p:spPr>
+          <a:xfrm>
+            <a:off x="8215420" y="1336210"/>
+            <a:ext cx="3433927" cy="4327399"/>
+          </a:xfrm>
+          <a:prstGeom prst="rect">
+            <a:avLst/>
+          </a:prstGeom>
+          <a:solidFill>
+            <a:schemeClr val="tx1">
+              <a:alpha val="40000"/>
+            </a:schemeClr>
+          </a:solidFill>
+        </p:spPr>
+        <p:style>
+          <a:lnRef idx="2">
+            <a:schemeClr val="accent1">
+              <a:shade val="50000"/>
+            </a:schemeClr>
+          </a:lnRef>
+          <a:fillRef idx="1">
+            <a:schemeClr val="accent1"/>
+          </a:fillRef>
+          <a:effectRef idx="0">
+            <a:schemeClr val="accent1"/>
+          </a:effectRef>
+          <a:fontRef idx="minor">
+            <a:schemeClr val="lt1"/>
+          </a:fontRef>
+        </p:style>
+        <p:txBody>
+          <a:bodyPr rtlCol="0" anchor="ctr"/>
+          <a:lstStyle/>
+          <a:p>
+            <a:pPr algn="ctr"/>
+            <a:endParaRPr lang="fr-FR"/>
+          </a:p>
+        </p:txBody>
+      </p:sp>
+      <p:sp>
+        <p:nvSpPr>
+          <p:cNvPr id="11" name="Ellipse 10">
+            <a:extLst>
+              <a:ext uri="{FF2B5EF4-FFF2-40B4-BE49-F238E27FC236}">
+                <a16:creationId xmlns:a16="http://schemas.microsoft.com/office/drawing/2014/main" xmlns="" id="{A71F51BE-BE4F-40C2-905B-7856CC37B46C}"/>
+              </a:ext>
+            </a:extLst>
+          </p:cNvPr>
+          <p:cNvSpPr/>
+          <p:nvPr/>
+        </p:nvSpPr>
+        <p:spPr>
+          <a:xfrm>
+            <a:off x="5676683" y="1157565"/>
+            <a:ext cx="818661" cy="4319574"/>
+          </a:xfrm>
+          <a:prstGeom prst="ellipse">
+            <a:avLst/>
+          </a:prstGeom>
+          <a:solidFill>
+            <a:srgbClr val="C00000">
+              <a:alpha val="50000"/>
+            </a:srgbClr>
+          </a:solidFill>
+          <a:ln>
+            <a:solidFill>
+              <a:srgbClr val="C00000"/>
+            </a:solidFill>
+          </a:ln>
+        </p:spPr>
+        <p:style>
+          <a:lnRef idx="2">
+            <a:schemeClr val="accent1">
+              <a:shade val="50000"/>
+            </a:schemeClr>
+          </a:lnRef>
+          <a:fillRef idx="1">
+            <a:schemeClr val="accent1"/>
+          </a:fillRef>
+          <a:effectRef idx="0">
+            <a:schemeClr val="accent1"/>
+          </a:effectRef>
+          <a:fontRef idx="minor">
+            <a:schemeClr val="lt1"/>
+          </a:fontRef>
+        </p:style>
+        <p:txBody>
+          <a:bodyPr rtlCol="0" anchor="ctr"/>
+          <a:lstStyle/>
+          <a:p>
+            <a:pPr algn="ctr"/>
+            <a:endParaRPr lang="fr-FR"/>
+          </a:p>
+        </p:txBody>
+      </p:sp>
+      <p:sp>
+        <p:nvSpPr>
+          <p:cNvPr id="12" name="ZoneTexte 11">
+            <a:extLst>
+              <a:ext uri="{FF2B5EF4-FFF2-40B4-BE49-F238E27FC236}">
+                <a16:creationId xmlns:a16="http://schemas.microsoft.com/office/drawing/2014/main" xmlns="" id="{99CD7521-5E05-4858-962D-FFA37469CB04}"/>
+              </a:ext>
+            </a:extLst>
+          </p:cNvPr>
+          <p:cNvSpPr txBox="1"/>
+          <p:nvPr/>
+        </p:nvSpPr>
+        <p:spPr>
+          <a:xfrm>
+            <a:off x="4348933" y="4666486"/>
+            <a:ext cx="1516566" cy="369332"/>
+          </a:xfrm>
+          <a:prstGeom prst="rect">
+            <a:avLst/>
+          </a:prstGeom>
+          <a:noFill/>
+        </p:spPr>
+        <p:txBody>
+          <a:bodyPr wrap="square" rtlCol="0">
+            <a:spAutoFit/>
           </a:bodyPr>
           <a:lstStyle/>
           <a:p>
-            <a:pPr algn="just"/>
-            <a:r>
-              <a:rPr lang="fr-FR" sz="2800" b="1" dirty="0">
+            <a:r>
+              <a:rPr lang="fr-FR" dirty="0">
                 <a:solidFill>
-                  <a:schemeClr val="accent6">
-                    <a:lumMod val="75000"/>
-                  </a:schemeClr>
+                  <a:srgbClr val="C00000"/>
                 </a:solidFill>
               </a:rPr>
-              <a:t> </a:t>
-            </a:r>
-            <a:r>
-              <a:rPr lang="fr-FR" sz="2800" b="1" u="sng" dirty="0">
+              <a:t>Liaisons C</a:t>
+            </a:r>
+            <a:r>
+              <a:rPr lang="fr-FR" dirty="0" smtClean="0">
                 <a:solidFill>
-                  <a:schemeClr val="accent6">
-                    <a:lumMod val="75000"/>
-                  </a:schemeClr>
+                  <a:srgbClr val="C00000"/>
                 </a:solidFill>
               </a:rPr>
-              <a:t>Substitution</a:t>
-            </a:r>
-            <a:r>
-              <a:rPr lang="fr-FR" sz="2800" u="sng" dirty="0">
+              <a:t>=O</a:t>
+            </a:r>
+            <a:endParaRPr lang="fr-FR" dirty="0">
+              <a:solidFill>
+                <a:srgbClr val="C00000"/>
+              </a:solidFill>
+            </a:endParaRPr>
+          </a:p>
+        </p:txBody>
+      </p:sp>
+      <p:sp>
+        <p:nvSpPr>
+          <p:cNvPr id="13" name="ZoneTexte 12">
+            <a:extLst>
+              <a:ext uri="{FF2B5EF4-FFF2-40B4-BE49-F238E27FC236}">
+                <a16:creationId xmlns:a16="http://schemas.microsoft.com/office/drawing/2014/main" xmlns="" id="{91E71E58-D692-4604-81B0-CA53103320E2}"/>
+              </a:ext>
+            </a:extLst>
+          </p:cNvPr>
+          <p:cNvSpPr txBox="1"/>
+          <p:nvPr/>
+        </p:nvSpPr>
+        <p:spPr>
+          <a:xfrm>
+            <a:off x="1699283" y="4917552"/>
+            <a:ext cx="1516566" cy="369332"/>
+          </a:xfrm>
+          <a:prstGeom prst="rect">
+            <a:avLst/>
+          </a:prstGeom>
+          <a:noFill/>
+        </p:spPr>
+        <p:txBody>
+          <a:bodyPr wrap="square" rtlCol="0">
+            <a:spAutoFit/>
+          </a:bodyPr>
+          <a:lstStyle/>
+          <a:p>
+            <a:r>
+              <a:rPr lang="fr-FR" dirty="0">
                 <a:solidFill>
-                  <a:schemeClr val="accent6">
-                    <a:lumMod val="75000"/>
-                  </a:schemeClr>
+                  <a:schemeClr val="accent5"/>
                 </a:solidFill>
               </a:rPr>
-              <a:t> : </a:t>
-            </a:r>
-          </a:p>
-          <a:p>
-            <a:pPr marL="0" indent="0" algn="just">
-              <a:buNone/>
-            </a:pPr>
-            <a:r>
-              <a:rPr lang="fr-FR" sz="2800" dirty="0"/>
-              <a:t>atome ou groupe d’atomes </a:t>
-            </a:r>
-            <a:r>
-              <a:rPr lang="fr-FR" sz="2800" i="1" dirty="0"/>
-              <a:t>remplacé</a:t>
-            </a:r>
-            <a:r>
-              <a:rPr lang="fr-FR" sz="2800" dirty="0"/>
-              <a:t> par un autre atome ou groupe d’atomes.</a:t>
-            </a:r>
-          </a:p>
-          <a:p>
-            <a:pPr algn="just"/>
-            <a:r>
-              <a:rPr lang="fr-FR" sz="2800" b="1" dirty="0">
+              <a:t>Liaisons C-H</a:t>
+            </a:r>
+          </a:p>
+        </p:txBody>
+      </p:sp>
+      <p:pic>
+        <p:nvPicPr>
+          <p:cNvPr id="15" name="Image 14" descr="Capture d’écran 2020-05-20 à 11.51.30.png"/>
+          <p:cNvPicPr>
+            <a:picLocks noChangeAspect="1"/>
+          </p:cNvPicPr>
+          <p:nvPr/>
+        </p:nvPicPr>
+        <p:blipFill rotWithShape="1">
+          <a:blip r:embed="rId3">
+            <a:extLst>
+              <a:ext uri="{28A0092B-C50C-407E-A947-70E740481C1C}">
+                <a14:useLocalDpi xmlns:a14="http://schemas.microsoft.com/office/drawing/2010/main" val="0"/>
+              </a:ext>
+            </a:extLst>
+          </a:blip>
+          <a:srcRect l="65128"/>
+          <a:stretch/>
+        </p:blipFill>
+        <p:spPr>
+          <a:xfrm>
+            <a:off x="224889" y="84596"/>
+            <a:ext cx="1534542" cy="1291305"/>
+          </a:xfrm>
+          <a:prstGeom prst="rect">
+            <a:avLst/>
+          </a:prstGeom>
+        </p:spPr>
+      </p:pic>
+      <p:sp>
+        <p:nvSpPr>
+          <p:cNvPr id="17" name="Ellipse 16">
+            <a:extLst>
+              <a:ext uri="{FF2B5EF4-FFF2-40B4-BE49-F238E27FC236}">
+                <a16:creationId xmlns="" xmlns:a16="http://schemas.microsoft.com/office/drawing/2014/main" id="{A6FFD470-FE5C-4F4C-9E61-235D59C1A0DB}"/>
+              </a:ext>
+            </a:extLst>
+          </p:cNvPr>
+          <p:cNvSpPr/>
+          <p:nvPr/>
+        </p:nvSpPr>
+        <p:spPr>
+          <a:xfrm>
+            <a:off x="3048193" y="1124533"/>
+            <a:ext cx="602958" cy="4643662"/>
+          </a:xfrm>
+          <a:prstGeom prst="ellipse">
+            <a:avLst/>
+          </a:prstGeom>
+          <a:solidFill>
+            <a:srgbClr val="42BA97">
+              <a:alpha val="30196"/>
+            </a:srgbClr>
+          </a:solidFill>
+          <a:ln>
+            <a:solidFill>
+              <a:schemeClr val="accent5"/>
+            </a:solidFill>
+          </a:ln>
+        </p:spPr>
+        <p:style>
+          <a:lnRef idx="2">
+            <a:schemeClr val="accent1">
+              <a:shade val="50000"/>
+            </a:schemeClr>
+          </a:lnRef>
+          <a:fillRef idx="1">
+            <a:schemeClr val="accent1"/>
+          </a:fillRef>
+          <a:effectRef idx="0">
+            <a:schemeClr val="accent1"/>
+          </a:effectRef>
+          <a:fontRef idx="minor">
+            <a:schemeClr val="lt1"/>
+          </a:fontRef>
+        </p:style>
+        <p:txBody>
+          <a:bodyPr rtlCol="0" anchor="ctr"/>
+          <a:lstStyle/>
+          <a:p>
+            <a:pPr algn="ctr"/>
+            <a:endParaRPr lang="fr-FR"/>
+          </a:p>
+        </p:txBody>
+      </p:sp>
+      <p:sp>
+        <p:nvSpPr>
+          <p:cNvPr id="18" name="Rectangle : coins arrondis 8">
+            <a:extLst>
+              <a:ext uri="{FF2B5EF4-FFF2-40B4-BE49-F238E27FC236}">
+                <a16:creationId xmlns="" xmlns:a16="http://schemas.microsoft.com/office/drawing/2014/main" id="{5FC59D19-7BD2-4E13-A3D2-9211C51E6CA1}"/>
+              </a:ext>
+            </a:extLst>
+          </p:cNvPr>
+          <p:cNvSpPr/>
+          <p:nvPr/>
+        </p:nvSpPr>
+        <p:spPr>
+          <a:xfrm>
+            <a:off x="6852522" y="1481322"/>
+            <a:ext cx="357178" cy="3366220"/>
+          </a:xfrm>
+          <a:prstGeom prst="roundRect">
+            <a:avLst/>
+          </a:prstGeom>
+          <a:solidFill>
+            <a:srgbClr val="42BA97">
+              <a:alpha val="30196"/>
+            </a:srgbClr>
+          </a:solidFill>
+          <a:ln>
+            <a:solidFill>
+              <a:schemeClr val="accent5"/>
+            </a:solidFill>
+          </a:ln>
+        </p:spPr>
+        <p:style>
+          <a:lnRef idx="2">
+            <a:schemeClr val="accent1">
+              <a:shade val="50000"/>
+            </a:schemeClr>
+          </a:lnRef>
+          <a:fillRef idx="1">
+            <a:schemeClr val="accent1"/>
+          </a:fillRef>
+          <a:effectRef idx="0">
+            <a:schemeClr val="accent1"/>
+          </a:effectRef>
+          <a:fontRef idx="minor">
+            <a:schemeClr val="lt1"/>
+          </a:fontRef>
+        </p:style>
+        <p:txBody>
+          <a:bodyPr rtlCol="0" anchor="ctr"/>
+          <a:lstStyle/>
+          <a:p>
+            <a:pPr algn="ctr"/>
+            <a:endParaRPr lang="fr-FR"/>
+          </a:p>
+        </p:txBody>
+      </p:sp>
+      <p:sp>
+        <p:nvSpPr>
+          <p:cNvPr id="19" name="ZoneTexte 18">
+            <a:extLst>
+              <a:ext uri="{FF2B5EF4-FFF2-40B4-BE49-F238E27FC236}">
+                <a16:creationId xmlns="" xmlns:a16="http://schemas.microsoft.com/office/drawing/2014/main" id="{DF11C81B-C93F-441D-889E-F2518A50FA7A}"/>
+              </a:ext>
+            </a:extLst>
+          </p:cNvPr>
+          <p:cNvSpPr txBox="1"/>
+          <p:nvPr/>
+        </p:nvSpPr>
+        <p:spPr>
+          <a:xfrm>
+            <a:off x="6728398" y="4967018"/>
+            <a:ext cx="1516566" cy="369332"/>
+          </a:xfrm>
+          <a:prstGeom prst="rect">
+            <a:avLst/>
+          </a:prstGeom>
+          <a:noFill/>
+        </p:spPr>
+        <p:txBody>
+          <a:bodyPr wrap="square" rtlCol="0">
+            <a:spAutoFit/>
+          </a:bodyPr>
+          <a:lstStyle/>
+          <a:p>
+            <a:r>
+              <a:rPr lang="fr-FR" dirty="0">
                 <a:solidFill>
-                  <a:schemeClr val="accent6">
-                    <a:lumMod val="75000"/>
-                  </a:schemeClr>
+                  <a:schemeClr val="accent5"/>
                 </a:solidFill>
               </a:rPr>
-              <a:t> </a:t>
-            </a:r>
-            <a:r>
-              <a:rPr lang="fr-FR" sz="2800" b="1" u="sng" dirty="0">
-                <a:solidFill>
-                  <a:schemeClr val="accent6">
-                    <a:lumMod val="75000"/>
-                  </a:schemeClr>
-                </a:solidFill>
-              </a:rPr>
-              <a:t>Addition</a:t>
-            </a:r>
-            <a:r>
-              <a:rPr lang="fr-FR" sz="2800" u="sng" dirty="0">
-                <a:solidFill>
-                  <a:schemeClr val="accent6">
-                    <a:lumMod val="75000"/>
-                  </a:schemeClr>
-                </a:solidFill>
-              </a:rPr>
-              <a:t> : </a:t>
-            </a:r>
-          </a:p>
-          <a:p>
-            <a:pPr marL="0" indent="0" algn="just">
-              <a:buNone/>
-            </a:pPr>
-            <a:r>
-              <a:rPr lang="fr-FR" sz="2800" dirty="0"/>
-              <a:t>atomes ou groupes d’atomes </a:t>
-            </a:r>
-            <a:r>
-              <a:rPr lang="fr-FR" sz="2800" i="1" dirty="0"/>
-              <a:t>ajoutés</a:t>
-            </a:r>
-            <a:r>
-              <a:rPr lang="fr-FR" sz="2800" dirty="0"/>
-              <a:t> aux atomes d’une liaison multiple.</a:t>
-            </a:r>
-          </a:p>
-          <a:p>
-            <a:pPr algn="just"/>
-            <a:r>
-              <a:rPr lang="fr-FR" sz="2800" b="1" dirty="0">
-                <a:solidFill>
-                  <a:schemeClr val="accent6">
-                    <a:lumMod val="75000"/>
-                  </a:schemeClr>
-                </a:solidFill>
-              </a:rPr>
-              <a:t> </a:t>
-            </a:r>
-            <a:r>
-              <a:rPr lang="fr-FR" sz="2800" b="1" u="sng" dirty="0">
-                <a:solidFill>
-                  <a:schemeClr val="accent6">
-                    <a:lumMod val="75000"/>
-                  </a:schemeClr>
-                </a:solidFill>
-              </a:rPr>
-              <a:t>Élimination</a:t>
-            </a:r>
-            <a:r>
-              <a:rPr lang="fr-FR" sz="2800" u="sng" dirty="0">
-                <a:solidFill>
-                  <a:schemeClr val="accent6">
-                    <a:lumMod val="75000"/>
-                  </a:schemeClr>
-                </a:solidFill>
-              </a:rPr>
-              <a:t> : </a:t>
-            </a:r>
-          </a:p>
-          <a:p>
-            <a:pPr marL="0" indent="0" algn="just">
-              <a:buNone/>
-            </a:pPr>
-            <a:r>
-              <a:rPr lang="fr-FR" sz="2800" dirty="0"/>
-              <a:t>atome ou groupe d’atomes portés par des atomes adjacents </a:t>
-            </a:r>
-            <a:r>
-              <a:rPr lang="fr-FR" sz="2800" i="1" dirty="0"/>
-              <a:t>éliminés</a:t>
-            </a:r>
-            <a:r>
-              <a:rPr lang="fr-FR" sz="2800" dirty="0"/>
-              <a:t> pour former une liaison multiple.</a:t>
-            </a:r>
-          </a:p>
-          <a:p>
-            <a:pPr>
-              <a:buFont typeface="Arial" panose="020B0604020202020204" pitchFamily="34" charset="0"/>
-              <a:buChar char="•"/>
-            </a:pPr>
-            <a:endParaRPr lang="fr-FR" dirty="0"/>
+              <a:t>Liaisons C-H</a:t>
+            </a:r>
+          </a:p>
+        </p:txBody>
+      </p:sp>
+      <p:sp>
+        <p:nvSpPr>
+          <p:cNvPr id="20" name="Rectangle 19"/>
+          <p:cNvSpPr/>
+          <p:nvPr/>
+        </p:nvSpPr>
+        <p:spPr>
+          <a:xfrm>
+            <a:off x="1560999" y="2328446"/>
+            <a:ext cx="1177364" cy="648260"/>
+          </a:xfrm>
+          <a:prstGeom prst="rect">
+            <a:avLst/>
+          </a:prstGeom>
+          <a:solidFill>
+            <a:schemeClr val="bg1"/>
+          </a:solidFill>
+          <a:ln>
+            <a:solidFill>
+              <a:schemeClr val="bg1"/>
+            </a:solidFill>
+          </a:ln>
+          <a:effectLst/>
+        </p:spPr>
+        <p:style>
+          <a:lnRef idx="1">
+            <a:schemeClr val="accent1"/>
+          </a:lnRef>
+          <a:fillRef idx="3">
+            <a:schemeClr val="accent1"/>
+          </a:fillRef>
+          <a:effectRef idx="2">
+            <a:schemeClr val="accent1"/>
+          </a:effectRef>
+          <a:fontRef idx="minor">
+            <a:schemeClr val="lt1"/>
+          </a:fontRef>
+        </p:style>
+        <p:txBody>
+          <a:bodyPr rtlCol="0" anchor="ctr"/>
+          <a:lstStyle/>
+          <a:p>
+            <a:pPr algn="ctr"/>
+            <a:endParaRPr lang="fr-FR"/>
           </a:p>
         </p:txBody>
       </p:sp>
     </p:spTree>
     <p:extLst>
       <p:ext uri="{BB962C8B-B14F-4D97-AF65-F5344CB8AC3E}">
-        <p14:creationId xmlns:p14="http://schemas.microsoft.com/office/powerpoint/2010/main" val="2781126663"/>
+        <p14:creationId xmlns:p14="http://schemas.microsoft.com/office/powerpoint/2010/main" val="1269323166"/>
       </p:ext>
     </p:extLst>
   </p:cSld>
@@ -9033,7 +9025,7 @@
           <p:cNvPr id="2" name="Titre 1">
             <a:extLst>
               <a:ext uri="{FF2B5EF4-FFF2-40B4-BE49-F238E27FC236}">
-                <a16:creationId xmlns:a16="http://schemas.microsoft.com/office/drawing/2014/main" xmlns="" id="{A056C96B-B11A-4980-A9A7-6D73FD33E28F}"/>
+                <a16:creationId xmlns="" xmlns:a16="http://schemas.microsoft.com/office/drawing/2014/main" id="{4E78AE3D-2432-4BCA-BA00-78A4EB66537F}"/>
               </a:ext>
             </a:extLst>
           </p:cNvPr>
@@ -9057,17 +9049,17 @@
                   </a:schemeClr>
                 </a:solidFill>
               </a:rPr>
-              <a:t>Sites donneurs ou accepteurs</a:t>
-            </a:r>
-          </a:p>
-        </p:txBody>
-      </p:sp>
-      <p:sp>
-        <p:nvSpPr>
-          <p:cNvPr id="3" name="Espace réservé du contenu 2">
+              <a:t>Catégories de réactions</a:t>
+            </a:r>
+          </a:p>
+        </p:txBody>
+      </p:sp>
+      <p:sp>
+        <p:nvSpPr>
+          <p:cNvPr id="5" name="Espace réservé du contenu 2">
             <a:extLst>
               <a:ext uri="{FF2B5EF4-FFF2-40B4-BE49-F238E27FC236}">
-                <a16:creationId xmlns:a16="http://schemas.microsoft.com/office/drawing/2014/main" xmlns="" id="{7EB9DFE6-7EDB-43AE-A4DB-B72B831C0A37}"/>
+                <a16:creationId xmlns="" xmlns:a16="http://schemas.microsoft.com/office/drawing/2014/main" id="{54AF742B-8270-4104-AF30-C59AB1E8C053}"/>
               </a:ext>
             </a:extLst>
           </p:cNvPr>
@@ -9078,15 +9070,21 @@
             <p:ph idx="1"/>
           </p:nvPr>
         </p:nvSpPr>
-        <p:spPr/>
+        <p:spPr>
+          <a:xfrm>
+            <a:off x="1097280" y="1428237"/>
+            <a:ext cx="10058400" cy="4440857"/>
+          </a:xfrm>
+        </p:spPr>
         <p:txBody>
           <a:bodyPr>
             <a:normAutofit/>
           </a:bodyPr>
           <a:lstStyle/>
           <a:p>
-            <a:r>
-              <a:rPr lang="fr-FR" sz="2400" dirty="0">
+            <a:pPr algn="just"/>
+            <a:r>
+              <a:rPr lang="fr-FR" sz="2800" b="1" dirty="0">
                 <a:solidFill>
                   <a:schemeClr val="accent6">
                     <a:lumMod val="75000"/>
@@ -9103,68 +9101,40 @@
                   </a:schemeClr>
                 </a:solidFill>
               </a:rPr>
-              <a:t>Site donneur de doublets d’électrons :</a:t>
-            </a:r>
-          </a:p>
-          <a:p>
-            <a:pPr lvl="1">
-              <a:buFont typeface="Wingdings" panose="05000000000000000000" pitchFamily="2" charset="2"/>
-              <a:buChar char="§"/>
-            </a:pPr>
-            <a:r>
-              <a:rPr lang="fr-FR" sz="2400" dirty="0" smtClean="0"/>
-              <a:t>atome </a:t>
-            </a:r>
-            <a:r>
-              <a:rPr lang="fr-FR" sz="2400" dirty="0"/>
-              <a:t>porteur d’une charge négative (éventuellement partielle</a:t>
-            </a:r>
-            <a:r>
-              <a:rPr lang="fr-FR" sz="2400" dirty="0" smtClean="0"/>
-              <a:t>)</a:t>
-            </a:r>
-          </a:p>
-          <a:p>
-            <a:pPr lvl="1">
-              <a:buFont typeface="Wingdings" panose="05000000000000000000" pitchFamily="2" charset="2"/>
-              <a:buChar char="§"/>
-            </a:pPr>
-            <a:r>
-              <a:rPr lang="fr-FR" sz="2400" dirty="0"/>
-              <a:t>atome porteur de doublet non </a:t>
-            </a:r>
-            <a:r>
-              <a:rPr lang="fr-FR" sz="2400" dirty="0" smtClean="0"/>
-              <a:t>liant</a:t>
-            </a:r>
-          </a:p>
-          <a:p>
-            <a:pPr lvl="1">
-              <a:buFont typeface="Wingdings" panose="05000000000000000000" pitchFamily="2" charset="2"/>
-              <a:buChar char="§"/>
-            </a:pPr>
-            <a:r>
-              <a:rPr lang="fr-FR" sz="2400" dirty="0" smtClean="0"/>
-              <a:t>Liaisons multiples</a:t>
-            </a:r>
-            <a:endParaRPr lang="fr-FR" sz="2400" dirty="0"/>
-          </a:p>
-          <a:p>
-            <a:pPr lvl="1">
-              <a:buFont typeface="Wingdings" panose="05000000000000000000" pitchFamily="2" charset="2"/>
-              <a:buChar char="§"/>
-            </a:pPr>
-            <a:endParaRPr lang="fr-FR" sz="2400" dirty="0"/>
-          </a:p>
-          <a:p>
-            <a:pPr marL="201168" lvl="1" indent="0">
+              <a:t>Substitution</a:t>
+            </a:r>
+            <a:r>
+              <a:rPr lang="fr-FR" sz="2800" u="sng" dirty="0">
+                <a:solidFill>
+                  <a:schemeClr val="accent6">
+                    <a:lumMod val="75000"/>
+                  </a:schemeClr>
+                </a:solidFill>
+              </a:rPr>
+              <a:t> : </a:t>
+            </a:r>
+          </a:p>
+          <a:p>
+            <a:pPr marL="0" indent="0" algn="just">
               <a:buNone/>
             </a:pPr>
-            <a:endParaRPr lang="fr-FR" sz="2400" dirty="0" smtClean="0"/>
-          </a:p>
-          <a:p>
-            <a:r>
-              <a:rPr lang="fr-FR" sz="2800" b="1" dirty="0" smtClean="0">
+            <a:r>
+              <a:rPr lang="fr-FR" sz="2800" dirty="0"/>
+              <a:t>atome ou groupe d’atomes </a:t>
+            </a:r>
+            <a:r>
+              <a:rPr lang="fr-FR" sz="2800" i="1" dirty="0"/>
+              <a:t>remplacé</a:t>
+            </a:r>
+            <a:r>
+              <a:rPr lang="fr-FR" sz="2800" dirty="0"/>
+              <a:t> par un autre atome ou groupe d’atomes.</a:t>
+            </a:r>
+          </a:p>
+          <a:p>
+            <a:pPr algn="just"/>
+            <a:r>
+              <a:rPr lang="fr-FR" sz="2800" b="1" dirty="0">
                 <a:solidFill>
                   <a:schemeClr val="accent6">
                     <a:lumMod val="75000"/>
@@ -9181,61 +9151,99 @@
                   </a:schemeClr>
                 </a:solidFill>
               </a:rPr>
-              <a:t>Site accepteur de doublets d’électrons :</a:t>
-            </a:r>
-          </a:p>
-          <a:p>
-            <a:pPr lvl="1">
-              <a:buFont typeface="Wingdings" panose="05000000000000000000" pitchFamily="2" charset="2"/>
-              <a:buChar char="§"/>
-            </a:pPr>
-            <a:r>
-              <a:rPr lang="fr-FR" sz="2400" dirty="0"/>
-              <a:t>atome porteur d’une charge positive (éventuellement partielle)</a:t>
-            </a:r>
-          </a:p>
-          <a:p>
-            <a:pPr lvl="1">
+              <a:t>Addition</a:t>
+            </a:r>
+            <a:r>
+              <a:rPr lang="fr-FR" sz="2800" u="sng" dirty="0">
+                <a:solidFill>
+                  <a:schemeClr val="accent6">
+                    <a:lumMod val="75000"/>
+                  </a:schemeClr>
+                </a:solidFill>
+              </a:rPr>
+              <a:t> : </a:t>
+            </a:r>
+          </a:p>
+          <a:p>
+            <a:pPr marL="0" indent="0" algn="just">
               <a:buNone/>
             </a:pPr>
-            <a:endParaRPr lang="fr-FR" sz="2400" dirty="0"/>
-          </a:p>
-        </p:txBody>
-      </p:sp>
-      <p:sp>
-        <p:nvSpPr>
-          <p:cNvPr id="4" name="Espace réservé du numéro de diapositive 3">
-            <a:extLst>
-              <a:ext uri="{FF2B5EF4-FFF2-40B4-BE49-F238E27FC236}">
-                <a16:creationId xmlns:a16="http://schemas.microsoft.com/office/drawing/2014/main" xmlns="" id="{F5140944-8D2E-40C6-99DC-DA844468CBA1}"/>
-              </a:ext>
-            </a:extLst>
-          </p:cNvPr>
-          <p:cNvSpPr>
-            <a:spLocks noGrp="1"/>
-          </p:cNvSpPr>
-          <p:nvPr>
-            <p:ph type="sldNum" sz="quarter" idx="12"/>
-          </p:nvPr>
-        </p:nvSpPr>
-        <p:spPr/>
-        <p:txBody>
-          <a:bodyPr/>
-          <a:lstStyle/>
-          <a:p>
-            <a:fld id="{23A0BF15-B7D3-4BB6-885E-A86938A92F98}" type="slidenum">
-              <a:rPr lang="fr-FR" smtClean="0"/>
-              <a:pPr/>
-              <a:t>19</a:t>
-            </a:fld>
-            <a:endParaRPr lang="fr-FR"/>
+            <a:r>
+              <a:rPr lang="fr-FR" sz="2800" dirty="0"/>
+              <a:t>atomes ou groupes d’atomes </a:t>
+            </a:r>
+            <a:r>
+              <a:rPr lang="fr-FR" sz="2800" i="1" dirty="0"/>
+              <a:t>ajoutés</a:t>
+            </a:r>
+            <a:r>
+              <a:rPr lang="fr-FR" sz="2800" dirty="0"/>
+              <a:t> aux atomes d’une liaison multiple.</a:t>
+            </a:r>
+          </a:p>
+          <a:p>
+            <a:pPr algn="just"/>
+            <a:r>
+              <a:rPr lang="fr-FR" sz="2800" b="1" dirty="0">
+                <a:solidFill>
+                  <a:schemeClr val="accent6">
+                    <a:lumMod val="75000"/>
+                  </a:schemeClr>
+                </a:solidFill>
+              </a:rPr>
+              <a:t> </a:t>
+            </a:r>
+            <a:r>
+              <a:rPr lang="fr-FR" sz="2800" b="1" u="sng" dirty="0">
+                <a:solidFill>
+                  <a:schemeClr val="accent6">
+                    <a:lumMod val="75000"/>
+                  </a:schemeClr>
+                </a:solidFill>
+              </a:rPr>
+              <a:t>Élimination</a:t>
+            </a:r>
+            <a:r>
+              <a:rPr lang="fr-FR" sz="2800" u="sng" dirty="0">
+                <a:solidFill>
+                  <a:schemeClr val="accent6">
+                    <a:lumMod val="75000"/>
+                  </a:schemeClr>
+                </a:solidFill>
+              </a:rPr>
+              <a:t> : </a:t>
+            </a:r>
+          </a:p>
+          <a:p>
+            <a:pPr marL="0" indent="0" algn="just">
+              <a:buNone/>
+            </a:pPr>
+            <a:r>
+              <a:rPr lang="fr-FR" sz="2800" dirty="0"/>
+              <a:t>atome ou groupe d’atomes portés par des atomes adjacents </a:t>
+            </a:r>
+            <a:r>
+              <a:rPr lang="fr-FR" sz="2800" i="1" dirty="0"/>
+              <a:t>éliminés</a:t>
+            </a:r>
+            <a:r>
+              <a:rPr lang="fr-FR" sz="2800" dirty="0"/>
+              <a:t> pour former une liaison multiple.</a:t>
+            </a:r>
+          </a:p>
+          <a:p>
+            <a:pPr>
+              <a:buFont typeface="Arial" panose="020B0604020202020204" pitchFamily="34" charset="0"/>
+              <a:buChar char="•"/>
+            </a:pPr>
+            <a:endParaRPr lang="fr-FR" dirty="0"/>
           </a:p>
         </p:txBody>
       </p:sp>
     </p:spTree>
     <p:extLst>
       <p:ext uri="{BB962C8B-B14F-4D97-AF65-F5344CB8AC3E}">
-        <p14:creationId xmlns:p14="http://schemas.microsoft.com/office/powerpoint/2010/main" val="270526778"/>
+        <p14:creationId xmlns:p14="http://schemas.microsoft.com/office/powerpoint/2010/main" val="2781126663"/>
       </p:ext>
     </p:extLst>
   </p:cSld>
@@ -9594,7 +9602,6 @@
               <a:rPr lang="fr-FR" sz="1600" dirty="0"/>
               <a:t>Arrivée d’eau froide</a:t>
             </a:r>
-            <a:endParaRPr lang="fr-FR" sz="1600" dirty="0"/>
           </a:p>
         </p:txBody>
       </p:sp>
@@ -9624,7 +9631,6 @@
               <a:rPr lang="fr-FR" sz="1600" dirty="0"/>
               <a:t>Sortie d’eau froide</a:t>
             </a:r>
-            <a:endParaRPr lang="fr-FR" sz="1600" dirty="0"/>
           </a:p>
         </p:txBody>
       </p:sp>
@@ -9727,7 +9733,6 @@
               <a:rPr lang="fr-FR" sz="1600" dirty="0"/>
               <a:t>Chauffe ballon</a:t>
             </a:r>
-            <a:endParaRPr lang="fr-FR" sz="1600" dirty="0"/>
           </a:p>
         </p:txBody>
       </p:sp>
@@ -9759,7 +9764,6 @@
               <a:rPr lang="fr-FR" sz="1600" dirty="0"/>
               <a:t>Support élévateur</a:t>
             </a:r>
-            <a:endParaRPr lang="fr-FR" sz="1600" dirty="0"/>
           </a:p>
         </p:txBody>
       </p:sp>
@@ -9863,7 +9867,6 @@
               <a:rPr lang="fr-FR" sz="1600" dirty="0"/>
               <a:t>Potence</a:t>
             </a:r>
-            <a:endParaRPr lang="fr-FR" sz="1600" dirty="0"/>
           </a:p>
         </p:txBody>
       </p:sp>
@@ -10004,15 +10007,7 @@
             <a:pPr algn="ctr"/>
             <a:r>
               <a:rPr lang="fr-FR" sz="1600" dirty="0" smtClean="0"/>
-              <a:t>+6mL acide éthano</a:t>
-            </a:r>
-            <a:r>
-              <a:rPr lang="fr-FR" sz="1600" dirty="0" smtClean="0"/>
-              <a:t>ïque (0,1 mol)</a:t>
-            </a:r>
-            <a:r>
-              <a:rPr lang="fr-FR" sz="1600" dirty="0" smtClean="0"/>
-              <a:t> </a:t>
+              <a:t>+6mL acide éthanoïque (0,1 mol) </a:t>
             </a:r>
           </a:p>
           <a:p>
@@ -10119,6 +10114,41 @@
           </a:p>
         </p:txBody>
       </p:sp>
+      <p:cxnSp>
+        <p:nvCxnSpPr>
+          <p:cNvPr id="5" name="Connecteur droit 4"/>
+          <p:cNvCxnSpPr/>
+          <p:nvPr/>
+        </p:nvCxnSpPr>
+        <p:spPr>
+          <a:xfrm flipV="1">
+            <a:off x="9187489" y="3647693"/>
+            <a:ext cx="959281" cy="1418548"/>
+          </a:xfrm>
+          <a:prstGeom prst="line">
+            <a:avLst/>
+          </a:prstGeom>
+          <a:ln>
+            <a:solidFill>
+              <a:schemeClr val="tx1"/>
+            </a:solidFill>
+          </a:ln>
+        </p:spPr>
+        <p:style>
+          <a:lnRef idx="2">
+            <a:schemeClr val="accent1"/>
+          </a:lnRef>
+          <a:fillRef idx="0">
+            <a:schemeClr val="accent1"/>
+          </a:fillRef>
+          <a:effectRef idx="1">
+            <a:schemeClr val="accent1"/>
+          </a:effectRef>
+          <a:fontRef idx="minor">
+            <a:schemeClr val="tx1"/>
+          </a:fontRef>
+        </p:style>
+      </p:cxnSp>
     </p:spTree>
     <p:extLst>
       <p:ext uri="{BB962C8B-B14F-4D97-AF65-F5344CB8AC3E}">
@@ -10158,7 +10188,13 @@
       </p:grpSpPr>
       <p:sp>
         <p:nvSpPr>
-          <p:cNvPr id="2" name="Titre 1"/>
+          <p:cNvPr id="2" name="Titre 1">
+            <a:extLst>
+              <a:ext uri="{FF2B5EF4-FFF2-40B4-BE49-F238E27FC236}">
+                <a16:creationId xmlns="" xmlns:a16="http://schemas.microsoft.com/office/drawing/2014/main" id="{A056C96B-B11A-4980-A9A7-6D73FD33E28F}"/>
+              </a:ext>
+            </a:extLst>
+          </p:cNvPr>
           <p:cNvSpPr>
             <a:spLocks noGrp="1"/>
           </p:cNvSpPr>
@@ -10166,580 +10202,204 @@
             <p:ph type="title"/>
           </p:nvPr>
         </p:nvSpPr>
-        <p:spPr>
-          <a:xfrm>
-            <a:off x="385091" y="257715"/>
-            <a:ext cx="11360800" cy="763600"/>
-          </a:xfrm>
-        </p:spPr>
+        <p:spPr/>
         <p:txBody>
           <a:bodyPr/>
           <a:lstStyle/>
           <a:p>
             <a:r>
-              <a:rPr lang="fr-FR" dirty="0" smtClean="0">
+              <a:rPr lang="fr-FR" dirty="0">
                 <a:solidFill>
                   <a:schemeClr val="accent2">
                     <a:lumMod val="75000"/>
                   </a:schemeClr>
                 </a:solidFill>
               </a:rPr>
-              <a:t>Du microscopique au macroscopique</a:t>
-            </a:r>
-            <a:endParaRPr lang="fr-FR" dirty="0"/>
-          </a:p>
-        </p:txBody>
-      </p:sp>
-      <p:sp>
-        <p:nvSpPr>
-          <p:cNvPr id="4" name="Espace réservé du numéro de diapositive 3"/>
+              <a:t>Sites donneurs ou accepteurs</a:t>
+            </a:r>
+          </a:p>
+        </p:txBody>
+      </p:sp>
+      <p:sp>
+        <p:nvSpPr>
+          <p:cNvPr id="3" name="Espace réservé du contenu 2">
+            <a:extLst>
+              <a:ext uri="{FF2B5EF4-FFF2-40B4-BE49-F238E27FC236}">
+                <a16:creationId xmlns="" xmlns:a16="http://schemas.microsoft.com/office/drawing/2014/main" id="{7EB9DFE6-7EDB-43AE-A4DB-B72B831C0A37}"/>
+              </a:ext>
+            </a:extLst>
+          </p:cNvPr>
           <p:cNvSpPr>
             <a:spLocks noGrp="1"/>
           </p:cNvSpPr>
           <p:nvPr>
-            <p:ph type="sldNum" idx="12"/>
+            <p:ph idx="1"/>
           </p:nvPr>
         </p:nvSpPr>
         <p:spPr/>
         <p:txBody>
+          <a:bodyPr>
+            <a:normAutofit/>
+          </a:bodyPr>
+          <a:lstStyle/>
+          <a:p>
+            <a:r>
+              <a:rPr lang="fr-FR" sz="2400" dirty="0">
+                <a:solidFill>
+                  <a:schemeClr val="accent6">
+                    <a:lumMod val="75000"/>
+                  </a:schemeClr>
+                </a:solidFill>
+              </a:rPr>
+              <a:t> </a:t>
+            </a:r>
+            <a:r>
+              <a:rPr lang="fr-FR" sz="2800" b="1" u="sng" dirty="0">
+                <a:solidFill>
+                  <a:schemeClr val="accent6">
+                    <a:lumMod val="75000"/>
+                  </a:schemeClr>
+                </a:solidFill>
+              </a:rPr>
+              <a:t>Site donneur de doublets d’électrons :</a:t>
+            </a:r>
+          </a:p>
+          <a:p>
+            <a:pPr lvl="1">
+              <a:buFont typeface="Wingdings" panose="05000000000000000000" pitchFamily="2" charset="2"/>
+              <a:buChar char="§"/>
+            </a:pPr>
+            <a:r>
+              <a:rPr lang="fr-FR" sz="2400" dirty="0" smtClean="0"/>
+              <a:t>atome </a:t>
+            </a:r>
+            <a:r>
+              <a:rPr lang="fr-FR" sz="2400" dirty="0"/>
+              <a:t>porteur d’une charge négative (éventuellement partielle</a:t>
+            </a:r>
+            <a:r>
+              <a:rPr lang="fr-FR" sz="2400" dirty="0" smtClean="0"/>
+              <a:t>)</a:t>
+            </a:r>
+          </a:p>
+          <a:p>
+            <a:pPr lvl="1">
+              <a:buFont typeface="Wingdings" panose="05000000000000000000" pitchFamily="2" charset="2"/>
+              <a:buChar char="§"/>
+            </a:pPr>
+            <a:r>
+              <a:rPr lang="fr-FR" sz="2400" dirty="0"/>
+              <a:t>atome porteur de doublet non </a:t>
+            </a:r>
+            <a:r>
+              <a:rPr lang="fr-FR" sz="2400" dirty="0" smtClean="0"/>
+              <a:t>liant</a:t>
+            </a:r>
+          </a:p>
+          <a:p>
+            <a:pPr lvl="1">
+              <a:buFont typeface="Wingdings" panose="05000000000000000000" pitchFamily="2" charset="2"/>
+              <a:buChar char="§"/>
+            </a:pPr>
+            <a:r>
+              <a:rPr lang="fr-FR" sz="2400" dirty="0" smtClean="0"/>
+              <a:t>Liaisons multiples</a:t>
+            </a:r>
+            <a:endParaRPr lang="fr-FR" sz="2400" dirty="0"/>
+          </a:p>
+          <a:p>
+            <a:pPr lvl="1">
+              <a:buFont typeface="Wingdings" panose="05000000000000000000" pitchFamily="2" charset="2"/>
+              <a:buChar char="§"/>
+            </a:pPr>
+            <a:endParaRPr lang="fr-FR" sz="2400" dirty="0"/>
+          </a:p>
+          <a:p>
+            <a:pPr marL="201168" lvl="1" indent="0">
+              <a:buNone/>
+            </a:pPr>
+            <a:endParaRPr lang="fr-FR" sz="2400" dirty="0" smtClean="0"/>
+          </a:p>
+          <a:p>
+            <a:r>
+              <a:rPr lang="fr-FR" sz="2800" b="1" dirty="0" smtClean="0">
+                <a:solidFill>
+                  <a:schemeClr val="accent6">
+                    <a:lumMod val="75000"/>
+                  </a:schemeClr>
+                </a:solidFill>
+              </a:rPr>
+              <a:t> </a:t>
+            </a:r>
+            <a:r>
+              <a:rPr lang="fr-FR" sz="2800" b="1" u="sng" dirty="0">
+                <a:solidFill>
+                  <a:schemeClr val="accent6">
+                    <a:lumMod val="75000"/>
+                  </a:schemeClr>
+                </a:solidFill>
+              </a:rPr>
+              <a:t>Site accepteur de doublets d’électrons :</a:t>
+            </a:r>
+          </a:p>
+          <a:p>
+            <a:pPr lvl="1">
+              <a:buFont typeface="Wingdings" panose="05000000000000000000" pitchFamily="2" charset="2"/>
+              <a:buChar char="§"/>
+            </a:pPr>
+            <a:r>
+              <a:rPr lang="fr-FR" sz="2400" dirty="0"/>
+              <a:t>atome porteur d’une charge positive (éventuellement partielle)</a:t>
+            </a:r>
+          </a:p>
+          <a:p>
+            <a:pPr lvl="1">
+              <a:buNone/>
+            </a:pPr>
+            <a:endParaRPr lang="fr-FR" sz="2400" dirty="0"/>
+          </a:p>
+        </p:txBody>
+      </p:sp>
+      <p:sp>
+        <p:nvSpPr>
+          <p:cNvPr id="4" name="Espace réservé du numéro de diapositive 3">
+            <a:extLst>
+              <a:ext uri="{FF2B5EF4-FFF2-40B4-BE49-F238E27FC236}">
+                <a16:creationId xmlns="" xmlns:a16="http://schemas.microsoft.com/office/drawing/2014/main" id="{F5140944-8D2E-40C6-99DC-DA844468CBA1}"/>
+              </a:ext>
+            </a:extLst>
+          </p:cNvPr>
+          <p:cNvSpPr>
+            <a:spLocks noGrp="1"/>
+          </p:cNvSpPr>
+          <p:nvPr>
+            <p:ph type="sldNum" sz="quarter" idx="12"/>
+          </p:nvPr>
+        </p:nvSpPr>
+        <p:spPr/>
+        <p:txBody>
           <a:bodyPr/>
           <a:lstStyle/>
           <a:p>
-            <a:fld id="{00000000-1234-1234-1234-123412341234}" type="slidenum">
-              <a:rPr lang="fr" sz="1600"/>
+            <a:fld id="{23A0BF15-B7D3-4BB6-885E-A86938A92F98}" type="slidenum">
+              <a:rPr lang="fr-FR" smtClean="0"/>
               <a:pPr/>
               <a:t>20</a:t>
             </a:fld>
-            <a:endParaRPr lang="fr" sz="1600"/>
-          </a:p>
-        </p:txBody>
-      </p:sp>
-      <p:sp>
-        <p:nvSpPr>
-          <p:cNvPr id="9" name="ZoneTexte 8"/>
-          <p:cNvSpPr txBox="1"/>
-          <p:nvPr/>
-        </p:nvSpPr>
-        <p:spPr>
-          <a:xfrm>
-            <a:off x="5827143" y="3737954"/>
-            <a:ext cx="927892" cy="369328"/>
-          </a:xfrm>
-          <a:prstGeom prst="rect">
-            <a:avLst/>
-          </a:prstGeom>
-          <a:solidFill>
-            <a:srgbClr val="FFFFFF"/>
-          </a:solidFill>
-        </p:spPr>
-        <p:txBody>
-          <a:bodyPr wrap="none" lIns="121917" tIns="60958" rIns="121917" bIns="60958" rtlCol="0">
-            <a:spAutoFit/>
-          </a:bodyPr>
-          <a:lstStyle/>
-          <a:p>
-            <a:r>
-              <a:rPr lang="fr-FR" sz="1600" dirty="0"/>
-              <a:t>P</a:t>
-            </a:r>
-            <a:r>
-              <a:rPr lang="fr-FR" sz="1600" dirty="0"/>
-              <a:t>otence</a:t>
-            </a:r>
-            <a:endParaRPr lang="fr-FR" sz="1600" dirty="0"/>
-          </a:p>
-        </p:txBody>
-      </p:sp>
-      <p:sp>
-        <p:nvSpPr>
-          <p:cNvPr id="32" name="ZoneTexte 31"/>
-          <p:cNvSpPr txBox="1"/>
-          <p:nvPr/>
-        </p:nvSpPr>
-        <p:spPr>
-          <a:xfrm>
-            <a:off x="5842398" y="3808012"/>
-            <a:ext cx="1484561" cy="400105"/>
-          </a:xfrm>
-          <a:prstGeom prst="rect">
-            <a:avLst/>
-          </a:prstGeom>
-          <a:solidFill>
-            <a:srgbClr val="FFFFFF"/>
-          </a:solidFill>
-        </p:spPr>
-        <p:txBody>
-          <a:bodyPr wrap="square" lIns="121917" tIns="60958" rIns="121917" bIns="60958" rtlCol="0">
-            <a:spAutoFit/>
-          </a:bodyPr>
-          <a:lstStyle/>
-          <a:p>
-            <a:endParaRPr lang="fr-FR" dirty="0"/>
-          </a:p>
-        </p:txBody>
-      </p:sp>
-      <p:sp>
-        <p:nvSpPr>
-          <p:cNvPr id="25" name="Accolade fermante 24"/>
-          <p:cNvSpPr/>
-          <p:nvPr/>
-        </p:nvSpPr>
-        <p:spPr>
-          <a:xfrm rot="5400000">
-            <a:off x="4993832" y="2910574"/>
-            <a:ext cx="310887" cy="1501541"/>
-          </a:xfrm>
-          <a:prstGeom prst="rightBrace">
-            <a:avLst/>
-          </a:prstGeom>
-        </p:spPr>
-        <p:style>
-          <a:lnRef idx="2">
-            <a:schemeClr val="accent1"/>
-          </a:lnRef>
-          <a:fillRef idx="0">
-            <a:schemeClr val="accent1"/>
-          </a:fillRef>
-          <a:effectRef idx="1">
-            <a:schemeClr val="accent1"/>
-          </a:effectRef>
-          <a:fontRef idx="minor">
-            <a:schemeClr val="tx1"/>
-          </a:fontRef>
-        </p:style>
-        <p:txBody>
-          <a:bodyPr rtlCol="0" anchor="ctr"/>
-          <a:lstStyle/>
-          <a:p>
-            <a:pPr algn="ctr"/>
             <a:endParaRPr lang="fr-FR"/>
-          </a:p>
-        </p:txBody>
-      </p:sp>
-      <p:sp>
-        <p:nvSpPr>
-          <p:cNvPr id="26" name="ZoneTexte 25"/>
-          <p:cNvSpPr txBox="1"/>
-          <p:nvPr/>
-        </p:nvSpPr>
-        <p:spPr>
-          <a:xfrm>
-            <a:off x="3796666" y="4008631"/>
-            <a:ext cx="3193603" cy="369332"/>
-          </a:xfrm>
-          <a:prstGeom prst="rect">
-            <a:avLst/>
-          </a:prstGeom>
-          <a:noFill/>
-        </p:spPr>
-        <p:txBody>
-          <a:bodyPr wrap="none" rtlCol="0">
-            <a:spAutoFit/>
-          </a:bodyPr>
-          <a:lstStyle/>
-          <a:p>
-            <a:r>
-              <a:rPr lang="fr-FR" dirty="0" smtClean="0"/>
-              <a:t>Composé avec odeur de banane</a:t>
-            </a:r>
-            <a:endParaRPr lang="fr-FR" dirty="0"/>
-          </a:p>
-        </p:txBody>
-      </p:sp>
-      <p:pic>
-        <p:nvPicPr>
-          <p:cNvPr id="27" name="Image 26" descr="Capture d’écran 2020-05-20 à 16.40.00.png"/>
-          <p:cNvPicPr>
-            <a:picLocks noChangeAspect="1"/>
-          </p:cNvPicPr>
-          <p:nvPr/>
-        </p:nvPicPr>
-        <p:blipFill>
-          <a:blip r:embed="rId2">
-            <a:extLst>
-              <a:ext uri="{28A0092B-C50C-407E-A947-70E740481C1C}">
-                <a14:useLocalDpi xmlns:a14="http://schemas.microsoft.com/office/drawing/2010/main" val="0"/>
-              </a:ext>
-            </a:extLst>
-          </a:blip>
-          <a:stretch>
-            <a:fillRect/>
-          </a:stretch>
-        </p:blipFill>
-        <p:spPr>
-          <a:xfrm>
-            <a:off x="443052" y="2115739"/>
-            <a:ext cx="6629400" cy="1219200"/>
-          </a:xfrm>
-          <a:prstGeom prst="rect">
-            <a:avLst/>
-          </a:prstGeom>
-        </p:spPr>
-      </p:pic>
-      <p:sp>
-        <p:nvSpPr>
-          <p:cNvPr id="28" name="ZoneTexte 27"/>
-          <p:cNvSpPr txBox="1"/>
-          <p:nvPr/>
-        </p:nvSpPr>
-        <p:spPr>
-          <a:xfrm>
-            <a:off x="1243508" y="6204778"/>
-            <a:ext cx="184666" cy="369332"/>
-          </a:xfrm>
-          <a:prstGeom prst="rect">
-            <a:avLst/>
-          </a:prstGeom>
-          <a:noFill/>
-        </p:spPr>
-        <p:txBody>
-          <a:bodyPr wrap="none" rtlCol="0">
-            <a:spAutoFit/>
-          </a:bodyPr>
-          <a:lstStyle/>
-          <a:p>
-            <a:endParaRPr lang="fr-FR" dirty="0"/>
-          </a:p>
-        </p:txBody>
-      </p:sp>
-      <p:sp>
-        <p:nvSpPr>
-          <p:cNvPr id="30" name="ZoneTexte 29"/>
-          <p:cNvSpPr txBox="1"/>
-          <p:nvPr/>
-        </p:nvSpPr>
-        <p:spPr>
-          <a:xfrm>
-            <a:off x="238118" y="6085710"/>
-            <a:ext cx="6558393" cy="584776"/>
-          </a:xfrm>
-          <a:prstGeom prst="rect">
-            <a:avLst/>
-          </a:prstGeom>
-          <a:noFill/>
-        </p:spPr>
-        <p:txBody>
-          <a:bodyPr wrap="none" rtlCol="0">
-            <a:spAutoFit/>
-          </a:bodyPr>
-          <a:lstStyle/>
-          <a:p>
-            <a:r>
-              <a:rPr lang="fr-FR" sz="1600" i="1" u="sng" dirty="0"/>
-              <a:t>La chimie </a:t>
-            </a:r>
-            <a:r>
-              <a:rPr lang="fr-FR" sz="1600" i="1" u="sng" dirty="0" err="1"/>
-              <a:t>expérimentale</a:t>
-            </a:r>
-            <a:r>
-              <a:rPr lang="fr-FR" sz="1600" i="1" u="sng" dirty="0"/>
-              <a:t>. Chimie Organique et </a:t>
-            </a:r>
-            <a:r>
-              <a:rPr lang="fr-FR" sz="1600" i="1" u="sng" dirty="0" err="1" smtClean="0"/>
-              <a:t>Minérale</a:t>
-            </a:r>
-            <a:r>
-              <a:rPr lang="fr-FR" sz="1600" i="1" u="sng" dirty="0" smtClean="0"/>
-              <a:t>, </a:t>
-            </a:r>
-            <a:r>
-              <a:rPr lang="fr-FR" sz="1600" i="1" u="sng" dirty="0" err="1" smtClean="0"/>
-              <a:t>Lemaréchal</a:t>
-            </a:r>
-            <a:r>
-              <a:rPr lang="fr-FR" sz="1600" i="1" u="sng" dirty="0" smtClean="0"/>
-              <a:t>, </a:t>
-            </a:r>
-            <a:r>
-              <a:rPr lang="fr-FR" sz="1600" i="1" u="sng" dirty="0" err="1" smtClean="0"/>
-              <a:t>Dunod</a:t>
-            </a:r>
-            <a:r>
-              <a:rPr lang="fr-FR" sz="1600" i="1" u="sng" dirty="0" smtClean="0"/>
-              <a:t> </a:t>
-            </a:r>
-            <a:endParaRPr lang="fr-FR" sz="1600" i="1" u="sng" dirty="0"/>
-          </a:p>
-          <a:p>
-            <a:endParaRPr lang="fr-FR" sz="1600" i="1" u="sng" dirty="0"/>
-          </a:p>
-        </p:txBody>
-      </p:sp>
-      <p:sp>
-        <p:nvSpPr>
-          <p:cNvPr id="7" name="Ellipse 6"/>
-          <p:cNvSpPr/>
-          <p:nvPr/>
-        </p:nvSpPr>
-        <p:spPr>
-          <a:xfrm>
-            <a:off x="754041" y="2169688"/>
-            <a:ext cx="992160" cy="701182"/>
-          </a:xfrm>
-          <a:prstGeom prst="ellipse">
-            <a:avLst/>
-          </a:prstGeom>
-          <a:noFill/>
-          <a:ln>
-            <a:solidFill>
-              <a:schemeClr val="tx1"/>
-            </a:solidFill>
-            <a:prstDash val="sysDash"/>
-          </a:ln>
-        </p:spPr>
-        <p:style>
-          <a:lnRef idx="1">
-            <a:schemeClr val="accent1"/>
-          </a:lnRef>
-          <a:fillRef idx="3">
-            <a:schemeClr val="accent1"/>
-          </a:fillRef>
-          <a:effectRef idx="2">
-            <a:schemeClr val="accent1"/>
-          </a:effectRef>
-          <a:fontRef idx="minor">
-            <a:schemeClr val="lt1"/>
-          </a:fontRef>
-        </p:style>
-        <p:txBody>
-          <a:bodyPr rtlCol="0" anchor="ctr"/>
-          <a:lstStyle/>
-          <a:p>
-            <a:pPr algn="ctr"/>
-            <a:endParaRPr lang="fr-FR"/>
-          </a:p>
-        </p:txBody>
-      </p:sp>
-      <p:sp>
-        <p:nvSpPr>
-          <p:cNvPr id="8" name="ZoneTexte 7"/>
-          <p:cNvSpPr txBox="1"/>
-          <p:nvPr/>
-        </p:nvSpPr>
-        <p:spPr>
-          <a:xfrm>
-            <a:off x="449779" y="2129999"/>
-            <a:ext cx="312906" cy="369332"/>
-          </a:xfrm>
-          <a:prstGeom prst="rect">
-            <a:avLst/>
-          </a:prstGeom>
-          <a:noFill/>
-        </p:spPr>
-        <p:txBody>
-          <a:bodyPr wrap="none" rtlCol="0">
-            <a:spAutoFit/>
-          </a:bodyPr>
-          <a:lstStyle/>
-          <a:p>
-            <a:r>
-              <a:rPr lang="fr-FR" dirty="0" smtClean="0"/>
-              <a:t>R</a:t>
-            </a:r>
-            <a:endParaRPr lang="fr-FR" dirty="0"/>
-          </a:p>
-        </p:txBody>
-      </p:sp>
-      <p:sp>
-        <p:nvSpPr>
-          <p:cNvPr id="29" name="Accolade fermante 28"/>
-          <p:cNvSpPr/>
-          <p:nvPr/>
-        </p:nvSpPr>
-        <p:spPr>
-          <a:xfrm rot="5400000">
-            <a:off x="1217276" y="2838067"/>
-            <a:ext cx="310887" cy="1501541"/>
-          </a:xfrm>
-          <a:prstGeom prst="rightBrace">
-            <a:avLst/>
-          </a:prstGeom>
-        </p:spPr>
-        <p:style>
-          <a:lnRef idx="2">
-            <a:schemeClr val="accent1"/>
-          </a:lnRef>
-          <a:fillRef idx="0">
-            <a:schemeClr val="accent1"/>
-          </a:fillRef>
-          <a:effectRef idx="1">
-            <a:schemeClr val="accent1"/>
-          </a:effectRef>
-          <a:fontRef idx="minor">
-            <a:schemeClr val="tx1"/>
-          </a:fontRef>
-        </p:style>
-        <p:txBody>
-          <a:bodyPr rtlCol="0" anchor="ctr"/>
-          <a:lstStyle/>
-          <a:p>
-            <a:pPr algn="ctr"/>
-            <a:endParaRPr lang="fr-FR"/>
-          </a:p>
-        </p:txBody>
-      </p:sp>
-      <p:sp>
-        <p:nvSpPr>
-          <p:cNvPr id="10" name="ZoneTexte 9"/>
-          <p:cNvSpPr txBox="1"/>
-          <p:nvPr/>
-        </p:nvSpPr>
-        <p:spPr>
-          <a:xfrm>
-            <a:off x="1084762" y="3902792"/>
-            <a:ext cx="677326" cy="369332"/>
-          </a:xfrm>
-          <a:prstGeom prst="rect">
-            <a:avLst/>
-          </a:prstGeom>
-          <a:noFill/>
-        </p:spPr>
-        <p:txBody>
-          <a:bodyPr wrap="none" rtlCol="0">
-            <a:spAutoFit/>
-          </a:bodyPr>
-          <a:lstStyle/>
-          <a:p>
-            <a:r>
-              <a:rPr lang="fr-FR" dirty="0" smtClean="0"/>
-              <a:t>R-OH</a:t>
-            </a:r>
-            <a:endParaRPr lang="fr-FR" dirty="0"/>
-          </a:p>
-        </p:txBody>
-      </p:sp>
-      <p:sp>
-        <p:nvSpPr>
-          <p:cNvPr id="31" name="Ellipse 30"/>
-          <p:cNvSpPr/>
-          <p:nvPr/>
-        </p:nvSpPr>
-        <p:spPr>
-          <a:xfrm>
-            <a:off x="4385617" y="2123641"/>
-            <a:ext cx="992160" cy="701182"/>
-          </a:xfrm>
-          <a:prstGeom prst="ellipse">
-            <a:avLst/>
-          </a:prstGeom>
-          <a:noFill/>
-          <a:ln>
-            <a:solidFill>
-              <a:schemeClr val="tx1"/>
-            </a:solidFill>
-            <a:prstDash val="sysDash"/>
-          </a:ln>
-        </p:spPr>
-        <p:style>
-          <a:lnRef idx="1">
-            <a:schemeClr val="accent1"/>
-          </a:lnRef>
-          <a:fillRef idx="3">
-            <a:schemeClr val="accent1"/>
-          </a:fillRef>
-          <a:effectRef idx="2">
-            <a:schemeClr val="accent1"/>
-          </a:effectRef>
-          <a:fontRef idx="minor">
-            <a:schemeClr val="lt1"/>
-          </a:fontRef>
-        </p:style>
-        <p:txBody>
-          <a:bodyPr rtlCol="0" anchor="ctr"/>
-          <a:lstStyle/>
-          <a:p>
-            <a:pPr algn="ctr"/>
-            <a:endParaRPr lang="fr-FR"/>
-          </a:p>
-        </p:txBody>
-      </p:sp>
-      <p:sp>
-        <p:nvSpPr>
-          <p:cNvPr id="33" name="ZoneTexte 32"/>
-          <p:cNvSpPr txBox="1"/>
-          <p:nvPr/>
-        </p:nvSpPr>
-        <p:spPr>
-          <a:xfrm>
-            <a:off x="4121042" y="2599914"/>
-            <a:ext cx="312906" cy="369332"/>
-          </a:xfrm>
-          <a:prstGeom prst="rect">
-            <a:avLst/>
-          </a:prstGeom>
-          <a:noFill/>
-        </p:spPr>
-        <p:txBody>
-          <a:bodyPr wrap="none" rtlCol="0">
-            <a:spAutoFit/>
-          </a:bodyPr>
-          <a:lstStyle/>
-          <a:p>
-            <a:r>
-              <a:rPr lang="fr-FR" dirty="0" smtClean="0"/>
-              <a:t>R</a:t>
-            </a:r>
-            <a:endParaRPr lang="fr-FR" dirty="0"/>
-          </a:p>
-        </p:txBody>
-      </p:sp>
-      <p:sp>
-        <p:nvSpPr>
-          <p:cNvPr id="3" name="ZoneTexte 2"/>
-          <p:cNvSpPr txBox="1"/>
-          <p:nvPr/>
-        </p:nvSpPr>
-        <p:spPr>
-          <a:xfrm>
-            <a:off x="449780" y="1442049"/>
-            <a:ext cx="5028653" cy="369332"/>
-          </a:xfrm>
-          <a:prstGeom prst="rect">
-            <a:avLst/>
-          </a:prstGeom>
-          <a:noFill/>
-        </p:spPr>
-        <p:txBody>
-          <a:bodyPr wrap="none" rtlCol="0">
-            <a:spAutoFit/>
-          </a:bodyPr>
-          <a:lstStyle/>
-          <a:p>
-            <a:r>
-              <a:rPr lang="fr-FR" dirty="0" smtClean="0"/>
-              <a:t>Equation de la </a:t>
-            </a:r>
-            <a:r>
-              <a:rPr lang="fr-FR" dirty="0" err="1" smtClean="0"/>
-              <a:t>réaciton</a:t>
-            </a:r>
-            <a:r>
-              <a:rPr lang="fr-FR" dirty="0" smtClean="0"/>
-              <a:t>  ( = échelle macroscopique )</a:t>
-            </a:r>
-            <a:endParaRPr lang="fr-FR" dirty="0"/>
           </a:p>
         </p:txBody>
       </p:sp>
     </p:spTree>
     <p:extLst>
       <p:ext uri="{BB962C8B-B14F-4D97-AF65-F5344CB8AC3E}">
-        <p14:creationId xmlns:p14="http://schemas.microsoft.com/office/powerpoint/2010/main" val="960647964"/>
+        <p14:creationId xmlns:p14="http://schemas.microsoft.com/office/powerpoint/2010/main" val="270526778"/>
       </p:ext>
     </p:extLst>
   </p:cSld>
   <p:clrMapOvr>
     <a:masterClrMapping/>
   </p:clrMapOvr>
-  <p:timing>
-    <p:tnLst>
-      <p:par>
-        <p:cTn xmlns:p14="http://schemas.microsoft.com/office/powerpoint/2010/main" id="1" dur="indefinite" restart="never" nodeType="tmRoot"/>
-      </p:par>
-    </p:tnLst>
-  </p:timing>
 </p:sld>
 </file>
 
@@ -10781,14 +10441,14 @@
           <a:lstStyle/>
           <a:p>
             <a:r>
-              <a:rPr lang="fr-FR" dirty="0">
+              <a:rPr lang="fr-FR" dirty="0" smtClean="0">
                 <a:solidFill>
                   <a:schemeClr val="accent2">
                     <a:lumMod val="75000"/>
                   </a:schemeClr>
                 </a:solidFill>
               </a:rPr>
-              <a:t>Les réactions en chimie organique </a:t>
+              <a:t>Du microscopique au macroscopique</a:t>
             </a:r>
             <a:endParaRPr lang="fr-FR" dirty="0"/>
           </a:p>
@@ -10844,41 +10504,8 @@
           <a:p>
             <a:r>
               <a:rPr lang="fr-FR" sz="1600" dirty="0"/>
-              <a:t>P</a:t>
-            </a:r>
-            <a:r>
-              <a:rPr lang="fr-FR" sz="1600" dirty="0"/>
-              <a:t>otence</a:t>
-            </a:r>
-            <a:endParaRPr lang="fr-FR" sz="1600" dirty="0"/>
-          </a:p>
-        </p:txBody>
-      </p:sp>
-      <p:sp>
-        <p:nvSpPr>
-          <p:cNvPr id="22" name="ZoneTexte 21"/>
-          <p:cNvSpPr txBox="1"/>
-          <p:nvPr/>
-        </p:nvSpPr>
-        <p:spPr>
-          <a:xfrm>
-            <a:off x="6422061" y="1647760"/>
-            <a:ext cx="1845771" cy="400105"/>
-          </a:xfrm>
-          <a:prstGeom prst="rect">
-            <a:avLst/>
-          </a:prstGeom>
-          <a:solidFill>
-            <a:srgbClr val="FFFFFF"/>
-          </a:solidFill>
-        </p:spPr>
-        <p:txBody>
-          <a:bodyPr wrap="square" lIns="121917" tIns="60958" rIns="121917" bIns="60958" rtlCol="0">
-            <a:spAutoFit/>
-          </a:bodyPr>
-          <a:lstStyle/>
-          <a:p>
-            <a:endParaRPr lang="fr-FR" dirty="0"/>
+              <a:t>Potence</a:t>
+            </a:r>
           </a:p>
         </p:txBody>
       </p:sp>
@@ -11099,292 +10726,6 @@
           </a:p>
         </p:txBody>
       </p:sp>
-      <p:pic>
-        <p:nvPicPr>
-          <p:cNvPr id="5" name="Image 4" descr="Capture d’écran 2020-05-20 à 17.05.43.png"/>
-          <p:cNvPicPr>
-            <a:picLocks noChangeAspect="1"/>
-          </p:cNvPicPr>
-          <p:nvPr/>
-        </p:nvPicPr>
-        <p:blipFill>
-          <a:blip r:embed="rId3">
-            <a:extLst>
-              <a:ext uri="{28A0092B-C50C-407E-A947-70E740481C1C}">
-                <a14:useLocalDpi xmlns:a14="http://schemas.microsoft.com/office/drawing/2010/main" val="0"/>
-              </a:ext>
-            </a:extLst>
-          </a:blip>
-          <a:stretch>
-            <a:fillRect/>
-          </a:stretch>
-        </p:blipFill>
-        <p:spPr>
-          <a:xfrm>
-            <a:off x="6921790" y="1341416"/>
-            <a:ext cx="5296665" cy="5387465"/>
-          </a:xfrm>
-          <a:prstGeom prst="rect">
-            <a:avLst/>
-          </a:prstGeom>
-        </p:spPr>
-      </p:pic>
-      <p:sp>
-        <p:nvSpPr>
-          <p:cNvPr id="6" name="ZoneTexte 5"/>
-          <p:cNvSpPr txBox="1"/>
-          <p:nvPr/>
-        </p:nvSpPr>
-        <p:spPr>
-          <a:xfrm>
-            <a:off x="8360608" y="2632733"/>
-            <a:ext cx="388676" cy="338554"/>
-          </a:xfrm>
-          <a:prstGeom prst="rect">
-            <a:avLst/>
-          </a:prstGeom>
-          <a:solidFill>
-            <a:srgbClr val="FFFFFF"/>
-          </a:solidFill>
-        </p:spPr>
-        <p:txBody>
-          <a:bodyPr wrap="square" rtlCol="0">
-            <a:spAutoFit/>
-          </a:bodyPr>
-          <a:lstStyle/>
-          <a:p>
-            <a:r>
-              <a:rPr lang="fr-FR" sz="1600" dirty="0" smtClean="0"/>
-              <a:t>R</a:t>
-            </a:r>
-            <a:endParaRPr lang="fr-FR" sz="1600" dirty="0"/>
-          </a:p>
-        </p:txBody>
-      </p:sp>
-      <p:sp>
-        <p:nvSpPr>
-          <p:cNvPr id="16" name="ZoneTexte 15"/>
-          <p:cNvSpPr txBox="1"/>
-          <p:nvPr/>
-        </p:nvSpPr>
-        <p:spPr>
-          <a:xfrm>
-            <a:off x="11396884" y="2599915"/>
-            <a:ext cx="469356" cy="338554"/>
-          </a:xfrm>
-          <a:prstGeom prst="rect">
-            <a:avLst/>
-          </a:prstGeom>
-          <a:solidFill>
-            <a:srgbClr val="FFFFFF"/>
-          </a:solidFill>
-        </p:spPr>
-        <p:txBody>
-          <a:bodyPr wrap="square" rtlCol="0">
-            <a:spAutoFit/>
-          </a:bodyPr>
-          <a:lstStyle/>
-          <a:p>
-            <a:r>
-              <a:rPr lang="fr-FR" sz="1600" dirty="0" smtClean="0"/>
-              <a:t>R</a:t>
-            </a:r>
-            <a:endParaRPr lang="fr-FR" sz="1600" dirty="0"/>
-          </a:p>
-        </p:txBody>
-      </p:sp>
-      <p:sp>
-        <p:nvSpPr>
-          <p:cNvPr id="18" name="ZoneTexte 17"/>
-          <p:cNvSpPr txBox="1"/>
-          <p:nvPr/>
-        </p:nvSpPr>
-        <p:spPr>
-          <a:xfrm>
-            <a:off x="10768785" y="3718091"/>
-            <a:ext cx="469356" cy="338554"/>
-          </a:xfrm>
-          <a:prstGeom prst="rect">
-            <a:avLst/>
-          </a:prstGeom>
-          <a:solidFill>
-            <a:srgbClr val="FFFFFF"/>
-          </a:solidFill>
-        </p:spPr>
-        <p:txBody>
-          <a:bodyPr wrap="square" rtlCol="0">
-            <a:spAutoFit/>
-          </a:bodyPr>
-          <a:lstStyle/>
-          <a:p>
-            <a:r>
-              <a:rPr lang="fr-FR" sz="1600" dirty="0" smtClean="0"/>
-              <a:t>R</a:t>
-            </a:r>
-            <a:endParaRPr lang="fr-FR" sz="1600" dirty="0"/>
-          </a:p>
-        </p:txBody>
-      </p:sp>
-      <p:sp>
-        <p:nvSpPr>
-          <p:cNvPr id="19" name="ZoneTexte 18"/>
-          <p:cNvSpPr txBox="1"/>
-          <p:nvPr/>
-        </p:nvSpPr>
-        <p:spPr>
-          <a:xfrm>
-            <a:off x="8116678" y="3764652"/>
-            <a:ext cx="469356" cy="338554"/>
-          </a:xfrm>
-          <a:prstGeom prst="rect">
-            <a:avLst/>
-          </a:prstGeom>
-          <a:solidFill>
-            <a:srgbClr val="FFFFFF"/>
-          </a:solidFill>
-        </p:spPr>
-        <p:txBody>
-          <a:bodyPr wrap="square" rtlCol="0">
-            <a:spAutoFit/>
-          </a:bodyPr>
-          <a:lstStyle/>
-          <a:p>
-            <a:r>
-              <a:rPr lang="fr-FR" sz="1600" dirty="0" smtClean="0"/>
-              <a:t>R</a:t>
-            </a:r>
-            <a:endParaRPr lang="fr-FR" sz="1600" dirty="0"/>
-          </a:p>
-        </p:txBody>
-      </p:sp>
-      <p:sp>
-        <p:nvSpPr>
-          <p:cNvPr id="20" name="ZoneTexte 19"/>
-          <p:cNvSpPr txBox="1"/>
-          <p:nvPr/>
-        </p:nvSpPr>
-        <p:spPr>
-          <a:xfrm>
-            <a:off x="8136790" y="4922517"/>
-            <a:ext cx="469356" cy="338554"/>
-          </a:xfrm>
-          <a:prstGeom prst="rect">
-            <a:avLst/>
-          </a:prstGeom>
-          <a:solidFill>
-            <a:srgbClr val="FFFFFF"/>
-          </a:solidFill>
-        </p:spPr>
-        <p:txBody>
-          <a:bodyPr wrap="square" rtlCol="0">
-            <a:spAutoFit/>
-          </a:bodyPr>
-          <a:lstStyle/>
-          <a:p>
-            <a:r>
-              <a:rPr lang="fr-FR" sz="1600" dirty="0" smtClean="0"/>
-              <a:t>R</a:t>
-            </a:r>
-            <a:endParaRPr lang="fr-FR" sz="1600" dirty="0"/>
-          </a:p>
-        </p:txBody>
-      </p:sp>
-      <p:sp>
-        <p:nvSpPr>
-          <p:cNvPr id="21" name="ZoneTexte 20"/>
-          <p:cNvSpPr txBox="1"/>
-          <p:nvPr/>
-        </p:nvSpPr>
-        <p:spPr>
-          <a:xfrm>
-            <a:off x="10610578" y="5134195"/>
-            <a:ext cx="469356" cy="338554"/>
-          </a:xfrm>
-          <a:prstGeom prst="rect">
-            <a:avLst/>
-          </a:prstGeom>
-          <a:solidFill>
-            <a:srgbClr val="FFFFFF"/>
-          </a:solidFill>
-        </p:spPr>
-        <p:txBody>
-          <a:bodyPr wrap="square" rtlCol="0">
-            <a:spAutoFit/>
-          </a:bodyPr>
-          <a:lstStyle/>
-          <a:p>
-            <a:r>
-              <a:rPr lang="fr-FR" sz="1600" dirty="0" smtClean="0"/>
-              <a:t>R</a:t>
-            </a:r>
-            <a:endParaRPr lang="fr-FR" sz="1600" dirty="0"/>
-          </a:p>
-        </p:txBody>
-      </p:sp>
-      <p:sp>
-        <p:nvSpPr>
-          <p:cNvPr id="23" name="ZoneTexte 22"/>
-          <p:cNvSpPr txBox="1"/>
-          <p:nvPr/>
-        </p:nvSpPr>
-        <p:spPr>
-          <a:xfrm>
-            <a:off x="8103987" y="6159762"/>
-            <a:ext cx="469356" cy="338554"/>
-          </a:xfrm>
-          <a:prstGeom prst="rect">
-            <a:avLst/>
-          </a:prstGeom>
-          <a:solidFill>
-            <a:srgbClr val="FFFFFF"/>
-          </a:solidFill>
-        </p:spPr>
-        <p:txBody>
-          <a:bodyPr wrap="square" rtlCol="0">
-            <a:spAutoFit/>
-          </a:bodyPr>
-          <a:lstStyle/>
-          <a:p>
-            <a:r>
-              <a:rPr lang="fr-FR" sz="1600" dirty="0" smtClean="0"/>
-              <a:t>R</a:t>
-            </a:r>
-            <a:endParaRPr lang="fr-FR" sz="1600" dirty="0"/>
-          </a:p>
-        </p:txBody>
-      </p:sp>
-      <p:sp>
-        <p:nvSpPr>
-          <p:cNvPr id="24" name="ZoneTexte 23"/>
-          <p:cNvSpPr txBox="1"/>
-          <p:nvPr/>
-        </p:nvSpPr>
-        <p:spPr>
-          <a:xfrm>
-            <a:off x="11100582" y="6100486"/>
-            <a:ext cx="469356" cy="338554"/>
-          </a:xfrm>
-          <a:prstGeom prst="rect">
-            <a:avLst/>
-          </a:prstGeom>
-          <a:solidFill>
-            <a:srgbClr val="FFFFFF"/>
-          </a:solidFill>
-        </p:spPr>
-        <p:txBody>
-          <a:bodyPr wrap="square" rtlCol="0">
-            <a:spAutoFit/>
-          </a:bodyPr>
-          <a:lstStyle/>
-          <a:p>
-            <a:r>
-              <a:rPr lang="fr-FR" sz="1600" dirty="0" smtClean="0"/>
-              <a:t>R</a:t>
-            </a:r>
-            <a:endParaRPr lang="fr-FR" sz="1600" dirty="0"/>
-          </a:p>
-        </p:txBody>
-      </p:sp>
       <p:sp>
         <p:nvSpPr>
           <p:cNvPr id="7" name="Ellipse 6"/>
@@ -11605,51 +10946,14 @@
       </p:sp>
       <p:sp>
         <p:nvSpPr>
-          <p:cNvPr id="11" name="Rectangle 10"/>
-          <p:cNvSpPr/>
-          <p:nvPr/>
-        </p:nvSpPr>
-        <p:spPr>
-          <a:xfrm>
-            <a:off x="446446" y="1484770"/>
+          <p:cNvPr id="3" name="ZoneTexte 2"/>
+          <p:cNvSpPr txBox="1"/>
+          <p:nvPr/>
+        </p:nvSpPr>
+        <p:spPr>
+          <a:xfrm>
+            <a:off x="449780" y="1442049"/>
             <a:ext cx="5028653" cy="369332"/>
-          </a:xfrm>
-          <a:prstGeom prst="rect">
-            <a:avLst/>
-          </a:prstGeom>
-        </p:spPr>
-        <p:txBody>
-          <a:bodyPr wrap="none">
-            <a:spAutoFit/>
-          </a:bodyPr>
-          <a:lstStyle/>
-          <a:p>
-            <a:r>
-              <a:rPr lang="fr-FR" i="1" u="sng" dirty="0"/>
-              <a:t>Equation de la </a:t>
-            </a:r>
-            <a:r>
-              <a:rPr lang="fr-FR" i="1" u="sng" dirty="0" smtClean="0"/>
-              <a:t>réaction  </a:t>
-            </a:r>
-            <a:r>
-              <a:rPr lang="fr-FR" i="1" u="sng" dirty="0"/>
-              <a:t>( = échelle macroscopique )</a:t>
-            </a:r>
-            <a:endParaRPr lang="fr-FR" i="1" u="sng" dirty="0"/>
-          </a:p>
-        </p:txBody>
-      </p:sp>
-      <p:sp>
-        <p:nvSpPr>
-          <p:cNvPr id="12" name="ZoneTexte 11"/>
-          <p:cNvSpPr txBox="1"/>
-          <p:nvPr/>
-        </p:nvSpPr>
-        <p:spPr>
-          <a:xfrm>
-            <a:off x="7289072" y="1150993"/>
-            <a:ext cx="5112522" cy="369332"/>
           </a:xfrm>
           <a:prstGeom prst="rect">
             <a:avLst/>
@@ -11663,17 +10967,25 @@
           <a:lstStyle/>
           <a:p>
             <a:r>
-              <a:rPr lang="fr-FR" i="1" u="sng" dirty="0" smtClean="0"/>
-              <a:t>Mécanisme de la réaction ( = échelle microscopique)</a:t>
-            </a:r>
-            <a:endParaRPr lang="fr-FR" i="1" u="sng" dirty="0"/>
+              <a:rPr lang="fr-FR" dirty="0" smtClean="0"/>
+              <a:t>Equation de la </a:t>
+            </a:r>
+            <a:r>
+              <a:rPr lang="fr-FR" dirty="0" err="1" smtClean="0"/>
+              <a:t>réaciton</a:t>
+            </a:r>
+            <a:r>
+              <a:rPr lang="fr-FR" dirty="0" smtClean="0"/>
+              <a:t>  ( = échelle macroscopique )</a:t>
+            </a:r>
+            <a:endParaRPr lang="fr-FR" dirty="0"/>
           </a:p>
         </p:txBody>
       </p:sp>
     </p:spTree>
     <p:extLst>
       <p:ext uri="{BB962C8B-B14F-4D97-AF65-F5344CB8AC3E}">
-        <p14:creationId xmlns:p14="http://schemas.microsoft.com/office/powerpoint/2010/main" val="2749905394"/>
+        <p14:creationId xmlns:p14="http://schemas.microsoft.com/office/powerpoint/2010/main" val="960647964"/>
       </p:ext>
     </p:extLst>
   </p:cSld>
@@ -11709,10 +11021,951 @@
       </p:grpSpPr>
       <p:sp>
         <p:nvSpPr>
+          <p:cNvPr id="2" name="Titre 1"/>
+          <p:cNvSpPr>
+            <a:spLocks noGrp="1"/>
+          </p:cNvSpPr>
+          <p:nvPr>
+            <p:ph type="title"/>
+          </p:nvPr>
+        </p:nvSpPr>
+        <p:spPr>
+          <a:xfrm>
+            <a:off x="385091" y="257715"/>
+            <a:ext cx="11360800" cy="763600"/>
+          </a:xfrm>
+        </p:spPr>
+        <p:txBody>
+          <a:bodyPr/>
+          <a:lstStyle/>
+          <a:p>
+            <a:r>
+              <a:rPr lang="fr-FR" dirty="0">
+                <a:solidFill>
+                  <a:schemeClr val="accent2">
+                    <a:lumMod val="75000"/>
+                  </a:schemeClr>
+                </a:solidFill>
+              </a:rPr>
+              <a:t>Les réactions en chimie organique </a:t>
+            </a:r>
+            <a:endParaRPr lang="fr-FR" dirty="0"/>
+          </a:p>
+        </p:txBody>
+      </p:sp>
+      <p:sp>
+        <p:nvSpPr>
+          <p:cNvPr id="4" name="Espace réservé du numéro de diapositive 3"/>
+          <p:cNvSpPr>
+            <a:spLocks noGrp="1"/>
+          </p:cNvSpPr>
+          <p:nvPr>
+            <p:ph type="sldNum" idx="12"/>
+          </p:nvPr>
+        </p:nvSpPr>
+        <p:spPr/>
+        <p:txBody>
+          <a:bodyPr/>
+          <a:lstStyle/>
+          <a:p>
+            <a:fld id="{00000000-1234-1234-1234-123412341234}" type="slidenum">
+              <a:rPr lang="fr" sz="1600"/>
+              <a:pPr/>
+              <a:t>22</a:t>
+            </a:fld>
+            <a:endParaRPr lang="fr" sz="1600"/>
+          </a:p>
+        </p:txBody>
+      </p:sp>
+      <p:sp>
+        <p:nvSpPr>
+          <p:cNvPr id="9" name="ZoneTexte 8"/>
+          <p:cNvSpPr txBox="1"/>
+          <p:nvPr/>
+        </p:nvSpPr>
+        <p:spPr>
+          <a:xfrm>
+            <a:off x="5827143" y="3737954"/>
+            <a:ext cx="927892" cy="369328"/>
+          </a:xfrm>
+          <a:prstGeom prst="rect">
+            <a:avLst/>
+          </a:prstGeom>
+          <a:solidFill>
+            <a:srgbClr val="FFFFFF"/>
+          </a:solidFill>
+        </p:spPr>
+        <p:txBody>
+          <a:bodyPr wrap="none" lIns="121917" tIns="60958" rIns="121917" bIns="60958" rtlCol="0">
+            <a:spAutoFit/>
+          </a:bodyPr>
+          <a:lstStyle/>
+          <a:p>
+            <a:r>
+              <a:rPr lang="fr-FR" sz="1600" dirty="0"/>
+              <a:t>Potence</a:t>
+            </a:r>
+          </a:p>
+        </p:txBody>
+      </p:sp>
+      <p:sp>
+        <p:nvSpPr>
+          <p:cNvPr id="22" name="ZoneTexte 21"/>
+          <p:cNvSpPr txBox="1"/>
+          <p:nvPr/>
+        </p:nvSpPr>
+        <p:spPr>
+          <a:xfrm>
+            <a:off x="6422061" y="1647760"/>
+            <a:ext cx="1845771" cy="400105"/>
+          </a:xfrm>
+          <a:prstGeom prst="rect">
+            <a:avLst/>
+          </a:prstGeom>
+          <a:solidFill>
+            <a:srgbClr val="FFFFFF"/>
+          </a:solidFill>
+        </p:spPr>
+        <p:txBody>
+          <a:bodyPr wrap="square" lIns="121917" tIns="60958" rIns="121917" bIns="60958" rtlCol="0">
+            <a:spAutoFit/>
+          </a:bodyPr>
+          <a:lstStyle/>
+          <a:p>
+            <a:endParaRPr lang="fr-FR" dirty="0"/>
+          </a:p>
+        </p:txBody>
+      </p:sp>
+      <p:sp>
+        <p:nvSpPr>
+          <p:cNvPr id="32" name="ZoneTexte 31"/>
+          <p:cNvSpPr txBox="1"/>
+          <p:nvPr/>
+        </p:nvSpPr>
+        <p:spPr>
+          <a:xfrm>
+            <a:off x="5842398" y="3808012"/>
+            <a:ext cx="1484561" cy="400105"/>
+          </a:xfrm>
+          <a:prstGeom prst="rect">
+            <a:avLst/>
+          </a:prstGeom>
+          <a:solidFill>
+            <a:srgbClr val="FFFFFF"/>
+          </a:solidFill>
+        </p:spPr>
+        <p:txBody>
+          <a:bodyPr wrap="square" lIns="121917" tIns="60958" rIns="121917" bIns="60958" rtlCol="0">
+            <a:spAutoFit/>
+          </a:bodyPr>
+          <a:lstStyle/>
+          <a:p>
+            <a:endParaRPr lang="fr-FR" dirty="0"/>
+          </a:p>
+        </p:txBody>
+      </p:sp>
+      <p:sp>
+        <p:nvSpPr>
+          <p:cNvPr id="25" name="Accolade fermante 24"/>
+          <p:cNvSpPr/>
+          <p:nvPr/>
+        </p:nvSpPr>
+        <p:spPr>
+          <a:xfrm rot="5400000">
+            <a:off x="4993832" y="2910574"/>
+            <a:ext cx="310887" cy="1501541"/>
+          </a:xfrm>
+          <a:prstGeom prst="rightBrace">
+            <a:avLst/>
+          </a:prstGeom>
+        </p:spPr>
+        <p:style>
+          <a:lnRef idx="2">
+            <a:schemeClr val="accent1"/>
+          </a:lnRef>
+          <a:fillRef idx="0">
+            <a:schemeClr val="accent1"/>
+          </a:fillRef>
+          <a:effectRef idx="1">
+            <a:schemeClr val="accent1"/>
+          </a:effectRef>
+          <a:fontRef idx="minor">
+            <a:schemeClr val="tx1"/>
+          </a:fontRef>
+        </p:style>
+        <p:txBody>
+          <a:bodyPr rtlCol="0" anchor="ctr"/>
+          <a:lstStyle/>
+          <a:p>
+            <a:pPr algn="ctr"/>
+            <a:endParaRPr lang="fr-FR"/>
+          </a:p>
+        </p:txBody>
+      </p:sp>
+      <p:sp>
+        <p:nvSpPr>
+          <p:cNvPr id="26" name="ZoneTexte 25"/>
+          <p:cNvSpPr txBox="1"/>
+          <p:nvPr/>
+        </p:nvSpPr>
+        <p:spPr>
+          <a:xfrm>
+            <a:off x="3796666" y="4008631"/>
+            <a:ext cx="3193603" cy="369332"/>
+          </a:xfrm>
+          <a:prstGeom prst="rect">
+            <a:avLst/>
+          </a:prstGeom>
+          <a:noFill/>
+        </p:spPr>
+        <p:txBody>
+          <a:bodyPr wrap="none" rtlCol="0">
+            <a:spAutoFit/>
+          </a:bodyPr>
+          <a:lstStyle/>
+          <a:p>
+            <a:r>
+              <a:rPr lang="fr-FR" dirty="0" smtClean="0"/>
+              <a:t>Composé avec odeur de banane</a:t>
+            </a:r>
+            <a:endParaRPr lang="fr-FR" dirty="0"/>
+          </a:p>
+        </p:txBody>
+      </p:sp>
+      <p:pic>
+        <p:nvPicPr>
+          <p:cNvPr id="27" name="Image 26" descr="Capture d’écran 2020-05-20 à 16.40.00.png"/>
+          <p:cNvPicPr>
+            <a:picLocks noChangeAspect="1"/>
+          </p:cNvPicPr>
+          <p:nvPr/>
+        </p:nvPicPr>
+        <p:blipFill>
+          <a:blip r:embed="rId2">
+            <a:extLst>
+              <a:ext uri="{28A0092B-C50C-407E-A947-70E740481C1C}">
+                <a14:useLocalDpi xmlns:a14="http://schemas.microsoft.com/office/drawing/2010/main" val="0"/>
+              </a:ext>
+            </a:extLst>
+          </a:blip>
+          <a:stretch>
+            <a:fillRect/>
+          </a:stretch>
+        </p:blipFill>
+        <p:spPr>
+          <a:xfrm>
+            <a:off x="443052" y="2115739"/>
+            <a:ext cx="6629400" cy="1219200"/>
+          </a:xfrm>
+          <a:prstGeom prst="rect">
+            <a:avLst/>
+          </a:prstGeom>
+        </p:spPr>
+      </p:pic>
+      <p:sp>
+        <p:nvSpPr>
+          <p:cNvPr id="28" name="ZoneTexte 27"/>
+          <p:cNvSpPr txBox="1"/>
+          <p:nvPr/>
+        </p:nvSpPr>
+        <p:spPr>
+          <a:xfrm>
+            <a:off x="1243508" y="6204778"/>
+            <a:ext cx="184666" cy="369332"/>
+          </a:xfrm>
+          <a:prstGeom prst="rect">
+            <a:avLst/>
+          </a:prstGeom>
+          <a:noFill/>
+        </p:spPr>
+        <p:txBody>
+          <a:bodyPr wrap="none" rtlCol="0">
+            <a:spAutoFit/>
+          </a:bodyPr>
+          <a:lstStyle/>
+          <a:p>
+            <a:endParaRPr lang="fr-FR" dirty="0"/>
+          </a:p>
+        </p:txBody>
+      </p:sp>
+      <p:sp>
+        <p:nvSpPr>
+          <p:cNvPr id="30" name="ZoneTexte 29"/>
+          <p:cNvSpPr txBox="1"/>
+          <p:nvPr/>
+        </p:nvSpPr>
+        <p:spPr>
+          <a:xfrm>
+            <a:off x="238118" y="6085710"/>
+            <a:ext cx="6558393" cy="584776"/>
+          </a:xfrm>
+          <a:prstGeom prst="rect">
+            <a:avLst/>
+          </a:prstGeom>
+          <a:noFill/>
+        </p:spPr>
+        <p:txBody>
+          <a:bodyPr wrap="none" rtlCol="0">
+            <a:spAutoFit/>
+          </a:bodyPr>
+          <a:lstStyle/>
+          <a:p>
+            <a:r>
+              <a:rPr lang="fr-FR" sz="1600" i="1" u="sng" dirty="0"/>
+              <a:t>La chimie </a:t>
+            </a:r>
+            <a:r>
+              <a:rPr lang="fr-FR" sz="1600" i="1" u="sng" dirty="0" err="1"/>
+              <a:t>expérimentale</a:t>
+            </a:r>
+            <a:r>
+              <a:rPr lang="fr-FR" sz="1600" i="1" u="sng" dirty="0"/>
+              <a:t>. Chimie Organique et </a:t>
+            </a:r>
+            <a:r>
+              <a:rPr lang="fr-FR" sz="1600" i="1" u="sng" dirty="0" err="1" smtClean="0"/>
+              <a:t>Minérale</a:t>
+            </a:r>
+            <a:r>
+              <a:rPr lang="fr-FR" sz="1600" i="1" u="sng" dirty="0" smtClean="0"/>
+              <a:t>, </a:t>
+            </a:r>
+            <a:r>
+              <a:rPr lang="fr-FR" sz="1600" i="1" u="sng" dirty="0" err="1" smtClean="0"/>
+              <a:t>Lemaréchal</a:t>
+            </a:r>
+            <a:r>
+              <a:rPr lang="fr-FR" sz="1600" i="1" u="sng" dirty="0" smtClean="0"/>
+              <a:t>, </a:t>
+            </a:r>
+            <a:r>
+              <a:rPr lang="fr-FR" sz="1600" i="1" u="sng" dirty="0" err="1" smtClean="0"/>
+              <a:t>Dunod</a:t>
+            </a:r>
+            <a:r>
+              <a:rPr lang="fr-FR" sz="1600" i="1" u="sng" dirty="0" smtClean="0"/>
+              <a:t> </a:t>
+            </a:r>
+            <a:endParaRPr lang="fr-FR" sz="1600" i="1" u="sng" dirty="0"/>
+          </a:p>
+          <a:p>
+            <a:endParaRPr lang="fr-FR" sz="1600" i="1" u="sng" dirty="0"/>
+          </a:p>
+        </p:txBody>
+      </p:sp>
+      <p:pic>
+        <p:nvPicPr>
+          <p:cNvPr id="5" name="Image 4" descr="Capture d’écran 2020-05-20 à 17.05.43.png"/>
+          <p:cNvPicPr>
+            <a:picLocks noChangeAspect="1"/>
+          </p:cNvPicPr>
+          <p:nvPr/>
+        </p:nvPicPr>
+        <p:blipFill>
+          <a:blip r:embed="rId3">
+            <a:extLst>
+              <a:ext uri="{28A0092B-C50C-407E-A947-70E740481C1C}">
+                <a14:useLocalDpi xmlns:a14="http://schemas.microsoft.com/office/drawing/2010/main" val="0"/>
+              </a:ext>
+            </a:extLst>
+          </a:blip>
+          <a:stretch>
+            <a:fillRect/>
+          </a:stretch>
+        </p:blipFill>
+        <p:spPr>
+          <a:xfrm>
+            <a:off x="6921790" y="1341416"/>
+            <a:ext cx="5296665" cy="5387465"/>
+          </a:xfrm>
+          <a:prstGeom prst="rect">
+            <a:avLst/>
+          </a:prstGeom>
+        </p:spPr>
+      </p:pic>
+      <p:sp>
+        <p:nvSpPr>
+          <p:cNvPr id="6" name="ZoneTexte 5"/>
+          <p:cNvSpPr txBox="1"/>
+          <p:nvPr/>
+        </p:nvSpPr>
+        <p:spPr>
+          <a:xfrm>
+            <a:off x="8360608" y="2632733"/>
+            <a:ext cx="388676" cy="338554"/>
+          </a:xfrm>
+          <a:prstGeom prst="rect">
+            <a:avLst/>
+          </a:prstGeom>
+          <a:solidFill>
+            <a:srgbClr val="FFFFFF"/>
+          </a:solidFill>
+        </p:spPr>
+        <p:txBody>
+          <a:bodyPr wrap="square" rtlCol="0">
+            <a:spAutoFit/>
+          </a:bodyPr>
+          <a:lstStyle/>
+          <a:p>
+            <a:r>
+              <a:rPr lang="fr-FR" sz="1600" dirty="0" smtClean="0"/>
+              <a:t>R</a:t>
+            </a:r>
+            <a:endParaRPr lang="fr-FR" sz="1600" dirty="0"/>
+          </a:p>
+        </p:txBody>
+      </p:sp>
+      <p:sp>
+        <p:nvSpPr>
+          <p:cNvPr id="16" name="ZoneTexte 15"/>
+          <p:cNvSpPr txBox="1"/>
+          <p:nvPr/>
+        </p:nvSpPr>
+        <p:spPr>
+          <a:xfrm>
+            <a:off x="11396884" y="2599915"/>
+            <a:ext cx="469356" cy="338554"/>
+          </a:xfrm>
+          <a:prstGeom prst="rect">
+            <a:avLst/>
+          </a:prstGeom>
+          <a:solidFill>
+            <a:srgbClr val="FFFFFF"/>
+          </a:solidFill>
+        </p:spPr>
+        <p:txBody>
+          <a:bodyPr wrap="square" rtlCol="0">
+            <a:spAutoFit/>
+          </a:bodyPr>
+          <a:lstStyle/>
+          <a:p>
+            <a:r>
+              <a:rPr lang="fr-FR" sz="1600" dirty="0" smtClean="0"/>
+              <a:t>R</a:t>
+            </a:r>
+            <a:endParaRPr lang="fr-FR" sz="1600" dirty="0"/>
+          </a:p>
+        </p:txBody>
+      </p:sp>
+      <p:sp>
+        <p:nvSpPr>
+          <p:cNvPr id="18" name="ZoneTexte 17"/>
+          <p:cNvSpPr txBox="1"/>
+          <p:nvPr/>
+        </p:nvSpPr>
+        <p:spPr>
+          <a:xfrm>
+            <a:off x="10768785" y="3718091"/>
+            <a:ext cx="469356" cy="338554"/>
+          </a:xfrm>
+          <a:prstGeom prst="rect">
+            <a:avLst/>
+          </a:prstGeom>
+          <a:solidFill>
+            <a:srgbClr val="FFFFFF"/>
+          </a:solidFill>
+        </p:spPr>
+        <p:txBody>
+          <a:bodyPr wrap="square" rtlCol="0">
+            <a:spAutoFit/>
+          </a:bodyPr>
+          <a:lstStyle/>
+          <a:p>
+            <a:r>
+              <a:rPr lang="fr-FR" sz="1600" dirty="0" smtClean="0"/>
+              <a:t>R</a:t>
+            </a:r>
+            <a:endParaRPr lang="fr-FR" sz="1600" dirty="0"/>
+          </a:p>
+        </p:txBody>
+      </p:sp>
+      <p:sp>
+        <p:nvSpPr>
+          <p:cNvPr id="19" name="ZoneTexte 18"/>
+          <p:cNvSpPr txBox="1"/>
+          <p:nvPr/>
+        </p:nvSpPr>
+        <p:spPr>
+          <a:xfrm>
+            <a:off x="8116678" y="3764652"/>
+            <a:ext cx="469356" cy="338554"/>
+          </a:xfrm>
+          <a:prstGeom prst="rect">
+            <a:avLst/>
+          </a:prstGeom>
+          <a:solidFill>
+            <a:srgbClr val="FFFFFF"/>
+          </a:solidFill>
+        </p:spPr>
+        <p:txBody>
+          <a:bodyPr wrap="square" rtlCol="0">
+            <a:spAutoFit/>
+          </a:bodyPr>
+          <a:lstStyle/>
+          <a:p>
+            <a:r>
+              <a:rPr lang="fr-FR" sz="1600" dirty="0" smtClean="0"/>
+              <a:t>R</a:t>
+            </a:r>
+            <a:endParaRPr lang="fr-FR" sz="1600" dirty="0"/>
+          </a:p>
+        </p:txBody>
+      </p:sp>
+      <p:sp>
+        <p:nvSpPr>
+          <p:cNvPr id="20" name="ZoneTexte 19"/>
+          <p:cNvSpPr txBox="1"/>
+          <p:nvPr/>
+        </p:nvSpPr>
+        <p:spPr>
+          <a:xfrm>
+            <a:off x="8136790" y="4922517"/>
+            <a:ext cx="469356" cy="338554"/>
+          </a:xfrm>
+          <a:prstGeom prst="rect">
+            <a:avLst/>
+          </a:prstGeom>
+          <a:solidFill>
+            <a:srgbClr val="FFFFFF"/>
+          </a:solidFill>
+        </p:spPr>
+        <p:txBody>
+          <a:bodyPr wrap="square" rtlCol="0">
+            <a:spAutoFit/>
+          </a:bodyPr>
+          <a:lstStyle/>
+          <a:p>
+            <a:r>
+              <a:rPr lang="fr-FR" sz="1600" dirty="0" smtClean="0"/>
+              <a:t>R</a:t>
+            </a:r>
+            <a:endParaRPr lang="fr-FR" sz="1600" dirty="0"/>
+          </a:p>
+        </p:txBody>
+      </p:sp>
+      <p:sp>
+        <p:nvSpPr>
+          <p:cNvPr id="21" name="ZoneTexte 20"/>
+          <p:cNvSpPr txBox="1"/>
+          <p:nvPr/>
+        </p:nvSpPr>
+        <p:spPr>
+          <a:xfrm>
+            <a:off x="10610578" y="5134195"/>
+            <a:ext cx="469356" cy="338554"/>
+          </a:xfrm>
+          <a:prstGeom prst="rect">
+            <a:avLst/>
+          </a:prstGeom>
+          <a:solidFill>
+            <a:srgbClr val="FFFFFF"/>
+          </a:solidFill>
+        </p:spPr>
+        <p:txBody>
+          <a:bodyPr wrap="square" rtlCol="0">
+            <a:spAutoFit/>
+          </a:bodyPr>
+          <a:lstStyle/>
+          <a:p>
+            <a:r>
+              <a:rPr lang="fr-FR" sz="1600" dirty="0" smtClean="0"/>
+              <a:t>R</a:t>
+            </a:r>
+            <a:endParaRPr lang="fr-FR" sz="1600" dirty="0"/>
+          </a:p>
+        </p:txBody>
+      </p:sp>
+      <p:sp>
+        <p:nvSpPr>
+          <p:cNvPr id="23" name="ZoneTexte 22"/>
+          <p:cNvSpPr txBox="1"/>
+          <p:nvPr/>
+        </p:nvSpPr>
+        <p:spPr>
+          <a:xfrm>
+            <a:off x="8103987" y="6159762"/>
+            <a:ext cx="469356" cy="338554"/>
+          </a:xfrm>
+          <a:prstGeom prst="rect">
+            <a:avLst/>
+          </a:prstGeom>
+          <a:solidFill>
+            <a:srgbClr val="FFFFFF"/>
+          </a:solidFill>
+        </p:spPr>
+        <p:txBody>
+          <a:bodyPr wrap="square" rtlCol="0">
+            <a:spAutoFit/>
+          </a:bodyPr>
+          <a:lstStyle/>
+          <a:p>
+            <a:r>
+              <a:rPr lang="fr-FR" sz="1600" dirty="0" smtClean="0"/>
+              <a:t>R</a:t>
+            </a:r>
+            <a:endParaRPr lang="fr-FR" sz="1600" dirty="0"/>
+          </a:p>
+        </p:txBody>
+      </p:sp>
+      <p:sp>
+        <p:nvSpPr>
+          <p:cNvPr id="24" name="ZoneTexte 23"/>
+          <p:cNvSpPr txBox="1"/>
+          <p:nvPr/>
+        </p:nvSpPr>
+        <p:spPr>
+          <a:xfrm>
+            <a:off x="11100582" y="6100486"/>
+            <a:ext cx="469356" cy="338554"/>
+          </a:xfrm>
+          <a:prstGeom prst="rect">
+            <a:avLst/>
+          </a:prstGeom>
+          <a:solidFill>
+            <a:srgbClr val="FFFFFF"/>
+          </a:solidFill>
+        </p:spPr>
+        <p:txBody>
+          <a:bodyPr wrap="square" rtlCol="0">
+            <a:spAutoFit/>
+          </a:bodyPr>
+          <a:lstStyle/>
+          <a:p>
+            <a:r>
+              <a:rPr lang="fr-FR" sz="1600" dirty="0" smtClean="0"/>
+              <a:t>R</a:t>
+            </a:r>
+            <a:endParaRPr lang="fr-FR" sz="1600" dirty="0"/>
+          </a:p>
+        </p:txBody>
+      </p:sp>
+      <p:sp>
+        <p:nvSpPr>
+          <p:cNvPr id="7" name="Ellipse 6"/>
+          <p:cNvSpPr/>
+          <p:nvPr/>
+        </p:nvSpPr>
+        <p:spPr>
+          <a:xfrm>
+            <a:off x="754041" y="2169688"/>
+            <a:ext cx="992160" cy="701182"/>
+          </a:xfrm>
+          <a:prstGeom prst="ellipse">
+            <a:avLst/>
+          </a:prstGeom>
+          <a:noFill/>
+          <a:ln>
+            <a:solidFill>
+              <a:schemeClr val="tx1"/>
+            </a:solidFill>
+            <a:prstDash val="sysDash"/>
+          </a:ln>
+        </p:spPr>
+        <p:style>
+          <a:lnRef idx="1">
+            <a:schemeClr val="accent1"/>
+          </a:lnRef>
+          <a:fillRef idx="3">
+            <a:schemeClr val="accent1"/>
+          </a:fillRef>
+          <a:effectRef idx="2">
+            <a:schemeClr val="accent1"/>
+          </a:effectRef>
+          <a:fontRef idx="minor">
+            <a:schemeClr val="lt1"/>
+          </a:fontRef>
+        </p:style>
+        <p:txBody>
+          <a:bodyPr rtlCol="0" anchor="ctr"/>
+          <a:lstStyle/>
+          <a:p>
+            <a:pPr algn="ctr"/>
+            <a:endParaRPr lang="fr-FR"/>
+          </a:p>
+        </p:txBody>
+      </p:sp>
+      <p:sp>
+        <p:nvSpPr>
+          <p:cNvPr id="8" name="ZoneTexte 7"/>
+          <p:cNvSpPr txBox="1"/>
+          <p:nvPr/>
+        </p:nvSpPr>
+        <p:spPr>
+          <a:xfrm>
+            <a:off x="449779" y="2129999"/>
+            <a:ext cx="312906" cy="369332"/>
+          </a:xfrm>
+          <a:prstGeom prst="rect">
+            <a:avLst/>
+          </a:prstGeom>
+          <a:noFill/>
+        </p:spPr>
+        <p:txBody>
+          <a:bodyPr wrap="none" rtlCol="0">
+            <a:spAutoFit/>
+          </a:bodyPr>
+          <a:lstStyle/>
+          <a:p>
+            <a:r>
+              <a:rPr lang="fr-FR" dirty="0" smtClean="0"/>
+              <a:t>R</a:t>
+            </a:r>
+            <a:endParaRPr lang="fr-FR" dirty="0"/>
+          </a:p>
+        </p:txBody>
+      </p:sp>
+      <p:sp>
+        <p:nvSpPr>
+          <p:cNvPr id="29" name="Accolade fermante 28"/>
+          <p:cNvSpPr/>
+          <p:nvPr/>
+        </p:nvSpPr>
+        <p:spPr>
+          <a:xfrm rot="5400000">
+            <a:off x="1217276" y="2838067"/>
+            <a:ext cx="310887" cy="1501541"/>
+          </a:xfrm>
+          <a:prstGeom prst="rightBrace">
+            <a:avLst/>
+          </a:prstGeom>
+        </p:spPr>
+        <p:style>
+          <a:lnRef idx="2">
+            <a:schemeClr val="accent1"/>
+          </a:lnRef>
+          <a:fillRef idx="0">
+            <a:schemeClr val="accent1"/>
+          </a:fillRef>
+          <a:effectRef idx="1">
+            <a:schemeClr val="accent1"/>
+          </a:effectRef>
+          <a:fontRef idx="minor">
+            <a:schemeClr val="tx1"/>
+          </a:fontRef>
+        </p:style>
+        <p:txBody>
+          <a:bodyPr rtlCol="0" anchor="ctr"/>
+          <a:lstStyle/>
+          <a:p>
+            <a:pPr algn="ctr"/>
+            <a:endParaRPr lang="fr-FR"/>
+          </a:p>
+        </p:txBody>
+      </p:sp>
+      <p:sp>
+        <p:nvSpPr>
+          <p:cNvPr id="10" name="ZoneTexte 9"/>
+          <p:cNvSpPr txBox="1"/>
+          <p:nvPr/>
+        </p:nvSpPr>
+        <p:spPr>
+          <a:xfrm>
+            <a:off x="1084762" y="3902792"/>
+            <a:ext cx="677326" cy="369332"/>
+          </a:xfrm>
+          <a:prstGeom prst="rect">
+            <a:avLst/>
+          </a:prstGeom>
+          <a:noFill/>
+        </p:spPr>
+        <p:txBody>
+          <a:bodyPr wrap="none" rtlCol="0">
+            <a:spAutoFit/>
+          </a:bodyPr>
+          <a:lstStyle/>
+          <a:p>
+            <a:r>
+              <a:rPr lang="fr-FR" dirty="0" smtClean="0"/>
+              <a:t>R-OH</a:t>
+            </a:r>
+            <a:endParaRPr lang="fr-FR" dirty="0"/>
+          </a:p>
+        </p:txBody>
+      </p:sp>
+      <p:sp>
+        <p:nvSpPr>
+          <p:cNvPr id="31" name="Ellipse 30"/>
+          <p:cNvSpPr/>
+          <p:nvPr/>
+        </p:nvSpPr>
+        <p:spPr>
+          <a:xfrm>
+            <a:off x="4385617" y="2123641"/>
+            <a:ext cx="992160" cy="701182"/>
+          </a:xfrm>
+          <a:prstGeom prst="ellipse">
+            <a:avLst/>
+          </a:prstGeom>
+          <a:noFill/>
+          <a:ln>
+            <a:solidFill>
+              <a:schemeClr val="tx1"/>
+            </a:solidFill>
+            <a:prstDash val="sysDash"/>
+          </a:ln>
+        </p:spPr>
+        <p:style>
+          <a:lnRef idx="1">
+            <a:schemeClr val="accent1"/>
+          </a:lnRef>
+          <a:fillRef idx="3">
+            <a:schemeClr val="accent1"/>
+          </a:fillRef>
+          <a:effectRef idx="2">
+            <a:schemeClr val="accent1"/>
+          </a:effectRef>
+          <a:fontRef idx="minor">
+            <a:schemeClr val="lt1"/>
+          </a:fontRef>
+        </p:style>
+        <p:txBody>
+          <a:bodyPr rtlCol="0" anchor="ctr"/>
+          <a:lstStyle/>
+          <a:p>
+            <a:pPr algn="ctr"/>
+            <a:endParaRPr lang="fr-FR"/>
+          </a:p>
+        </p:txBody>
+      </p:sp>
+      <p:sp>
+        <p:nvSpPr>
+          <p:cNvPr id="33" name="ZoneTexte 32"/>
+          <p:cNvSpPr txBox="1"/>
+          <p:nvPr/>
+        </p:nvSpPr>
+        <p:spPr>
+          <a:xfrm>
+            <a:off x="4121042" y="2599914"/>
+            <a:ext cx="312906" cy="369332"/>
+          </a:xfrm>
+          <a:prstGeom prst="rect">
+            <a:avLst/>
+          </a:prstGeom>
+          <a:noFill/>
+        </p:spPr>
+        <p:txBody>
+          <a:bodyPr wrap="none" rtlCol="0">
+            <a:spAutoFit/>
+          </a:bodyPr>
+          <a:lstStyle/>
+          <a:p>
+            <a:r>
+              <a:rPr lang="fr-FR" dirty="0" smtClean="0"/>
+              <a:t>R</a:t>
+            </a:r>
+            <a:endParaRPr lang="fr-FR" dirty="0"/>
+          </a:p>
+        </p:txBody>
+      </p:sp>
+      <p:sp>
+        <p:nvSpPr>
+          <p:cNvPr id="11" name="Rectangle 10"/>
+          <p:cNvSpPr/>
+          <p:nvPr/>
+        </p:nvSpPr>
+        <p:spPr>
+          <a:xfrm>
+            <a:off x="446446" y="1484770"/>
+            <a:ext cx="5028653" cy="369332"/>
+          </a:xfrm>
+          <a:prstGeom prst="rect">
+            <a:avLst/>
+          </a:prstGeom>
+        </p:spPr>
+        <p:txBody>
+          <a:bodyPr wrap="none">
+            <a:spAutoFit/>
+          </a:bodyPr>
+          <a:lstStyle/>
+          <a:p>
+            <a:r>
+              <a:rPr lang="fr-FR" i="1" u="sng" dirty="0"/>
+              <a:t>Equation de la </a:t>
+            </a:r>
+            <a:r>
+              <a:rPr lang="fr-FR" i="1" u="sng" dirty="0" smtClean="0"/>
+              <a:t>réaction  </a:t>
+            </a:r>
+            <a:r>
+              <a:rPr lang="fr-FR" i="1" u="sng" dirty="0"/>
+              <a:t>( = échelle macroscopique )</a:t>
+            </a:r>
+          </a:p>
+        </p:txBody>
+      </p:sp>
+      <p:sp>
+        <p:nvSpPr>
+          <p:cNvPr id="12" name="ZoneTexte 11"/>
+          <p:cNvSpPr txBox="1"/>
+          <p:nvPr/>
+        </p:nvSpPr>
+        <p:spPr>
+          <a:xfrm>
+            <a:off x="7289072" y="1150993"/>
+            <a:ext cx="5112522" cy="369332"/>
+          </a:xfrm>
+          <a:prstGeom prst="rect">
+            <a:avLst/>
+          </a:prstGeom>
+          <a:noFill/>
+        </p:spPr>
+        <p:txBody>
+          <a:bodyPr wrap="none" rtlCol="0">
+            <a:spAutoFit/>
+          </a:bodyPr>
+          <a:lstStyle/>
+          <a:p>
+            <a:r>
+              <a:rPr lang="fr-FR" i="1" u="sng" dirty="0" smtClean="0"/>
+              <a:t>Mécanisme de la réaction ( = échelle microscopique)</a:t>
+            </a:r>
+            <a:endParaRPr lang="fr-FR" i="1" u="sng" dirty="0"/>
+          </a:p>
+        </p:txBody>
+      </p:sp>
+    </p:spTree>
+    <p:extLst>
+      <p:ext uri="{BB962C8B-B14F-4D97-AF65-F5344CB8AC3E}">
+        <p14:creationId xmlns:p14="http://schemas.microsoft.com/office/powerpoint/2010/main" val="2749905394"/>
+      </p:ext>
+    </p:extLst>
+  </p:cSld>
+  <p:clrMapOvr>
+    <a:masterClrMapping/>
+  </p:clrMapOvr>
+  <p:timing>
+    <p:tnLst>
+      <p:par>
+        <p:cTn xmlns:p14="http://schemas.microsoft.com/office/powerpoint/2010/main" id="1" dur="indefinite" restart="never" nodeType="tmRoot"/>
+      </p:par>
+    </p:tnLst>
+  </p:timing>
+</p:sld>
+</file>
+
+<file path=ppt/slides/slide23.xml><?xml version="1.0" encoding="utf-8"?>
+<p:sld xmlns:a="http://schemas.openxmlformats.org/drawingml/2006/main" xmlns:r="http://schemas.openxmlformats.org/officeDocument/2006/relationships" xmlns:p="http://schemas.openxmlformats.org/presentationml/2006/main">
+  <p:cSld>
+    <p:spTree>
+      <p:nvGrpSpPr>
+        <p:cNvPr id="1" name=""/>
+        <p:cNvGrpSpPr/>
+        <p:nvPr/>
+      </p:nvGrpSpPr>
+      <p:grpSpPr>
+        <a:xfrm>
+          <a:off x="0" y="0"/>
+          <a:ext cx="0" cy="0"/>
+          <a:chOff x="0" y="0"/>
+          <a:chExt cx="0" cy="0"/>
+        </a:xfrm>
+      </p:grpSpPr>
+      <p:sp>
+        <p:nvSpPr>
           <p:cNvPr id="2" name="Titre 1">
             <a:extLst>
               <a:ext uri="{FF2B5EF4-FFF2-40B4-BE49-F238E27FC236}">
-                <a16:creationId xmlns:a16="http://schemas.microsoft.com/office/drawing/2014/main" xmlns="" id="{930467FF-8E3F-49C5-A916-ABFF757C0DFC}"/>
+                <a16:creationId xmlns="" xmlns:a16="http://schemas.microsoft.com/office/drawing/2014/main" id="{930467FF-8E3F-49C5-A916-ABFF757C0DFC}"/>
               </a:ext>
             </a:extLst>
           </p:cNvPr>
@@ -11740,7 +11993,7 @@
           <p:cNvPr id="4" name="Espace réservé du numéro de diapositive 3">
             <a:extLst>
               <a:ext uri="{FF2B5EF4-FFF2-40B4-BE49-F238E27FC236}">
-                <a16:creationId xmlns:a16="http://schemas.microsoft.com/office/drawing/2014/main" xmlns="" id="{C35F2FA1-6E21-4C34-BF3E-BCDB66D26795}"/>
+                <a16:creationId xmlns="" xmlns:a16="http://schemas.microsoft.com/office/drawing/2014/main" id="{C35F2FA1-6E21-4C34-BF3E-BCDB66D26795}"/>
               </a:ext>
             </a:extLst>
           </p:cNvPr>
@@ -11758,7 +12011,7 @@
           <a:p>
             <a:fld id="{3B9124A2-E1D7-417D-88BC-63EA5DA45BC4}" type="slidenum">
               <a:rPr lang="fr-FR" smtClean="0"/>
-              <a:t>22</a:t>
+              <a:t>23</a:t>
             </a:fld>
             <a:endParaRPr lang="fr-FR"/>
           </a:p>
@@ -11769,7 +12022,7 @@
           <p:cNvPr id="5" name="Groupe 4">
             <a:extLst>
               <a:ext uri="{FF2B5EF4-FFF2-40B4-BE49-F238E27FC236}">
-                <a16:creationId xmlns:a16="http://schemas.microsoft.com/office/drawing/2014/main" xmlns="" id="{E8ACFD12-C3D8-4615-998B-1576868C09B9}"/>
+                <a16:creationId xmlns="" xmlns:a16="http://schemas.microsoft.com/office/drawing/2014/main" id="{E8ACFD12-C3D8-4615-998B-1576868C09B9}"/>
               </a:ext>
             </a:extLst>
           </p:cNvPr>
@@ -11789,7 +12042,7 @@
             <p:cNvPr id="6" name="Image 5">
               <a:extLst>
                 <a:ext uri="{FF2B5EF4-FFF2-40B4-BE49-F238E27FC236}">
-                  <a16:creationId xmlns:a16="http://schemas.microsoft.com/office/drawing/2014/main" xmlns="" id="{326FBA40-9D77-47D2-A179-69683B179CA1}"/>
+                  <a16:creationId xmlns="" xmlns:a16="http://schemas.microsoft.com/office/drawing/2014/main" id="{326FBA40-9D77-47D2-A179-69683B179CA1}"/>
                 </a:ext>
               </a:extLst>
             </p:cNvPr>
@@ -11825,7 +12078,7 @@
             <p:cNvPr id="7" name="Image 6">
               <a:extLst>
                 <a:ext uri="{FF2B5EF4-FFF2-40B4-BE49-F238E27FC236}">
-                  <a16:creationId xmlns:a16="http://schemas.microsoft.com/office/drawing/2014/main" xmlns="" id="{4284F127-DF6D-47EA-9D9C-F878FBC4C2D4}"/>
+                  <a16:creationId xmlns="" xmlns:a16="http://schemas.microsoft.com/office/drawing/2014/main" id="{4284F127-DF6D-47EA-9D9C-F878FBC4C2D4}"/>
                 </a:ext>
               </a:extLst>
             </p:cNvPr>
@@ -11861,7 +12114,7 @@
             <p:cNvPr id="8" name="Image 7">
               <a:extLst>
                 <a:ext uri="{FF2B5EF4-FFF2-40B4-BE49-F238E27FC236}">
-                  <a16:creationId xmlns:a16="http://schemas.microsoft.com/office/drawing/2014/main" xmlns="" id="{C397E512-0477-4AF8-9C51-AD9BAD4E4E24}"/>
+                  <a16:creationId xmlns="" xmlns:a16="http://schemas.microsoft.com/office/drawing/2014/main" id="{C397E512-0477-4AF8-9C51-AD9BAD4E4E24}"/>
                 </a:ext>
               </a:extLst>
             </p:cNvPr>
@@ -11897,7 +12150,7 @@
             <p:cNvPr id="9" name="Image 8">
               <a:extLst>
                 <a:ext uri="{FF2B5EF4-FFF2-40B4-BE49-F238E27FC236}">
-                  <a16:creationId xmlns:a16="http://schemas.microsoft.com/office/drawing/2014/main" xmlns="" id="{54CC02B3-844D-49C8-B395-5667D8400441}"/>
+                  <a16:creationId xmlns="" xmlns:a16="http://schemas.microsoft.com/office/drawing/2014/main" id="{54CC02B3-844D-49C8-B395-5667D8400441}"/>
                 </a:ext>
               </a:extLst>
             </p:cNvPr>
@@ -11933,7 +12186,7 @@
             <p:cNvPr id="10" name="Image 9">
               <a:extLst>
                 <a:ext uri="{FF2B5EF4-FFF2-40B4-BE49-F238E27FC236}">
-                  <a16:creationId xmlns:a16="http://schemas.microsoft.com/office/drawing/2014/main" xmlns="" id="{41746C78-3A5D-43FA-84F7-3415F2D27412}"/>
+                  <a16:creationId xmlns="" xmlns:a16="http://schemas.microsoft.com/office/drawing/2014/main" id="{41746C78-3A5D-43FA-84F7-3415F2D27412}"/>
                 </a:ext>
               </a:extLst>
             </p:cNvPr>
@@ -11963,7 +12216,7 @@
             <p:cNvPr id="11" name="Image 10">
               <a:extLst>
                 <a:ext uri="{FF2B5EF4-FFF2-40B4-BE49-F238E27FC236}">
-                  <a16:creationId xmlns:a16="http://schemas.microsoft.com/office/drawing/2014/main" xmlns="" id="{77EA0844-B344-4510-A3A0-BED9826D9FA7}"/>
+                  <a16:creationId xmlns="" xmlns:a16="http://schemas.microsoft.com/office/drawing/2014/main" id="{77EA0844-B344-4510-A3A0-BED9826D9FA7}"/>
                 </a:ext>
               </a:extLst>
             </p:cNvPr>
@@ -11993,7 +12246,7 @@
             <p:cNvPr id="12" name="ZoneTexte 11">
               <a:extLst>
                 <a:ext uri="{FF2B5EF4-FFF2-40B4-BE49-F238E27FC236}">
-                  <a16:creationId xmlns:a16="http://schemas.microsoft.com/office/drawing/2014/main" xmlns="" id="{0B7BC9F0-C642-4FD9-9E98-2DDA82A9ADEA}"/>
+                  <a16:creationId xmlns="" xmlns:a16="http://schemas.microsoft.com/office/drawing/2014/main" id="{0B7BC9F0-C642-4FD9-9E98-2DDA82A9ADEA}"/>
                 </a:ext>
               </a:extLst>
             </p:cNvPr>
@@ -12030,7 +12283,7 @@
           <p:cNvPr id="13" name="Connecteur : en arc 12">
             <a:extLst>
               <a:ext uri="{FF2B5EF4-FFF2-40B4-BE49-F238E27FC236}">
-                <a16:creationId xmlns:a16="http://schemas.microsoft.com/office/drawing/2014/main" xmlns="" id="{0FFF90D0-2E11-4715-B9AE-C7D9133BAC70}"/>
+                <a16:creationId xmlns="" xmlns:a16="http://schemas.microsoft.com/office/drawing/2014/main" id="{0FFF90D0-2E11-4715-B9AE-C7D9133BAC70}"/>
               </a:ext>
             </a:extLst>
           </p:cNvPr>
@@ -12250,7 +12503,7 @@
         </p:nvSpPr>
         <p:spPr>
           <a:xfrm>
-            <a:off x="142522" y="6273224"/>
+            <a:off x="169544" y="6421834"/>
             <a:ext cx="6558393" cy="584776"/>
           </a:xfrm>
           <a:prstGeom prst="rect">
@@ -12285,8 +12538,8 @@
               <a:t>, </a:t>
             </a:r>
             <a:r>
-              <a:rPr lang="fr-FR" sz="1600" i="1" u="sng" dirty="0" err="1" smtClean="0"/>
-              <a:t>Lemaréchal</a:t>
+              <a:rPr lang="fr-FR" sz="1600" i="1" u="sng" dirty="0" smtClean="0"/>
+              <a:t>Le maréchal</a:t>
             </a:r>
             <a:r>
               <a:rPr lang="fr-FR" sz="1600" i="1" u="sng" dirty="0" smtClean="0"/>
@@ -12462,7 +12715,7 @@
           <p:cNvPr id="34" name="Image 33">
             <a:extLst>
               <a:ext uri="{FF2B5EF4-FFF2-40B4-BE49-F238E27FC236}">
-                <a16:creationId xmlns:a16="http://schemas.microsoft.com/office/drawing/2014/main" xmlns="" id="{2F4220C0-9317-4193-BB89-BA5B1DFFCCA2}"/>
+                <a16:creationId xmlns="" xmlns:a16="http://schemas.microsoft.com/office/drawing/2014/main" id="{2F4220C0-9317-4193-BB89-BA5B1DFFCCA2}"/>
               </a:ext>
             </a:extLst>
           </p:cNvPr>
@@ -12480,7 +12733,7 @@
         <p:spPr>
           <a:xfrm>
             <a:off x="6361475" y="2434286"/>
-            <a:ext cx="2579188" cy="2235728"/>
+            <a:ext cx="2786916" cy="2415794"/>
           </a:xfrm>
           <a:prstGeom prst="rect">
             <a:avLst/>
@@ -12496,7 +12749,7 @@
         <p:spPr>
           <a:xfrm>
             <a:off x="6072005" y="4643663"/>
-            <a:ext cx="6065032" cy="1477328"/>
+            <a:ext cx="6065032" cy="1754327"/>
           </a:xfrm>
           <a:prstGeom prst="rect">
             <a:avLst/>
@@ -12509,9 +12762,16 @@
           </a:bodyPr>
           <a:lstStyle/>
           <a:p>
+            <a:endParaRPr lang="fr-FR" dirty="0" smtClean="0"/>
+          </a:p>
+          <a:p>
             <a:r>
               <a:rPr lang="fr-FR" dirty="0" smtClean="0"/>
-              <a:t>2) Lavage de la phase organique (NaHCO</a:t>
+              <a:t>2</a:t>
+            </a:r>
+            <a:r>
+              <a:rPr lang="fr-FR" dirty="0" smtClean="0"/>
+              <a:t>) Lavage de la phase organique (NaHCO</a:t>
             </a:r>
             <a:r>
               <a:rPr lang="fr-FR" baseline="-25000" dirty="0" smtClean="0"/>
@@ -12542,12 +12802,12 @@
               <a:buAutoNum type="arabicParenR" startAt="4"/>
             </a:pPr>
             <a:r>
-              <a:rPr lang="fr-FR" dirty="0" err="1" smtClean="0"/>
-              <a:t>Filrer</a:t>
-            </a:r>
-            <a:r>
               <a:rPr lang="fr-FR" dirty="0" smtClean="0"/>
-              <a:t> par gravité</a:t>
+              <a:t>Filtrer </a:t>
+            </a:r>
+            <a:r>
+              <a:rPr lang="fr-FR" dirty="0" smtClean="0"/>
+              <a:t>par gravité</a:t>
             </a:r>
           </a:p>
           <a:p>
@@ -12944,13 +13204,8 @@
           <a:p>
             <a:r>
               <a:rPr lang="fr-FR" sz="1600" dirty="0"/>
-              <a:t>P</a:t>
-            </a:r>
-            <a:r>
-              <a:rPr lang="fr-FR" sz="1600" dirty="0"/>
-              <a:t>otence</a:t>
-            </a:r>
-            <a:endParaRPr lang="fr-FR" sz="1600" dirty="0"/>
+              <a:t>Potence</a:t>
+            </a:r>
           </a:p>
         </p:txBody>
       </p:sp>
@@ -13251,7 +13506,7 @@
           <p:cNvPr id="2" name="Titre 1">
             <a:extLst>
               <a:ext uri="{FF2B5EF4-FFF2-40B4-BE49-F238E27FC236}">
-                <a16:creationId xmlns:a16="http://schemas.microsoft.com/office/drawing/2014/main" xmlns="" id="{CC4B097F-4E93-47C7-8D26-4E94A5CB61D7}"/>
+                <a16:creationId xmlns="" xmlns:a16="http://schemas.microsoft.com/office/drawing/2014/main" id="{CC4B097F-4E93-47C7-8D26-4E94A5CB61D7}"/>
               </a:ext>
             </a:extLst>
           </p:cNvPr>
@@ -13327,7 +13582,7 @@
           <p:cNvPr id="121" name="ZoneTexte 120">
             <a:extLst>
               <a:ext uri="{FF2B5EF4-FFF2-40B4-BE49-F238E27FC236}">
-                <a16:creationId xmlns="" xmlns:a16="http://schemas.microsoft.com/office/drawing/2014/main" id="{A83CC8DE-1DBF-4643-814D-A952FD6688EB}"/>
+                <a16:creationId xmlns:a16="http://schemas.microsoft.com/office/drawing/2014/main" xmlns="" id="{A83CC8DE-1DBF-4643-814D-A952FD6688EB}"/>
               </a:ext>
             </a:extLst>
           </p:cNvPr>
@@ -13372,11 +13627,7 @@
             </a:r>
             <a:r>
               <a:rPr lang="fr-FR" dirty="0" smtClean="0"/>
-              <a:t>                  </a:t>
-            </a:r>
-            <a:r>
-              <a:rPr lang="fr-FR" dirty="0" smtClean="0"/>
-              <a:t>    </a:t>
+              <a:t>                      </a:t>
             </a:r>
             <a:r>
               <a:rPr lang="fr-FR" dirty="0" smtClean="0">
@@ -13462,11 +13713,7 @@
             </a:r>
             <a:r>
               <a:rPr lang="fr-FR" dirty="0" smtClean="0"/>
-              <a:t>+   2 </a:t>
-            </a:r>
-            <a:r>
-              <a:rPr lang="fr-FR" dirty="0" smtClean="0"/>
-              <a:t>HO</a:t>
+              <a:t>+   2 HO</a:t>
             </a:r>
             <a:r>
               <a:rPr lang="fr-FR" baseline="30000" dirty="0" smtClean="0"/>
@@ -13537,11 +13784,7 @@
             </a:r>
             <a:r>
               <a:rPr lang="fr-FR" baseline="-25000" dirty="0" smtClean="0"/>
-              <a:t> </a:t>
-            </a:r>
-            <a:r>
-              <a:rPr lang="fr-FR" baseline="-25000" dirty="0" smtClean="0"/>
-              <a:t>(</a:t>
+              <a:t> (</a:t>
             </a:r>
             <a:r>
               <a:rPr lang="fr-FR" baseline="-25000" dirty="0" err="1" smtClean="0"/>
@@ -13816,11 +14059,11 @@
   <p:clrMapOvr>
     <a:masterClrMapping/>
   </p:clrMapOvr>
-  <mc:AlternateContent xmlns:mc="http://schemas.openxmlformats.org/markup-compatibility/2006">
-    <mc:Choice xmlns:p14="http://schemas.microsoft.com/office/powerpoint/2010/main" Requires="p14">
+  <mc:AlternateContent xmlns:mc="http://schemas.openxmlformats.org/markup-compatibility/2006" xmlns:p14="http://schemas.microsoft.com/office/powerpoint/2010/main">
+    <mc:Choice Requires="p14">
       <p:transition spd="slow" p14:dur="2000"/>
     </mc:Choice>
-    <mc:Fallback>
+    <mc:Fallback xmlns="">
       <p:transition xmlns:p14="http://schemas.microsoft.com/office/powerpoint/2010/main" spd="slow"/>
     </mc:Fallback>
   </mc:AlternateContent>
@@ -13849,7 +14092,7 @@
           <p:cNvPr id="2" name="Titre 1">
             <a:extLst>
               <a:ext uri="{FF2B5EF4-FFF2-40B4-BE49-F238E27FC236}">
-                <a16:creationId xmlns:a16="http://schemas.microsoft.com/office/drawing/2014/main" xmlns="" id="{CC4B097F-4E93-47C7-8D26-4E94A5CB61D7}"/>
+                <a16:creationId xmlns="" xmlns:a16="http://schemas.microsoft.com/office/drawing/2014/main" id="{CC4B097F-4E93-47C7-8D26-4E94A5CB61D7}"/>
               </a:ext>
             </a:extLst>
           </p:cNvPr>
@@ -13918,11 +14161,7 @@
             </a:r>
             <a:r>
               <a:rPr lang="fr-FR" b="1" u="sng" dirty="0" err="1" smtClean="0"/>
-              <a:t>pétr</a:t>
-            </a:r>
-            <a:r>
-              <a:rPr lang="fr-FR" b="1" u="sng" dirty="0" err="1" smtClean="0"/>
-              <a:t>ôle</a:t>
+              <a:t>pétrôle</a:t>
             </a:r>
             <a:r>
               <a:rPr lang="fr-FR" b="1" u="sng" dirty="0" smtClean="0"/>
@@ -14018,11 +14257,7 @@
             </a:r>
             <a:r>
               <a:rPr lang="fr-FR" b="1" u="sng" dirty="0" err="1" smtClean="0"/>
-              <a:t>pétr</a:t>
-            </a:r>
-            <a:r>
-              <a:rPr lang="fr-FR" b="1" u="sng" dirty="0" err="1" smtClean="0"/>
-              <a:t>ôle</a:t>
+              <a:t>pétrôle</a:t>
             </a:r>
             <a:endParaRPr lang="fr-FR" b="1" u="sng" dirty="0"/>
           </a:p>
@@ -14057,6 +14292,36 @@
           </a:prstGeom>
         </p:spPr>
       </p:pic>
+      <p:sp>
+        <p:nvSpPr>
+          <p:cNvPr id="3" name="ZoneTexte 2"/>
+          <p:cNvSpPr txBox="1"/>
+          <p:nvPr/>
+        </p:nvSpPr>
+        <p:spPr>
+          <a:xfrm>
+            <a:off x="148621" y="6390217"/>
+            <a:ext cx="2906415" cy="369332"/>
+          </a:xfrm>
+          <a:prstGeom prst="rect">
+            <a:avLst/>
+          </a:prstGeom>
+          <a:noFill/>
+        </p:spPr>
+        <p:txBody>
+          <a:bodyPr wrap="none" rtlCol="0">
+            <a:spAutoFit/>
+          </a:bodyPr>
+          <a:lstStyle/>
+          <a:p>
+            <a:r>
+              <a:rPr lang="fr-FR" dirty="0" err="1" smtClean="0"/>
+              <a:t>culturesciences.chimie.ens.fr</a:t>
+            </a:r>
+            <a:endParaRPr lang="fr-FR" dirty="0"/>
+          </a:p>
+        </p:txBody>
+      </p:sp>
     </p:spTree>
     <p:extLst>
       <p:ext uri="{BB962C8B-B14F-4D97-AF65-F5344CB8AC3E}">
@@ -14092,7 +14357,7 @@
           <p:cNvPr id="2" name="Titre 1">
             <a:extLst>
               <a:ext uri="{FF2B5EF4-FFF2-40B4-BE49-F238E27FC236}">
-                <a16:creationId xmlns:a16="http://schemas.microsoft.com/office/drawing/2014/main" xmlns="" id="{DC5148AC-F2B1-46DB-941A-2941BEF362A6}"/>
+                <a16:creationId xmlns="" xmlns:a16="http://schemas.microsoft.com/office/drawing/2014/main" id="{DC5148AC-F2B1-46DB-941A-2941BEF362A6}"/>
               </a:ext>
             </a:extLst>
           </p:cNvPr>
@@ -14128,7 +14393,7 @@
           <p:cNvPr id="4" name="Espace réservé du numéro de diapositive 3">
             <a:extLst>
               <a:ext uri="{FF2B5EF4-FFF2-40B4-BE49-F238E27FC236}">
-                <a16:creationId xmlns:a16="http://schemas.microsoft.com/office/drawing/2014/main" xmlns="" id="{1CD4F84F-91CB-4C9F-8FAA-1A47AEDF9EA1}"/>
+                <a16:creationId xmlns="" xmlns:a16="http://schemas.microsoft.com/office/drawing/2014/main" id="{1CD4F84F-91CB-4C9F-8FAA-1A47AEDF9EA1}"/>
               </a:ext>
             </a:extLst>
           </p:cNvPr>
@@ -14157,7 +14422,7 @@
           <p:cNvPr id="5" name="Espace réservé du contenu 4" descr="Une image contenant texte, carte&#10;&#10;Description générée automatiquement">
             <a:extLst>
               <a:ext uri="{FF2B5EF4-FFF2-40B4-BE49-F238E27FC236}">
-                <a16:creationId xmlns:a16="http://schemas.microsoft.com/office/drawing/2014/main" xmlns="" id="{F800A091-87D4-410E-8019-38B0D9370CBB}"/>
+                <a16:creationId xmlns="" xmlns:a16="http://schemas.microsoft.com/office/drawing/2014/main" id="{F800A091-87D4-410E-8019-38B0D9370CBB}"/>
               </a:ext>
             </a:extLst>
           </p:cNvPr>
@@ -14194,7 +14459,7 @@
           <p:cNvPr id="6" name="Rectangle 5">
             <a:extLst>
               <a:ext uri="{FF2B5EF4-FFF2-40B4-BE49-F238E27FC236}">
-                <a16:creationId xmlns:a16="http://schemas.microsoft.com/office/drawing/2014/main" xmlns="" id="{248AF4C6-747C-4FC1-ABF8-E490194D4C87}"/>
+                <a16:creationId xmlns="" xmlns:a16="http://schemas.microsoft.com/office/drawing/2014/main" id="{248AF4C6-747C-4FC1-ABF8-E490194D4C87}"/>
               </a:ext>
             </a:extLst>
           </p:cNvPr>
@@ -14353,7 +14618,7 @@
           <p:cNvPr id="2" name="Titre 1">
             <a:extLst>
               <a:ext uri="{FF2B5EF4-FFF2-40B4-BE49-F238E27FC236}">
-                <a16:creationId xmlns:a16="http://schemas.microsoft.com/office/drawing/2014/main" xmlns="" id="{DC5148AC-F2B1-46DB-941A-2941BEF362A6}"/>
+                <a16:creationId xmlns="" xmlns:a16="http://schemas.microsoft.com/office/drawing/2014/main" id="{DC5148AC-F2B1-46DB-941A-2941BEF362A6}"/>
               </a:ext>
             </a:extLst>
           </p:cNvPr>
@@ -14389,7 +14654,7 @@
           <p:cNvPr id="4" name="Espace réservé du numéro de diapositive 3">
             <a:extLst>
               <a:ext uri="{FF2B5EF4-FFF2-40B4-BE49-F238E27FC236}">
-                <a16:creationId xmlns:a16="http://schemas.microsoft.com/office/drawing/2014/main" xmlns="" id="{1CD4F84F-91CB-4C9F-8FAA-1A47AEDF9EA1}"/>
+                <a16:creationId xmlns="" xmlns:a16="http://schemas.microsoft.com/office/drawing/2014/main" id="{1CD4F84F-91CB-4C9F-8FAA-1A47AEDF9EA1}"/>
               </a:ext>
             </a:extLst>
           </p:cNvPr>
@@ -14418,7 +14683,7 @@
           <p:cNvPr id="5" name="Espace réservé du contenu 4" descr="Une image contenant texte, carte&#10;&#10;Description générée automatiquement">
             <a:extLst>
               <a:ext uri="{FF2B5EF4-FFF2-40B4-BE49-F238E27FC236}">
-                <a16:creationId xmlns:a16="http://schemas.microsoft.com/office/drawing/2014/main" xmlns="" id="{F800A091-87D4-410E-8019-38B0D9370CBB}"/>
+                <a16:creationId xmlns="" xmlns:a16="http://schemas.microsoft.com/office/drawing/2014/main" id="{F800A091-87D4-410E-8019-38B0D9370CBB}"/>
               </a:ext>
             </a:extLst>
           </p:cNvPr>
@@ -14456,7 +14721,7 @@
           <p:cNvPr id="6" name="Rectangle 5">
             <a:extLst>
               <a:ext uri="{FF2B5EF4-FFF2-40B4-BE49-F238E27FC236}">
-                <a16:creationId xmlns:a16="http://schemas.microsoft.com/office/drawing/2014/main" xmlns="" id="{248AF4C6-747C-4FC1-ABF8-E490194D4C87}"/>
+                <a16:creationId xmlns="" xmlns:a16="http://schemas.microsoft.com/office/drawing/2014/main" id="{248AF4C6-747C-4FC1-ABF8-E490194D4C87}"/>
               </a:ext>
             </a:extLst>
           </p:cNvPr>
@@ -15250,7 +15515,7 @@
   <a:extraClrSchemeLst/>
   <a:extLst>
     <a:ext uri="{05A4C25C-085E-4340-85A3-A5531E510DB2}">
-      <thm15:themeFamily xmlns:thm15="http://schemas.microsoft.com/office/thememl/2012/main" xmlns="" name="Office Theme" id="{62F939B6-93AF-4DB8-9C6B-D6C7DFDC589F}" vid="{4A3C46E8-61CC-4603-A589-7422A47A8E4A}"/>
+      <thm15:themeFamily xmlns="" xmlns:thm15="http://schemas.microsoft.com/office/thememl/2012/main" name="Office Theme" id="{62F939B6-93AF-4DB8-9C6B-D6C7DFDC589F}" vid="{4A3C46E8-61CC-4603-A589-7422A47A8E4A}"/>
     </a:ext>
   </a:extLst>
 </a:theme>
